--- a/액션&경영 RPG/스킬/스킬문서양식및이미지.pptx
+++ b/액션&경영 RPG/스킬/스킬문서양식및이미지.pptx
@@ -5,7 +5,7 @@
     <p:sldMasterId id="2147483648" r:id="rId1"/>
   </p:sldMasterIdLst>
   <p:notesMasterIdLst>
-    <p:notesMasterId r:id="rId14"/>
+    <p:notesMasterId r:id="rId16"/>
   </p:notesMasterIdLst>
   <p:sldIdLst>
     <p:sldId id="256" r:id="rId2"/>
@@ -16,10 +16,12 @@
     <p:sldId id="260" r:id="rId7"/>
     <p:sldId id="257" r:id="rId8"/>
     <p:sldId id="268" r:id="rId9"/>
-    <p:sldId id="267" r:id="rId10"/>
-    <p:sldId id="269" r:id="rId11"/>
-    <p:sldId id="270" r:id="rId12"/>
-    <p:sldId id="271" r:id="rId13"/>
+    <p:sldId id="278" r:id="rId10"/>
+    <p:sldId id="267" r:id="rId11"/>
+    <p:sldId id="269" r:id="rId12"/>
+    <p:sldId id="270" r:id="rId13"/>
+    <p:sldId id="271" r:id="rId14"/>
+    <p:sldId id="277" r:id="rId15"/>
   </p:sldIdLst>
   <p:sldSz cx="12192000" cy="6858000"/>
   <p:notesSz cx="6858000" cy="9144000"/>
@@ -208,7 +210,7 @@
           <a:p>
             <a:fld id="{F44261E7-EF92-449E-8A46-EFB6A98CA029}" type="datetimeFigureOut">
               <a:rPr lang="ko-KR" altLang="en-US" smtClean="0"/>
-              <a:t>2024-10-07</a:t>
+              <a:t>2024-11-05</a:t>
             </a:fld>
             <a:endParaRPr lang="ko-KR" altLang="en-US"/>
           </a:p>
@@ -540,7 +542,91 @@
           <a:p>
             <a:fld id="{0B3E5525-2E79-46B1-9659-CD72060C6C39}" type="slidenum">
               <a:rPr lang="ko-KR" altLang="en-US" smtClean="0"/>
-              <a:t>11</a:t>
+              <a:t>9</a:t>
+            </a:fld>
+            <a:endParaRPr lang="ko-KR" altLang="en-US"/>
+          </a:p>
+        </p:txBody>
+      </p:sp>
+    </p:spTree>
+    <p:extLst>
+      <p:ext uri="{BB962C8B-B14F-4D97-AF65-F5344CB8AC3E}">
+        <p14:creationId xmlns:p14="http://schemas.microsoft.com/office/powerpoint/2010/main" val="1545774177"/>
+      </p:ext>
+    </p:extLst>
+  </p:cSld>
+  <p:clrMapOvr>
+    <a:masterClrMapping/>
+  </p:clrMapOvr>
+</p:notes>
+</file>
+
+<file path=ppt/notesSlides/notesSlide2.xml><?xml version="1.0" encoding="utf-8"?>
+<p:notes xmlns:a="http://schemas.openxmlformats.org/drawingml/2006/main" xmlns:r="http://schemas.openxmlformats.org/officeDocument/2006/relationships" xmlns:p="http://schemas.openxmlformats.org/presentationml/2006/main">
+  <p:cSld>
+    <p:spTree>
+      <p:nvGrpSpPr>
+        <p:cNvPr id="1" name=""/>
+        <p:cNvGrpSpPr/>
+        <p:nvPr/>
+      </p:nvGrpSpPr>
+      <p:grpSpPr>
+        <a:xfrm>
+          <a:off x="0" y="0"/>
+          <a:ext cx="0" cy="0"/>
+          <a:chOff x="0" y="0"/>
+          <a:chExt cx="0" cy="0"/>
+        </a:xfrm>
+      </p:grpSpPr>
+      <p:sp>
+        <p:nvSpPr>
+          <p:cNvPr id="2" name="슬라이드 이미지 개체 틀 1"/>
+          <p:cNvSpPr>
+            <a:spLocks noGrp="1" noRot="1" noChangeAspect="1"/>
+          </p:cNvSpPr>
+          <p:nvPr>
+            <p:ph type="sldImg"/>
+          </p:nvPr>
+        </p:nvSpPr>
+        <p:spPr/>
+      </p:sp>
+      <p:sp>
+        <p:nvSpPr>
+          <p:cNvPr id="3" name="슬라이드 노트 개체 틀 2"/>
+          <p:cNvSpPr>
+            <a:spLocks noGrp="1"/>
+          </p:cNvSpPr>
+          <p:nvPr>
+            <p:ph type="body" idx="1"/>
+          </p:nvPr>
+        </p:nvSpPr>
+        <p:spPr/>
+        <p:txBody>
+          <a:bodyPr/>
+          <a:lstStyle/>
+          <a:p>
+            <a:endParaRPr lang="ko-KR" altLang="en-US" dirty="0"/>
+          </a:p>
+        </p:txBody>
+      </p:sp>
+      <p:sp>
+        <p:nvSpPr>
+          <p:cNvPr id="4" name="슬라이드 번호 개체 틀 3"/>
+          <p:cNvSpPr>
+            <a:spLocks noGrp="1"/>
+          </p:cNvSpPr>
+          <p:nvPr>
+            <p:ph type="sldNum" sz="quarter" idx="5"/>
+          </p:nvPr>
+        </p:nvSpPr>
+        <p:spPr/>
+        <p:txBody>
+          <a:bodyPr/>
+          <a:lstStyle/>
+          <a:p>
+            <a:fld id="{0B3E5525-2E79-46B1-9659-CD72060C6C39}" type="slidenum">
+              <a:rPr lang="ko-KR" altLang="en-US" smtClean="0"/>
+              <a:t>12</a:t>
             </a:fld>
             <a:endParaRPr lang="ko-KR" altLang="en-US"/>
           </a:p>
@@ -706,7 +792,7 @@
           <a:p>
             <a:fld id="{F8ADF8F0-391E-4C28-B3EC-FA94B0B80675}" type="datetimeFigureOut">
               <a:rPr lang="ko-KR" altLang="en-US" smtClean="0"/>
-              <a:t>2024-10-07</a:t>
+              <a:t>2024-11-05</a:t>
             </a:fld>
             <a:endParaRPr lang="ko-KR" altLang="en-US"/>
           </a:p>
@@ -904,7 +990,7 @@
           <a:p>
             <a:fld id="{F8ADF8F0-391E-4C28-B3EC-FA94B0B80675}" type="datetimeFigureOut">
               <a:rPr lang="ko-KR" altLang="en-US" smtClean="0"/>
-              <a:t>2024-10-07</a:t>
+              <a:t>2024-11-05</a:t>
             </a:fld>
             <a:endParaRPr lang="ko-KR" altLang="en-US"/>
           </a:p>
@@ -1112,7 +1198,7 @@
           <a:p>
             <a:fld id="{F8ADF8F0-391E-4C28-B3EC-FA94B0B80675}" type="datetimeFigureOut">
               <a:rPr lang="ko-KR" altLang="en-US" smtClean="0"/>
-              <a:t>2024-10-07</a:t>
+              <a:t>2024-11-05</a:t>
             </a:fld>
             <a:endParaRPr lang="ko-KR" altLang="en-US"/>
           </a:p>
@@ -1310,7 +1396,7 @@
           <a:p>
             <a:fld id="{F8ADF8F0-391E-4C28-B3EC-FA94B0B80675}" type="datetimeFigureOut">
               <a:rPr lang="ko-KR" altLang="en-US" smtClean="0"/>
-              <a:t>2024-10-07</a:t>
+              <a:t>2024-11-05</a:t>
             </a:fld>
             <a:endParaRPr lang="ko-KR" altLang="en-US"/>
           </a:p>
@@ -1585,7 +1671,7 @@
           <a:p>
             <a:fld id="{F8ADF8F0-391E-4C28-B3EC-FA94B0B80675}" type="datetimeFigureOut">
               <a:rPr lang="ko-KR" altLang="en-US" smtClean="0"/>
-              <a:t>2024-10-07</a:t>
+              <a:t>2024-11-05</a:t>
             </a:fld>
             <a:endParaRPr lang="ko-KR" altLang="en-US"/>
           </a:p>
@@ -1850,7 +1936,7 @@
           <a:p>
             <a:fld id="{F8ADF8F0-391E-4C28-B3EC-FA94B0B80675}" type="datetimeFigureOut">
               <a:rPr lang="ko-KR" altLang="en-US" smtClean="0"/>
-              <a:t>2024-10-07</a:t>
+              <a:t>2024-11-05</a:t>
             </a:fld>
             <a:endParaRPr lang="ko-KR" altLang="en-US"/>
           </a:p>
@@ -2262,7 +2348,7 @@
           <a:p>
             <a:fld id="{F8ADF8F0-391E-4C28-B3EC-FA94B0B80675}" type="datetimeFigureOut">
               <a:rPr lang="ko-KR" altLang="en-US" smtClean="0"/>
-              <a:t>2024-10-07</a:t>
+              <a:t>2024-11-05</a:t>
             </a:fld>
             <a:endParaRPr lang="ko-KR" altLang="en-US"/>
           </a:p>
@@ -2403,7 +2489,7 @@
           <a:p>
             <a:fld id="{F8ADF8F0-391E-4C28-B3EC-FA94B0B80675}" type="datetimeFigureOut">
               <a:rPr lang="ko-KR" altLang="en-US" smtClean="0"/>
-              <a:t>2024-10-07</a:t>
+              <a:t>2024-11-05</a:t>
             </a:fld>
             <a:endParaRPr lang="ko-KR" altLang="en-US"/>
           </a:p>
@@ -2516,7 +2602,7 @@
           <a:p>
             <a:fld id="{F8ADF8F0-391E-4C28-B3EC-FA94B0B80675}" type="datetimeFigureOut">
               <a:rPr lang="ko-KR" altLang="en-US" smtClean="0"/>
-              <a:t>2024-10-07</a:t>
+              <a:t>2024-11-05</a:t>
             </a:fld>
             <a:endParaRPr lang="ko-KR" altLang="en-US"/>
           </a:p>
@@ -2827,7 +2913,7 @@
           <a:p>
             <a:fld id="{F8ADF8F0-391E-4C28-B3EC-FA94B0B80675}" type="datetimeFigureOut">
               <a:rPr lang="ko-KR" altLang="en-US" smtClean="0"/>
-              <a:t>2024-10-07</a:t>
+              <a:t>2024-11-05</a:t>
             </a:fld>
             <a:endParaRPr lang="ko-KR" altLang="en-US"/>
           </a:p>
@@ -3115,7 +3201,7 @@
           <a:p>
             <a:fld id="{F8ADF8F0-391E-4C28-B3EC-FA94B0B80675}" type="datetimeFigureOut">
               <a:rPr lang="ko-KR" altLang="en-US" smtClean="0"/>
-              <a:t>2024-10-07</a:t>
+              <a:t>2024-11-05</a:t>
             </a:fld>
             <a:endParaRPr lang="ko-KR" altLang="en-US"/>
           </a:p>
@@ -3356,7 +3442,7 @@
           <a:p>
             <a:fld id="{F8ADF8F0-391E-4C28-B3EC-FA94B0B80675}" type="datetimeFigureOut">
               <a:rPr lang="ko-KR" altLang="en-US" smtClean="0"/>
-              <a:t>2024-10-07</a:t>
+              <a:t>2024-11-05</a:t>
             </a:fld>
             <a:endParaRPr lang="ko-KR" altLang="en-US"/>
           </a:p>
@@ -4058,6 +4144,1668 @@
 </file>
 
 <file path=ppt/slides/slide10.xml><?xml version="1.0" encoding="utf-8"?>
+<p:sld xmlns:a="http://schemas.openxmlformats.org/drawingml/2006/main" xmlns:r="http://schemas.openxmlformats.org/officeDocument/2006/relationships" xmlns:p="http://schemas.openxmlformats.org/presentationml/2006/main">
+  <p:cSld>
+    <p:spTree>
+      <p:nvGrpSpPr>
+        <p:cNvPr id="1" name=""/>
+        <p:cNvGrpSpPr/>
+        <p:nvPr/>
+      </p:nvGrpSpPr>
+      <p:grpSpPr>
+        <a:xfrm>
+          <a:off x="0" y="0"/>
+          <a:ext cx="0" cy="0"/>
+          <a:chOff x="0" y="0"/>
+          <a:chExt cx="0" cy="0"/>
+        </a:xfrm>
+      </p:grpSpPr>
+      <p:grpSp>
+        <p:nvGrpSpPr>
+          <p:cNvPr id="42" name="그룹 41">
+            <a:extLst>
+              <a:ext uri="{FF2B5EF4-FFF2-40B4-BE49-F238E27FC236}">
+                <a16:creationId xmlns:a16="http://schemas.microsoft.com/office/drawing/2014/main" id="{42655F23-37B8-4AFA-B33E-136378ECAF83}"/>
+              </a:ext>
+            </a:extLst>
+          </p:cNvPr>
+          <p:cNvGrpSpPr>
+            <a:grpSpLocks/>
+          </p:cNvGrpSpPr>
+          <p:nvPr/>
+        </p:nvGrpSpPr>
+        <p:grpSpPr>
+          <a:xfrm>
+            <a:off x="3506012" y="181080"/>
+            <a:ext cx="1600200" cy="403080"/>
+            <a:chOff x="4391025" y="108202"/>
+            <a:chExt cx="1600200" cy="524755"/>
+          </a:xfrm>
+          <a:solidFill>
+            <a:schemeClr val="bg1">
+              <a:lumMod val="95000"/>
+            </a:schemeClr>
+          </a:solidFill>
+        </p:grpSpPr>
+        <p:sp>
+          <p:nvSpPr>
+            <p:cNvPr id="44" name="평행 사변형 43">
+              <a:extLst>
+                <a:ext uri="{FF2B5EF4-FFF2-40B4-BE49-F238E27FC236}">
+                  <a16:creationId xmlns:a16="http://schemas.microsoft.com/office/drawing/2014/main" id="{CDB45949-2375-4698-8757-5E1F490E8367}"/>
+                </a:ext>
+              </a:extLst>
+            </p:cNvPr>
+            <p:cNvSpPr>
+              <a:spLocks/>
+            </p:cNvSpPr>
+            <p:nvPr/>
+          </p:nvSpPr>
+          <p:spPr>
+            <a:xfrm>
+              <a:off x="4391025" y="108202"/>
+              <a:ext cx="1600200" cy="524755"/>
+            </a:xfrm>
+            <a:prstGeom prst="parallelogram">
+              <a:avLst>
+                <a:gd name="adj" fmla="val 49299"/>
+              </a:avLst>
+            </a:prstGeom>
+            <a:grpFill/>
+            <a:ln>
+              <a:noFill/>
+            </a:ln>
+          </p:spPr>
+          <p:style>
+            <a:lnRef idx="2">
+              <a:schemeClr val="accent1">
+                <a:shade val="50000"/>
+              </a:schemeClr>
+            </a:lnRef>
+            <a:fillRef idx="1">
+              <a:schemeClr val="accent1"/>
+            </a:fillRef>
+            <a:effectRef idx="0">
+              <a:schemeClr val="accent1"/>
+            </a:effectRef>
+            <a:fontRef idx="minor">
+              <a:schemeClr val="lt1"/>
+            </a:fontRef>
+          </p:style>
+          <p:txBody>
+            <a:bodyPr rtlCol="0" anchor="ctr"/>
+            <a:lstStyle/>
+            <a:p>
+              <a:pPr algn="ctr"/>
+              <a:endParaRPr lang="ko-KR" altLang="en-US" sz="1000">
+                <a:solidFill>
+                  <a:schemeClr val="bg1">
+                    <a:lumMod val="50000"/>
+                  </a:schemeClr>
+                </a:solidFill>
+              </a:endParaRPr>
+            </a:p>
+          </p:txBody>
+        </p:sp>
+        <p:sp>
+          <p:nvSpPr>
+            <p:cNvPr id="45" name="TextBox 44">
+              <a:extLst>
+                <a:ext uri="{FF2B5EF4-FFF2-40B4-BE49-F238E27FC236}">
+                  <a16:creationId xmlns:a16="http://schemas.microsoft.com/office/drawing/2014/main" id="{34889474-D76A-48E4-9376-2EF32B706AC9}"/>
+                </a:ext>
+              </a:extLst>
+            </p:cNvPr>
+            <p:cNvSpPr txBox="1">
+              <a:spLocks/>
+            </p:cNvSpPr>
+            <p:nvPr/>
+          </p:nvSpPr>
+          <p:spPr>
+            <a:xfrm>
+              <a:off x="4791817" y="200289"/>
+              <a:ext cx="742511" cy="320546"/>
+            </a:xfrm>
+            <a:prstGeom prst="rect">
+              <a:avLst/>
+            </a:prstGeom>
+            <a:grpFill/>
+          </p:spPr>
+          <p:txBody>
+            <a:bodyPr wrap="none" rtlCol="0">
+              <a:spAutoFit/>
+            </a:bodyPr>
+            <a:lstStyle/>
+            <a:p>
+              <a:r>
+                <a:rPr lang="ko-KR" altLang="en-US" sz="1000" b="1" dirty="0">
+                  <a:solidFill>
+                    <a:schemeClr val="bg1">
+                      <a:lumMod val="50000"/>
+                    </a:schemeClr>
+                  </a:solidFill>
+                  <a:effectLst/>
+                </a:rPr>
+                <a:t>기본 모션</a:t>
+              </a:r>
+              <a:endParaRPr lang="en-US" altLang="ko-KR" sz="1000" b="1" dirty="0">
+                <a:solidFill>
+                  <a:schemeClr val="bg1">
+                    <a:lumMod val="50000"/>
+                  </a:schemeClr>
+                </a:solidFill>
+                <a:effectLst/>
+              </a:endParaRPr>
+            </a:p>
+          </p:txBody>
+        </p:sp>
+      </p:grpSp>
+      <p:grpSp>
+        <p:nvGrpSpPr>
+          <p:cNvPr id="46" name="그룹 45">
+            <a:extLst>
+              <a:ext uri="{FF2B5EF4-FFF2-40B4-BE49-F238E27FC236}">
+                <a16:creationId xmlns:a16="http://schemas.microsoft.com/office/drawing/2014/main" id="{EE51AC58-AF94-4355-BA14-C3F7835900AD}"/>
+              </a:ext>
+            </a:extLst>
+          </p:cNvPr>
+          <p:cNvGrpSpPr>
+            <a:grpSpLocks/>
+          </p:cNvGrpSpPr>
+          <p:nvPr/>
+        </p:nvGrpSpPr>
+        <p:grpSpPr>
+          <a:xfrm>
+            <a:off x="5104149" y="181080"/>
+            <a:ext cx="1600200" cy="403080"/>
+            <a:chOff x="4391025" y="108202"/>
+            <a:chExt cx="1600200" cy="524755"/>
+          </a:xfrm>
+          <a:solidFill>
+            <a:schemeClr val="bg1">
+              <a:lumMod val="95000"/>
+            </a:schemeClr>
+          </a:solidFill>
+        </p:grpSpPr>
+        <p:sp>
+          <p:nvSpPr>
+            <p:cNvPr id="47" name="평행 사변형 46">
+              <a:extLst>
+                <a:ext uri="{FF2B5EF4-FFF2-40B4-BE49-F238E27FC236}">
+                  <a16:creationId xmlns:a16="http://schemas.microsoft.com/office/drawing/2014/main" id="{F0DD6F98-F2BB-43FD-9F1C-1BB9287C7433}"/>
+                </a:ext>
+              </a:extLst>
+            </p:cNvPr>
+            <p:cNvSpPr>
+              <a:spLocks/>
+            </p:cNvSpPr>
+            <p:nvPr/>
+          </p:nvSpPr>
+          <p:spPr>
+            <a:xfrm>
+              <a:off x="4391025" y="108202"/>
+              <a:ext cx="1600200" cy="524755"/>
+            </a:xfrm>
+            <a:prstGeom prst="parallelogram">
+              <a:avLst>
+                <a:gd name="adj" fmla="val 49299"/>
+              </a:avLst>
+            </a:prstGeom>
+            <a:grpFill/>
+            <a:ln>
+              <a:noFill/>
+            </a:ln>
+          </p:spPr>
+          <p:style>
+            <a:lnRef idx="2">
+              <a:schemeClr val="accent1">
+                <a:shade val="50000"/>
+              </a:schemeClr>
+            </a:lnRef>
+            <a:fillRef idx="1">
+              <a:schemeClr val="accent1"/>
+            </a:fillRef>
+            <a:effectRef idx="0">
+              <a:schemeClr val="accent1"/>
+            </a:effectRef>
+            <a:fontRef idx="minor">
+              <a:schemeClr val="lt1"/>
+            </a:fontRef>
+          </p:style>
+          <p:txBody>
+            <a:bodyPr rtlCol="0" anchor="ctr"/>
+            <a:lstStyle/>
+            <a:p>
+              <a:pPr algn="ctr"/>
+              <a:endParaRPr lang="ko-KR" altLang="en-US" sz="1000" dirty="0">
+                <a:solidFill>
+                  <a:schemeClr val="bg1">
+                    <a:lumMod val="50000"/>
+                  </a:schemeClr>
+                </a:solidFill>
+              </a:endParaRPr>
+            </a:p>
+          </p:txBody>
+        </p:sp>
+        <p:sp>
+          <p:nvSpPr>
+            <p:cNvPr id="48" name="TextBox 47">
+              <a:extLst>
+                <a:ext uri="{FF2B5EF4-FFF2-40B4-BE49-F238E27FC236}">
+                  <a16:creationId xmlns:a16="http://schemas.microsoft.com/office/drawing/2014/main" id="{F80F3253-C5AC-483B-BAB6-88E57716E386}"/>
+                </a:ext>
+              </a:extLst>
+            </p:cNvPr>
+            <p:cNvSpPr txBox="1">
+              <a:spLocks/>
+            </p:cNvSpPr>
+            <p:nvPr/>
+          </p:nvSpPr>
+          <p:spPr>
+            <a:xfrm>
+              <a:off x="4957728" y="200289"/>
+              <a:ext cx="441146" cy="320546"/>
+            </a:xfrm>
+            <a:prstGeom prst="rect">
+              <a:avLst/>
+            </a:prstGeom>
+            <a:grpFill/>
+          </p:spPr>
+          <p:txBody>
+            <a:bodyPr wrap="none" rtlCol="0">
+              <a:spAutoFit/>
+            </a:bodyPr>
+            <a:lstStyle/>
+            <a:p>
+              <a:r>
+                <a:rPr lang="ko-KR" altLang="en-US" sz="1000" b="1" dirty="0">
+                  <a:solidFill>
+                    <a:schemeClr val="bg1">
+                      <a:lumMod val="50000"/>
+                    </a:schemeClr>
+                  </a:solidFill>
+                  <a:effectLst/>
+                </a:rPr>
+                <a:t>스킬</a:t>
+              </a:r>
+              <a:endParaRPr lang="en-US" altLang="ko-KR" sz="1000" b="1" dirty="0">
+                <a:solidFill>
+                  <a:schemeClr val="bg1">
+                    <a:lumMod val="50000"/>
+                  </a:schemeClr>
+                </a:solidFill>
+                <a:effectLst/>
+              </a:endParaRPr>
+            </a:p>
+          </p:txBody>
+        </p:sp>
+      </p:grpSp>
+      <p:grpSp>
+        <p:nvGrpSpPr>
+          <p:cNvPr id="49" name="그룹 48">
+            <a:extLst>
+              <a:ext uri="{FF2B5EF4-FFF2-40B4-BE49-F238E27FC236}">
+                <a16:creationId xmlns:a16="http://schemas.microsoft.com/office/drawing/2014/main" id="{C22A3464-0356-4B1F-BC32-53F7D0FE6E8B}"/>
+              </a:ext>
+            </a:extLst>
+          </p:cNvPr>
+          <p:cNvGrpSpPr>
+            <a:grpSpLocks/>
+          </p:cNvGrpSpPr>
+          <p:nvPr/>
+        </p:nvGrpSpPr>
+        <p:grpSpPr>
+          <a:xfrm>
+            <a:off x="1907875" y="181080"/>
+            <a:ext cx="1600200" cy="403081"/>
+            <a:chOff x="4397331" y="108202"/>
+            <a:chExt cx="1600200" cy="524755"/>
+          </a:xfrm>
+          <a:solidFill>
+            <a:schemeClr val="bg1">
+              <a:lumMod val="95000"/>
+            </a:schemeClr>
+          </a:solidFill>
+        </p:grpSpPr>
+        <p:sp>
+          <p:nvSpPr>
+            <p:cNvPr id="50" name="평행 사변형 49">
+              <a:extLst>
+                <a:ext uri="{FF2B5EF4-FFF2-40B4-BE49-F238E27FC236}">
+                  <a16:creationId xmlns:a16="http://schemas.microsoft.com/office/drawing/2014/main" id="{BFF850DA-4447-4895-914D-5EC2A72633C8}"/>
+                </a:ext>
+              </a:extLst>
+            </p:cNvPr>
+            <p:cNvSpPr>
+              <a:spLocks/>
+            </p:cNvSpPr>
+            <p:nvPr/>
+          </p:nvSpPr>
+          <p:spPr>
+            <a:xfrm>
+              <a:off x="4397331" y="108202"/>
+              <a:ext cx="1600200" cy="524755"/>
+            </a:xfrm>
+            <a:prstGeom prst="parallelogram">
+              <a:avLst>
+                <a:gd name="adj" fmla="val 49299"/>
+              </a:avLst>
+            </a:prstGeom>
+            <a:grpFill/>
+            <a:ln>
+              <a:noFill/>
+            </a:ln>
+          </p:spPr>
+          <p:style>
+            <a:lnRef idx="2">
+              <a:schemeClr val="accent1">
+                <a:shade val="50000"/>
+              </a:schemeClr>
+            </a:lnRef>
+            <a:fillRef idx="1">
+              <a:schemeClr val="accent1"/>
+            </a:fillRef>
+            <a:effectRef idx="0">
+              <a:schemeClr val="accent1"/>
+            </a:effectRef>
+            <a:fontRef idx="minor">
+              <a:schemeClr val="lt1"/>
+            </a:fontRef>
+          </p:style>
+          <p:txBody>
+            <a:bodyPr rtlCol="0" anchor="ctr"/>
+            <a:lstStyle/>
+            <a:p>
+              <a:pPr algn="ctr"/>
+              <a:endParaRPr lang="ko-KR" altLang="en-US" sz="1000">
+                <a:solidFill>
+                  <a:schemeClr val="bg1">
+                    <a:lumMod val="50000"/>
+                  </a:schemeClr>
+                </a:solidFill>
+              </a:endParaRPr>
+            </a:p>
+          </p:txBody>
+        </p:sp>
+        <p:sp>
+          <p:nvSpPr>
+            <p:cNvPr id="51" name="TextBox 50">
+              <a:extLst>
+                <a:ext uri="{FF2B5EF4-FFF2-40B4-BE49-F238E27FC236}">
+                  <a16:creationId xmlns:a16="http://schemas.microsoft.com/office/drawing/2014/main" id="{654BA4F5-7770-40D8-BCA2-A2564F6C78D7}"/>
+                </a:ext>
+              </a:extLst>
+            </p:cNvPr>
+            <p:cNvSpPr txBox="1">
+              <a:spLocks/>
+            </p:cNvSpPr>
+            <p:nvPr/>
+          </p:nvSpPr>
+          <p:spPr>
+            <a:xfrm>
+              <a:off x="4791817" y="200289"/>
+              <a:ext cx="742511" cy="320545"/>
+            </a:xfrm>
+            <a:prstGeom prst="rect">
+              <a:avLst/>
+            </a:prstGeom>
+            <a:grpFill/>
+          </p:spPr>
+          <p:txBody>
+            <a:bodyPr wrap="none" rtlCol="0">
+              <a:spAutoFit/>
+            </a:bodyPr>
+            <a:lstStyle/>
+            <a:p>
+              <a:r>
+                <a:rPr lang="ko-KR" altLang="en-US" sz="1000" b="1" dirty="0">
+                  <a:solidFill>
+                    <a:schemeClr val="bg1">
+                      <a:lumMod val="50000"/>
+                    </a:schemeClr>
+                  </a:solidFill>
+                  <a:effectLst/>
+                </a:rPr>
+                <a:t>무기 소개</a:t>
+              </a:r>
+              <a:endParaRPr lang="en-US" altLang="ko-KR" sz="1000" b="1" dirty="0">
+                <a:solidFill>
+                  <a:schemeClr val="bg1">
+                    <a:lumMod val="50000"/>
+                  </a:schemeClr>
+                </a:solidFill>
+                <a:effectLst/>
+              </a:endParaRPr>
+            </a:p>
+          </p:txBody>
+        </p:sp>
+      </p:grpSp>
+      <p:sp>
+        <p:nvSpPr>
+          <p:cNvPr id="16" name="TextBox 15">
+            <a:extLst>
+              <a:ext uri="{FF2B5EF4-FFF2-40B4-BE49-F238E27FC236}">
+                <a16:creationId xmlns:a16="http://schemas.microsoft.com/office/drawing/2014/main" id="{C39179F9-C670-49DD-9B63-20EFFDAAB0AF}"/>
+              </a:ext>
+            </a:extLst>
+          </p:cNvPr>
+          <p:cNvSpPr txBox="1">
+            <a:spLocks/>
+          </p:cNvSpPr>
+          <p:nvPr/>
+        </p:nvSpPr>
+        <p:spPr>
+          <a:xfrm>
+            <a:off x="836937" y="251815"/>
+            <a:ext cx="543739" cy="307777"/>
+          </a:xfrm>
+          <a:prstGeom prst="rect">
+            <a:avLst/>
+          </a:prstGeom>
+          <a:noFill/>
+        </p:spPr>
+        <p:txBody>
+          <a:bodyPr wrap="none" rtlCol="0">
+            <a:spAutoFit/>
+          </a:bodyPr>
+          <a:lstStyle/>
+          <a:p>
+            <a:pPr algn="ctr"/>
+            <a:r>
+              <a:rPr lang="ko-KR" altLang="en-US" sz="1400" b="1" dirty="0">
+                <a:effectLst/>
+              </a:rPr>
+              <a:t>개요</a:t>
+            </a:r>
+            <a:endParaRPr lang="en-US" altLang="ko-KR" sz="1400" b="1" dirty="0">
+              <a:effectLst/>
+            </a:endParaRPr>
+          </a:p>
+        </p:txBody>
+      </p:sp>
+      <p:sp>
+        <p:nvSpPr>
+          <p:cNvPr id="102" name="자유형: 도형 101">
+            <a:extLst>
+              <a:ext uri="{FF2B5EF4-FFF2-40B4-BE49-F238E27FC236}">
+                <a16:creationId xmlns:a16="http://schemas.microsoft.com/office/drawing/2014/main" id="{AFAEEBBF-ABAF-4362-9A17-EF9D37E9BBE0}"/>
+              </a:ext>
+            </a:extLst>
+          </p:cNvPr>
+          <p:cNvSpPr>
+            <a:spLocks/>
+          </p:cNvSpPr>
+          <p:nvPr/>
+        </p:nvSpPr>
+        <p:spPr>
+          <a:xfrm>
+            <a:off x="233052" y="185202"/>
+            <a:ext cx="1674019" cy="409575"/>
+          </a:xfrm>
+          <a:custGeom>
+            <a:avLst/>
+            <a:gdLst>
+              <a:gd name="connsiteX0" fmla="*/ 0 w 1674019"/>
+              <a:gd name="connsiteY0" fmla="*/ 409575 h 409575"/>
+              <a:gd name="connsiteX1" fmla="*/ 69056 w 1674019"/>
+              <a:gd name="connsiteY1" fmla="*/ 409575 h 409575"/>
+              <a:gd name="connsiteX2" fmla="*/ 271463 w 1674019"/>
+              <a:gd name="connsiteY2" fmla="*/ 0 h 409575"/>
+              <a:gd name="connsiteX3" fmla="*/ 1674019 w 1674019"/>
+              <a:gd name="connsiteY3" fmla="*/ 0 h 409575"/>
+              <a:gd name="connsiteX4" fmla="*/ 1469231 w 1674019"/>
+              <a:gd name="connsiteY4" fmla="*/ 409575 h 409575"/>
+              <a:gd name="connsiteX5" fmla="*/ 1543050 w 1674019"/>
+              <a:gd name="connsiteY5" fmla="*/ 409575 h 409575"/>
+            </a:gdLst>
+            <a:ahLst/>
+            <a:cxnLst>
+              <a:cxn ang="0">
+                <a:pos x="connsiteX0" y="connsiteY0"/>
+              </a:cxn>
+              <a:cxn ang="0">
+                <a:pos x="connsiteX1" y="connsiteY1"/>
+              </a:cxn>
+              <a:cxn ang="0">
+                <a:pos x="connsiteX2" y="connsiteY2"/>
+              </a:cxn>
+              <a:cxn ang="0">
+                <a:pos x="connsiteX3" y="connsiteY3"/>
+              </a:cxn>
+              <a:cxn ang="0">
+                <a:pos x="connsiteX4" y="connsiteY4"/>
+              </a:cxn>
+              <a:cxn ang="0">
+                <a:pos x="connsiteX5" y="connsiteY5"/>
+              </a:cxn>
+            </a:cxnLst>
+            <a:rect l="l" t="t" r="r" b="b"/>
+            <a:pathLst>
+              <a:path w="1674019" h="409575">
+                <a:moveTo>
+                  <a:pt x="0" y="409575"/>
+                </a:moveTo>
+                <a:lnTo>
+                  <a:pt x="69056" y="409575"/>
+                </a:lnTo>
+                <a:lnTo>
+                  <a:pt x="271463" y="0"/>
+                </a:lnTo>
+                <a:lnTo>
+                  <a:pt x="1674019" y="0"/>
+                </a:lnTo>
+                <a:lnTo>
+                  <a:pt x="1469231" y="409575"/>
+                </a:lnTo>
+                <a:lnTo>
+                  <a:pt x="1543050" y="409575"/>
+                </a:lnTo>
+              </a:path>
+            </a:pathLst>
+          </a:custGeom>
+          <a:noFill/>
+          <a:ln w="28575">
+            <a:solidFill>
+              <a:schemeClr val="accent4">
+                <a:lumMod val="75000"/>
+              </a:schemeClr>
+            </a:solidFill>
+          </a:ln>
+        </p:spPr>
+        <p:style>
+          <a:lnRef idx="2">
+            <a:schemeClr val="accent1">
+              <a:shade val="50000"/>
+            </a:schemeClr>
+          </a:lnRef>
+          <a:fillRef idx="1">
+            <a:schemeClr val="accent1"/>
+          </a:fillRef>
+          <a:effectRef idx="0">
+            <a:schemeClr val="accent1"/>
+          </a:effectRef>
+          <a:fontRef idx="minor">
+            <a:schemeClr val="lt1"/>
+          </a:fontRef>
+        </p:style>
+        <p:txBody>
+          <a:bodyPr rtlCol="0" anchor="ctr"/>
+          <a:lstStyle/>
+          <a:p>
+            <a:pPr algn="ctr"/>
+            <a:endParaRPr lang="ko-KR" altLang="en-US"/>
+          </a:p>
+        </p:txBody>
+      </p:sp>
+      <p:cxnSp>
+        <p:nvCxnSpPr>
+          <p:cNvPr id="105" name="직선 연결선 104">
+            <a:extLst>
+              <a:ext uri="{FF2B5EF4-FFF2-40B4-BE49-F238E27FC236}">
+                <a16:creationId xmlns:a16="http://schemas.microsoft.com/office/drawing/2014/main" id="{7E2F88F9-3C7B-48DF-A4C7-DA194F522C73}"/>
+              </a:ext>
+            </a:extLst>
+          </p:cNvPr>
+          <p:cNvCxnSpPr>
+            <a:cxnSpLocks/>
+            <a:stCxn id="102" idx="1"/>
+          </p:cNvCxnSpPr>
+          <p:nvPr/>
+        </p:nvCxnSpPr>
+        <p:spPr>
+          <a:xfrm flipH="1">
+            <a:off x="0" y="594777"/>
+            <a:ext cx="302108" cy="0"/>
+          </a:xfrm>
+          <a:prstGeom prst="line">
+            <a:avLst/>
+          </a:prstGeom>
+          <a:ln w="28575">
+            <a:solidFill>
+              <a:schemeClr val="accent4">
+                <a:lumMod val="75000"/>
+              </a:schemeClr>
+            </a:solidFill>
+          </a:ln>
+        </p:spPr>
+        <p:style>
+          <a:lnRef idx="2">
+            <a:schemeClr val="accent1"/>
+          </a:lnRef>
+          <a:fillRef idx="0">
+            <a:schemeClr val="accent1"/>
+          </a:fillRef>
+          <a:effectRef idx="1">
+            <a:schemeClr val="accent1"/>
+          </a:effectRef>
+          <a:fontRef idx="minor">
+            <a:schemeClr val="tx1"/>
+          </a:fontRef>
+        </p:style>
+      </p:cxnSp>
+      <p:cxnSp>
+        <p:nvCxnSpPr>
+          <p:cNvPr id="106" name="직선 연결선 105">
+            <a:extLst>
+              <a:ext uri="{FF2B5EF4-FFF2-40B4-BE49-F238E27FC236}">
+                <a16:creationId xmlns:a16="http://schemas.microsoft.com/office/drawing/2014/main" id="{3ABAC88F-1F22-4AC6-94F9-607393818B8F}"/>
+              </a:ext>
+            </a:extLst>
+          </p:cNvPr>
+          <p:cNvCxnSpPr>
+            <a:cxnSpLocks/>
+            <a:endCxn id="102" idx="4"/>
+          </p:cNvCxnSpPr>
+          <p:nvPr/>
+        </p:nvCxnSpPr>
+        <p:spPr>
+          <a:xfrm flipH="1">
+            <a:off x="1702283" y="594777"/>
+            <a:ext cx="10481310" cy="0"/>
+          </a:xfrm>
+          <a:prstGeom prst="line">
+            <a:avLst/>
+          </a:prstGeom>
+          <a:ln w="28575">
+            <a:solidFill>
+              <a:schemeClr val="accent4">
+                <a:lumMod val="75000"/>
+              </a:schemeClr>
+            </a:solidFill>
+          </a:ln>
+        </p:spPr>
+        <p:style>
+          <a:lnRef idx="2">
+            <a:schemeClr val="accent1"/>
+          </a:lnRef>
+          <a:fillRef idx="0">
+            <a:schemeClr val="accent1"/>
+          </a:fillRef>
+          <a:effectRef idx="1">
+            <a:schemeClr val="accent1"/>
+          </a:effectRef>
+          <a:fontRef idx="minor">
+            <a:schemeClr val="tx1"/>
+          </a:fontRef>
+        </p:style>
+      </p:cxnSp>
+      <p:grpSp>
+        <p:nvGrpSpPr>
+          <p:cNvPr id="6" name="그룹 5">
+            <a:extLst>
+              <a:ext uri="{FF2B5EF4-FFF2-40B4-BE49-F238E27FC236}">
+                <a16:creationId xmlns:a16="http://schemas.microsoft.com/office/drawing/2014/main" id="{FB2DC671-EBE6-161D-9D80-4A8AB5D7C3A6}"/>
+              </a:ext>
+            </a:extLst>
+          </p:cNvPr>
+          <p:cNvGrpSpPr/>
+          <p:nvPr/>
+        </p:nvGrpSpPr>
+        <p:grpSpPr>
+          <a:xfrm>
+            <a:off x="10502114" y="78962"/>
+            <a:ext cx="1689886" cy="505199"/>
+            <a:chOff x="10502114" y="78962"/>
+            <a:chExt cx="1689886" cy="505199"/>
+          </a:xfrm>
+        </p:grpSpPr>
+        <p:sp>
+          <p:nvSpPr>
+            <p:cNvPr id="2" name="TextBox 1">
+              <a:extLst>
+                <a:ext uri="{FF2B5EF4-FFF2-40B4-BE49-F238E27FC236}">
+                  <a16:creationId xmlns:a16="http://schemas.microsoft.com/office/drawing/2014/main" id="{01E4C8AF-3C7D-95E4-288F-0BE7BD60B384}"/>
+                </a:ext>
+              </a:extLst>
+            </p:cNvPr>
+            <p:cNvSpPr txBox="1">
+              <a:spLocks/>
+            </p:cNvSpPr>
+            <p:nvPr/>
+          </p:nvSpPr>
+          <p:spPr>
+            <a:xfrm>
+              <a:off x="10502114" y="353329"/>
+              <a:ext cx="1689886" cy="230832"/>
+            </a:xfrm>
+            <a:prstGeom prst="rect">
+              <a:avLst/>
+            </a:prstGeom>
+            <a:noFill/>
+          </p:spPr>
+          <p:txBody>
+            <a:bodyPr wrap="none" rtlCol="0">
+              <a:spAutoFit/>
+            </a:bodyPr>
+            <a:lstStyle/>
+            <a:p>
+              <a:pPr algn="r"/>
+              <a:r>
+                <a:rPr lang="ko-KR" altLang="en-US" sz="900" b="1" dirty="0" err="1">
+                  <a:solidFill>
+                    <a:schemeClr val="bg1">
+                      <a:lumMod val="50000"/>
+                    </a:schemeClr>
+                  </a:solidFill>
+                  <a:effectLst/>
+                </a:rPr>
+                <a:t>리트루기아</a:t>
+              </a:r>
+              <a:r>
+                <a:rPr lang="ko-KR" altLang="en-US" sz="900" b="1" dirty="0">
+                  <a:solidFill>
+                    <a:schemeClr val="bg1">
+                      <a:lumMod val="50000"/>
+                    </a:schemeClr>
+                  </a:solidFill>
+                  <a:effectLst/>
+                </a:rPr>
+                <a:t> 부채 스킬 기획서</a:t>
+              </a:r>
+              <a:endParaRPr lang="en-US" altLang="ko-KR" sz="900" b="1" dirty="0">
+                <a:solidFill>
+                  <a:schemeClr val="bg1">
+                    <a:lumMod val="50000"/>
+                  </a:schemeClr>
+                </a:solidFill>
+                <a:effectLst/>
+              </a:endParaRPr>
+            </a:p>
+          </p:txBody>
+        </p:sp>
+        <p:grpSp>
+          <p:nvGrpSpPr>
+            <p:cNvPr id="3" name="그룹 2">
+              <a:extLst>
+                <a:ext uri="{FF2B5EF4-FFF2-40B4-BE49-F238E27FC236}">
+                  <a16:creationId xmlns:a16="http://schemas.microsoft.com/office/drawing/2014/main" id="{6554ECE8-DBAA-0C88-9E14-73F4746D825D}"/>
+                </a:ext>
+              </a:extLst>
+            </p:cNvPr>
+            <p:cNvGrpSpPr>
+              <a:grpSpLocks/>
+            </p:cNvGrpSpPr>
+            <p:nvPr/>
+          </p:nvGrpSpPr>
+          <p:grpSpPr>
+            <a:xfrm>
+              <a:off x="11805028" y="78962"/>
+              <a:ext cx="307840" cy="263869"/>
+              <a:chOff x="1302299" y="2529509"/>
+              <a:chExt cx="800080" cy="685799"/>
+            </a:xfrm>
+            <a:solidFill>
+              <a:schemeClr val="accent4">
+                <a:lumMod val="50000"/>
+              </a:schemeClr>
+            </a:solidFill>
+          </p:grpSpPr>
+          <p:sp>
+            <p:nvSpPr>
+              <p:cNvPr id="4" name="자유형: 도형 3">
+                <a:extLst>
+                  <a:ext uri="{FF2B5EF4-FFF2-40B4-BE49-F238E27FC236}">
+                    <a16:creationId xmlns:a16="http://schemas.microsoft.com/office/drawing/2014/main" id="{977C45A4-3617-F15D-3203-2562F51B65B2}"/>
+                  </a:ext>
+                </a:extLst>
+              </p:cNvPr>
+              <p:cNvSpPr>
+                <a:spLocks/>
+              </p:cNvSpPr>
+              <p:nvPr/>
+            </p:nvSpPr>
+            <p:spPr>
+              <a:xfrm>
+                <a:off x="1302299" y="2529509"/>
+                <a:ext cx="800080" cy="417509"/>
+              </a:xfrm>
+              <a:custGeom>
+                <a:avLst/>
+                <a:gdLst>
+                  <a:gd name="connsiteX0" fmla="*/ 400031 w 800080"/>
+                  <a:gd name="connsiteY0" fmla="*/ 78581 h 417509"/>
+                  <a:gd name="connsiteX1" fmla="*/ 400050 w 800080"/>
+                  <a:gd name="connsiteY1" fmla="*/ 78581 h 417509"/>
+                  <a:gd name="connsiteX2" fmla="*/ 756837 w 800080"/>
+                  <a:gd name="connsiteY2" fmla="*/ 417509 h 417509"/>
+                  <a:gd name="connsiteX3" fmla="*/ 800081 w 800080"/>
+                  <a:gd name="connsiteY3" fmla="*/ 380552 h 417509"/>
+                  <a:gd name="connsiteX4" fmla="*/ 400050 w 800080"/>
+                  <a:gd name="connsiteY4" fmla="*/ 0 h 417509"/>
+                  <a:gd name="connsiteX5" fmla="*/ 400031 w 800080"/>
+                  <a:gd name="connsiteY5" fmla="*/ 0 h 417509"/>
+                  <a:gd name="connsiteX6" fmla="*/ 0 w 800080"/>
+                  <a:gd name="connsiteY6" fmla="*/ 380552 h 417509"/>
+                  <a:gd name="connsiteX7" fmla="*/ 43244 w 800080"/>
+                  <a:gd name="connsiteY7" fmla="*/ 417509 h 417509"/>
+                  <a:gd name="connsiteX8" fmla="*/ 400031 w 800080"/>
+                  <a:gd name="connsiteY8" fmla="*/ 78581 h 417509"/>
+                </a:gdLst>
+                <a:ahLst/>
+                <a:cxnLst>
+                  <a:cxn ang="0">
+                    <a:pos x="connsiteX0" y="connsiteY0"/>
+                  </a:cxn>
+                  <a:cxn ang="0">
+                    <a:pos x="connsiteX1" y="connsiteY1"/>
+                  </a:cxn>
+                  <a:cxn ang="0">
+                    <a:pos x="connsiteX2" y="connsiteY2"/>
+                  </a:cxn>
+                  <a:cxn ang="0">
+                    <a:pos x="connsiteX3" y="connsiteY3"/>
+                  </a:cxn>
+                  <a:cxn ang="0">
+                    <a:pos x="connsiteX4" y="connsiteY4"/>
+                  </a:cxn>
+                  <a:cxn ang="0">
+                    <a:pos x="connsiteX5" y="connsiteY5"/>
+                  </a:cxn>
+                  <a:cxn ang="0">
+                    <a:pos x="connsiteX6" y="connsiteY6"/>
+                  </a:cxn>
+                  <a:cxn ang="0">
+                    <a:pos x="connsiteX7" y="connsiteY7"/>
+                  </a:cxn>
+                  <a:cxn ang="0">
+                    <a:pos x="connsiteX8" y="connsiteY8"/>
+                  </a:cxn>
+                </a:cxnLst>
+                <a:rect l="l" t="t" r="r" b="b"/>
+                <a:pathLst>
+                  <a:path w="800080" h="417509">
+                    <a:moveTo>
+                      <a:pt x="400031" y="78581"/>
+                    </a:moveTo>
+                    <a:lnTo>
+                      <a:pt x="400050" y="78581"/>
+                    </a:lnTo>
+                    <a:lnTo>
+                      <a:pt x="756837" y="417509"/>
+                    </a:lnTo>
+                    <a:lnTo>
+                      <a:pt x="800081" y="380552"/>
+                    </a:lnTo>
+                    <a:lnTo>
+                      <a:pt x="400050" y="0"/>
+                    </a:lnTo>
+                    <a:lnTo>
+                      <a:pt x="400031" y="0"/>
+                    </a:lnTo>
+                    <a:lnTo>
+                      <a:pt x="0" y="380552"/>
+                    </a:lnTo>
+                    <a:lnTo>
+                      <a:pt x="43244" y="417509"/>
+                    </a:lnTo>
+                    <a:lnTo>
+                      <a:pt x="400031" y="78581"/>
+                    </a:lnTo>
+                    <a:close/>
+                  </a:path>
+                </a:pathLst>
+              </a:custGeom>
+              <a:grpFill/>
+              <a:ln w="9525" cap="flat">
+                <a:noFill/>
+                <a:prstDash val="solid"/>
+                <a:miter/>
+              </a:ln>
+            </p:spPr>
+            <p:txBody>
+              <a:bodyPr rtlCol="0" anchor="ctr"/>
+              <a:lstStyle/>
+              <a:p>
+                <a:endParaRPr lang="ko-KR" altLang="en-US"/>
+              </a:p>
+            </p:txBody>
+          </p:sp>
+          <p:sp>
+            <p:nvSpPr>
+              <p:cNvPr id="5" name="자유형: 도형 4">
+                <a:extLst>
+                  <a:ext uri="{FF2B5EF4-FFF2-40B4-BE49-F238E27FC236}">
+                    <a16:creationId xmlns:a16="http://schemas.microsoft.com/office/drawing/2014/main" id="{12ED3F9A-D0A4-00B4-0EB5-66A71FB495A6}"/>
+                  </a:ext>
+                </a:extLst>
+              </p:cNvPr>
+              <p:cNvSpPr>
+                <a:spLocks/>
+              </p:cNvSpPr>
+              <p:nvPr/>
+            </p:nvSpPr>
+            <p:spPr>
+              <a:xfrm>
+                <a:off x="1416580" y="2660630"/>
+                <a:ext cx="571499" cy="554678"/>
+              </a:xfrm>
+              <a:custGeom>
+                <a:avLst/>
+                <a:gdLst>
+                  <a:gd name="connsiteX0" fmla="*/ 0 w 571499"/>
+                  <a:gd name="connsiteY0" fmla="*/ 271453 h 554678"/>
+                  <a:gd name="connsiteX1" fmla="*/ 0 w 571499"/>
+                  <a:gd name="connsiteY1" fmla="*/ 554679 h 554678"/>
+                  <a:gd name="connsiteX2" fmla="*/ 228600 w 571499"/>
+                  <a:gd name="connsiteY2" fmla="*/ 554679 h 554678"/>
+                  <a:gd name="connsiteX3" fmla="*/ 228600 w 571499"/>
+                  <a:gd name="connsiteY3" fmla="*/ 316554 h 554678"/>
+                  <a:gd name="connsiteX4" fmla="*/ 342900 w 571499"/>
+                  <a:gd name="connsiteY4" fmla="*/ 316554 h 554678"/>
+                  <a:gd name="connsiteX5" fmla="*/ 342900 w 571499"/>
+                  <a:gd name="connsiteY5" fmla="*/ 554679 h 554678"/>
+                  <a:gd name="connsiteX6" fmla="*/ 571500 w 571499"/>
+                  <a:gd name="connsiteY6" fmla="*/ 554679 h 554678"/>
+                  <a:gd name="connsiteX7" fmla="*/ 571500 w 571499"/>
+                  <a:gd name="connsiteY7" fmla="*/ 271443 h 554678"/>
+                  <a:gd name="connsiteX8" fmla="*/ 285760 w 571499"/>
+                  <a:gd name="connsiteY8" fmla="*/ 0 h 554678"/>
+                  <a:gd name="connsiteX9" fmla="*/ 0 w 571499"/>
+                  <a:gd name="connsiteY9" fmla="*/ 271453 h 554678"/>
+                </a:gdLst>
+                <a:ahLst/>
+                <a:cxnLst>
+                  <a:cxn ang="0">
+                    <a:pos x="connsiteX0" y="connsiteY0"/>
+                  </a:cxn>
+                  <a:cxn ang="0">
+                    <a:pos x="connsiteX1" y="connsiteY1"/>
+                  </a:cxn>
+                  <a:cxn ang="0">
+                    <a:pos x="connsiteX2" y="connsiteY2"/>
+                  </a:cxn>
+                  <a:cxn ang="0">
+                    <a:pos x="connsiteX3" y="connsiteY3"/>
+                  </a:cxn>
+                  <a:cxn ang="0">
+                    <a:pos x="connsiteX4" y="connsiteY4"/>
+                  </a:cxn>
+                  <a:cxn ang="0">
+                    <a:pos x="connsiteX5" y="connsiteY5"/>
+                  </a:cxn>
+                  <a:cxn ang="0">
+                    <a:pos x="connsiteX6" y="connsiteY6"/>
+                  </a:cxn>
+                  <a:cxn ang="0">
+                    <a:pos x="connsiteX7" y="connsiteY7"/>
+                  </a:cxn>
+                  <a:cxn ang="0">
+                    <a:pos x="connsiteX8" y="connsiteY8"/>
+                  </a:cxn>
+                  <a:cxn ang="0">
+                    <a:pos x="connsiteX9" y="connsiteY9"/>
+                  </a:cxn>
+                </a:cxnLst>
+                <a:rect l="l" t="t" r="r" b="b"/>
+                <a:pathLst>
+                  <a:path w="571499" h="554678">
+                    <a:moveTo>
+                      <a:pt x="0" y="271453"/>
+                    </a:moveTo>
+                    <a:lnTo>
+                      <a:pt x="0" y="554679"/>
+                    </a:lnTo>
+                    <a:lnTo>
+                      <a:pt x="228600" y="554679"/>
+                    </a:lnTo>
+                    <a:lnTo>
+                      <a:pt x="228600" y="316554"/>
+                    </a:lnTo>
+                    <a:lnTo>
+                      <a:pt x="342900" y="316554"/>
+                    </a:lnTo>
+                    <a:lnTo>
+                      <a:pt x="342900" y="554679"/>
+                    </a:lnTo>
+                    <a:lnTo>
+                      <a:pt x="571500" y="554679"/>
+                    </a:lnTo>
+                    <a:lnTo>
+                      <a:pt x="571500" y="271443"/>
+                    </a:lnTo>
+                    <a:lnTo>
+                      <a:pt x="285760" y="0"/>
+                    </a:lnTo>
+                    <a:lnTo>
+                      <a:pt x="0" y="271453"/>
+                    </a:lnTo>
+                    <a:close/>
+                  </a:path>
+                </a:pathLst>
+              </a:custGeom>
+              <a:grpFill/>
+              <a:ln w="9525" cap="flat">
+                <a:noFill/>
+                <a:prstDash val="solid"/>
+                <a:miter/>
+              </a:ln>
+            </p:spPr>
+            <p:txBody>
+              <a:bodyPr rtlCol="0" anchor="ctr"/>
+              <a:lstStyle/>
+              <a:p>
+                <a:endParaRPr lang="ko-KR" altLang="en-US"/>
+              </a:p>
+            </p:txBody>
+          </p:sp>
+        </p:grpSp>
+      </p:grpSp>
+      <p:sp>
+        <p:nvSpPr>
+          <p:cNvPr id="7" name="직사각형 6">
+            <a:hlinkClick r:id="rId2" action="ppaction://hlinksldjump"/>
+            <a:extLst>
+              <a:ext uri="{FF2B5EF4-FFF2-40B4-BE49-F238E27FC236}">
+                <a16:creationId xmlns:a16="http://schemas.microsoft.com/office/drawing/2014/main" id="{E117750A-46BB-1F41-D7CE-EFF04B39B91C}"/>
+              </a:ext>
+            </a:extLst>
+          </p:cNvPr>
+          <p:cNvSpPr/>
+          <p:nvPr/>
+        </p:nvSpPr>
+        <p:spPr>
+          <a:xfrm>
+            <a:off x="10614103" y="66088"/>
+            <a:ext cx="1495199" cy="462402"/>
+          </a:xfrm>
+          <a:prstGeom prst="rect">
+            <a:avLst/>
+          </a:prstGeom>
+          <a:noFill/>
+          <a:ln>
+            <a:noFill/>
+          </a:ln>
+        </p:spPr>
+        <p:style>
+          <a:lnRef idx="2">
+            <a:schemeClr val="accent1">
+              <a:shade val="15000"/>
+            </a:schemeClr>
+          </a:lnRef>
+          <a:fillRef idx="1">
+            <a:schemeClr val="accent1"/>
+          </a:fillRef>
+          <a:effectRef idx="0">
+            <a:schemeClr val="accent1"/>
+          </a:effectRef>
+          <a:fontRef idx="minor">
+            <a:schemeClr val="lt1"/>
+          </a:fontRef>
+        </p:style>
+        <p:txBody>
+          <a:bodyPr rtlCol="0" anchor="ctr"/>
+          <a:lstStyle/>
+          <a:p>
+            <a:pPr algn="ctr"/>
+            <a:endParaRPr lang="ko-KR" altLang="en-US"/>
+          </a:p>
+        </p:txBody>
+      </p:sp>
+      <p:sp>
+        <p:nvSpPr>
+          <p:cNvPr id="8" name="TextBox 7">
+            <a:extLst>
+              <a:ext uri="{FF2B5EF4-FFF2-40B4-BE49-F238E27FC236}">
+                <a16:creationId xmlns:a16="http://schemas.microsoft.com/office/drawing/2014/main" id="{6BC10790-19E8-5DD2-F1D6-8ED133F9961D}"/>
+              </a:ext>
+            </a:extLst>
+          </p:cNvPr>
+          <p:cNvSpPr txBox="1"/>
+          <p:nvPr/>
+        </p:nvSpPr>
+        <p:spPr>
+          <a:xfrm>
+            <a:off x="302108" y="1964722"/>
+            <a:ext cx="2024913" cy="261610"/>
+          </a:xfrm>
+          <a:prstGeom prst="rect">
+            <a:avLst/>
+          </a:prstGeom>
+          <a:noFill/>
+        </p:spPr>
+        <p:txBody>
+          <a:bodyPr wrap="none" rtlCol="0">
+            <a:spAutoFit/>
+          </a:bodyPr>
+          <a:lstStyle/>
+          <a:p>
+            <a:r>
+              <a:rPr lang="en-US" altLang="ko-KR" sz="1100" b="1" dirty="0">
+                <a:latin typeface="+mn-ea"/>
+              </a:rPr>
+              <a:t>(1)</a:t>
+            </a:r>
+            <a:r>
+              <a:rPr lang="ko-KR" altLang="en-US" sz="1100" b="1" dirty="0">
+                <a:latin typeface="+mn-ea"/>
+              </a:rPr>
+              <a:t> 적이 단일 대상일 때 사용</a:t>
+            </a:r>
+            <a:endParaRPr lang="en-US" altLang="ko-KR" sz="1100" b="1" dirty="0">
+              <a:latin typeface="+mn-ea"/>
+            </a:endParaRPr>
+          </a:p>
+        </p:txBody>
+      </p:sp>
+      <p:sp>
+        <p:nvSpPr>
+          <p:cNvPr id="9" name="TextBox 8">
+            <a:extLst>
+              <a:ext uri="{FF2B5EF4-FFF2-40B4-BE49-F238E27FC236}">
+                <a16:creationId xmlns:a16="http://schemas.microsoft.com/office/drawing/2014/main" id="{F32E76B6-2087-1A27-50AE-A002B627AC92}"/>
+              </a:ext>
+            </a:extLst>
+          </p:cNvPr>
+          <p:cNvSpPr txBox="1"/>
+          <p:nvPr/>
+        </p:nvSpPr>
+        <p:spPr>
+          <a:xfrm>
+            <a:off x="533925" y="2226844"/>
+            <a:ext cx="5112297" cy="293414"/>
+          </a:xfrm>
+          <a:prstGeom prst="rect">
+            <a:avLst/>
+          </a:prstGeom>
+          <a:noFill/>
+        </p:spPr>
+        <p:txBody>
+          <a:bodyPr wrap="none" rtlCol="0" anchor="ctr">
+            <a:spAutoFit/>
+          </a:bodyPr>
+          <a:lstStyle/>
+          <a:p>
+            <a:pPr marL="171450" indent="-171450">
+              <a:lnSpc>
+                <a:spcPct val="150000"/>
+              </a:lnSpc>
+              <a:buFontTx/>
+              <a:buChar char="-"/>
+            </a:pPr>
+            <a:r>
+              <a:rPr lang="ko-KR" altLang="en-US" sz="1000" dirty="0">
+                <a:latin typeface="+mn-ea"/>
+              </a:rPr>
+              <a:t>적이 단일 대상일 때 해당 대상에게만 번개가 방출되어 높은 피해를 줄 수 있습니다</a:t>
+            </a:r>
+            <a:r>
+              <a:rPr lang="en-US" altLang="ko-KR" sz="1000" dirty="0">
+                <a:latin typeface="+mn-ea"/>
+              </a:rPr>
+              <a:t>.</a:t>
+            </a:r>
+          </a:p>
+        </p:txBody>
+      </p:sp>
+      <p:sp>
+        <p:nvSpPr>
+          <p:cNvPr id="13" name="TextBox 12">
+            <a:extLst>
+              <a:ext uri="{FF2B5EF4-FFF2-40B4-BE49-F238E27FC236}">
+                <a16:creationId xmlns:a16="http://schemas.microsoft.com/office/drawing/2014/main" id="{E9DB440A-F4D1-F573-DF16-3682FF7810B7}"/>
+              </a:ext>
+            </a:extLst>
+          </p:cNvPr>
+          <p:cNvSpPr txBox="1"/>
+          <p:nvPr/>
+        </p:nvSpPr>
+        <p:spPr>
+          <a:xfrm>
+            <a:off x="302108" y="3167390"/>
+            <a:ext cx="2638864" cy="261610"/>
+          </a:xfrm>
+          <a:prstGeom prst="rect">
+            <a:avLst/>
+          </a:prstGeom>
+          <a:noFill/>
+        </p:spPr>
+        <p:txBody>
+          <a:bodyPr wrap="none" rtlCol="0">
+            <a:spAutoFit/>
+          </a:bodyPr>
+          <a:lstStyle/>
+          <a:p>
+            <a:r>
+              <a:rPr lang="en-US" altLang="ko-KR" sz="1100" b="1" dirty="0">
+                <a:latin typeface="+mn-ea"/>
+              </a:rPr>
+              <a:t>(2)</a:t>
+            </a:r>
+            <a:r>
+              <a:rPr lang="ko-KR" altLang="en-US" sz="1100" b="1" dirty="0">
+                <a:latin typeface="+mn-ea"/>
+              </a:rPr>
+              <a:t> 광역 공격 위주의 무기와 함께 사용</a:t>
+            </a:r>
+            <a:endParaRPr lang="en-US" altLang="ko-KR" sz="1100" b="1" dirty="0">
+              <a:latin typeface="+mn-ea"/>
+            </a:endParaRPr>
+          </a:p>
+        </p:txBody>
+      </p:sp>
+      <p:sp>
+        <p:nvSpPr>
+          <p:cNvPr id="15" name="TextBox 14">
+            <a:extLst>
+              <a:ext uri="{FF2B5EF4-FFF2-40B4-BE49-F238E27FC236}">
+                <a16:creationId xmlns:a16="http://schemas.microsoft.com/office/drawing/2014/main" id="{A4889C47-690F-D451-ED4F-36F4DC344ED2}"/>
+              </a:ext>
+            </a:extLst>
+          </p:cNvPr>
+          <p:cNvSpPr txBox="1"/>
+          <p:nvPr/>
+        </p:nvSpPr>
+        <p:spPr>
+          <a:xfrm>
+            <a:off x="533925" y="3429000"/>
+            <a:ext cx="7494359" cy="293414"/>
+          </a:xfrm>
+          <a:prstGeom prst="rect">
+            <a:avLst/>
+          </a:prstGeom>
+          <a:noFill/>
+        </p:spPr>
+        <p:txBody>
+          <a:bodyPr wrap="none" rtlCol="0" anchor="ctr">
+            <a:spAutoFit/>
+          </a:bodyPr>
+          <a:lstStyle/>
+          <a:p>
+            <a:pPr marL="171450" indent="-171450">
+              <a:lnSpc>
+                <a:spcPct val="150000"/>
+              </a:lnSpc>
+              <a:buFontTx/>
+              <a:buChar char="-"/>
+            </a:pPr>
+            <a:r>
+              <a:rPr lang="ko-KR" altLang="en-US" sz="1000" dirty="0">
+                <a:latin typeface="+mn-ea"/>
+              </a:rPr>
+              <a:t>다수의 적과 전투 시 광역 공격 위주의 무기로 약한 몬스터를 우선 처치한 후 부채로 </a:t>
+            </a:r>
+            <a:r>
+              <a:rPr lang="ko-KR" altLang="en-US" sz="1000" dirty="0" err="1">
+                <a:latin typeface="+mn-ea"/>
+              </a:rPr>
+              <a:t>스위칭하면</a:t>
+            </a:r>
+            <a:r>
+              <a:rPr lang="ko-KR" altLang="en-US" sz="1000" dirty="0">
+                <a:latin typeface="+mn-ea"/>
+              </a:rPr>
+              <a:t> 높은 효율을 낼 수 있습니다</a:t>
+            </a:r>
+            <a:r>
+              <a:rPr lang="en-US" altLang="ko-KR" sz="1000" dirty="0">
+                <a:latin typeface="+mn-ea"/>
+              </a:rPr>
+              <a:t>.</a:t>
+            </a:r>
+          </a:p>
+        </p:txBody>
+      </p:sp>
+      <p:sp>
+        <p:nvSpPr>
+          <p:cNvPr id="11" name="화살표: 오각형 10">
+            <a:extLst>
+              <a:ext uri="{FF2B5EF4-FFF2-40B4-BE49-F238E27FC236}">
+                <a16:creationId xmlns:a16="http://schemas.microsoft.com/office/drawing/2014/main" id="{7971E4EB-3F89-59D5-2183-FD6EF70FD1D0}"/>
+              </a:ext>
+            </a:extLst>
+          </p:cNvPr>
+          <p:cNvSpPr/>
+          <p:nvPr/>
+        </p:nvSpPr>
+        <p:spPr>
+          <a:xfrm>
+            <a:off x="1" y="994687"/>
+            <a:ext cx="1702282" cy="404461"/>
+          </a:xfrm>
+          <a:prstGeom prst="homePlate">
+            <a:avLst/>
+          </a:prstGeom>
+          <a:solidFill>
+            <a:schemeClr val="bg1">
+              <a:lumMod val="95000"/>
+            </a:schemeClr>
+          </a:solidFill>
+          <a:ln>
+            <a:solidFill>
+              <a:schemeClr val="accent4">
+                <a:lumMod val="75000"/>
+              </a:schemeClr>
+            </a:solidFill>
+          </a:ln>
+        </p:spPr>
+        <p:style>
+          <a:lnRef idx="2">
+            <a:schemeClr val="accent1">
+              <a:shade val="15000"/>
+            </a:schemeClr>
+          </a:lnRef>
+          <a:fillRef idx="1">
+            <a:schemeClr val="accent1"/>
+          </a:fillRef>
+          <a:effectRef idx="0">
+            <a:schemeClr val="accent1"/>
+          </a:effectRef>
+          <a:fontRef idx="minor">
+            <a:schemeClr val="lt1"/>
+          </a:fontRef>
+        </p:style>
+        <p:txBody>
+          <a:bodyPr rtlCol="0" anchor="ctr"/>
+          <a:lstStyle/>
+          <a:p>
+            <a:pPr algn="ctr"/>
+            <a:endParaRPr lang="ko-KR" altLang="en-US"/>
+          </a:p>
+        </p:txBody>
+      </p:sp>
+      <p:sp>
+        <p:nvSpPr>
+          <p:cNvPr id="12" name="TextBox 11">
+            <a:extLst>
+              <a:ext uri="{FF2B5EF4-FFF2-40B4-BE49-F238E27FC236}">
+                <a16:creationId xmlns:a16="http://schemas.microsoft.com/office/drawing/2014/main" id="{8DB8C6B1-09E9-B283-5AE2-209474A34E88}"/>
+              </a:ext>
+            </a:extLst>
+          </p:cNvPr>
+          <p:cNvSpPr txBox="1"/>
+          <p:nvPr/>
+        </p:nvSpPr>
+        <p:spPr>
+          <a:xfrm>
+            <a:off x="33832" y="1058417"/>
+            <a:ext cx="1346844" cy="276999"/>
+          </a:xfrm>
+          <a:prstGeom prst="rect">
+            <a:avLst/>
+          </a:prstGeom>
+          <a:noFill/>
+        </p:spPr>
+        <p:txBody>
+          <a:bodyPr wrap="none" rtlCol="0">
+            <a:spAutoFit/>
+          </a:bodyPr>
+          <a:lstStyle/>
+          <a:p>
+            <a:r>
+              <a:rPr lang="en-US" altLang="ko-KR" sz="1200" b="1" dirty="0">
+                <a:latin typeface="+mn-ea"/>
+              </a:rPr>
+              <a:t>2. </a:t>
+            </a:r>
+            <a:r>
+              <a:rPr lang="ko-KR" altLang="en-US" sz="1200" b="1" dirty="0">
+                <a:latin typeface="+mn-ea"/>
+              </a:rPr>
+              <a:t>전투의 방향성</a:t>
+            </a:r>
+            <a:endParaRPr lang="en-US" altLang="ko-KR" sz="1200" b="1" dirty="0">
+              <a:latin typeface="+mn-ea"/>
+            </a:endParaRPr>
+          </a:p>
+        </p:txBody>
+      </p:sp>
+      <p:sp>
+        <p:nvSpPr>
+          <p:cNvPr id="14" name="TextBox 13">
+            <a:extLst>
+              <a:ext uri="{FF2B5EF4-FFF2-40B4-BE49-F238E27FC236}">
+                <a16:creationId xmlns:a16="http://schemas.microsoft.com/office/drawing/2014/main" id="{8B53BC73-AFC7-A9A8-132D-00DBAD097980}"/>
+              </a:ext>
+            </a:extLst>
+          </p:cNvPr>
+          <p:cNvSpPr txBox="1"/>
+          <p:nvPr/>
+        </p:nvSpPr>
+        <p:spPr>
+          <a:xfrm>
+            <a:off x="302108" y="4505530"/>
+            <a:ext cx="2920992" cy="261610"/>
+          </a:xfrm>
+          <a:prstGeom prst="rect">
+            <a:avLst/>
+          </a:prstGeom>
+          <a:noFill/>
+        </p:spPr>
+        <p:txBody>
+          <a:bodyPr wrap="none" rtlCol="0">
+            <a:spAutoFit/>
+          </a:bodyPr>
+          <a:lstStyle/>
+          <a:p>
+            <a:r>
+              <a:rPr lang="en-US" altLang="ko-KR" sz="1100" b="1" dirty="0">
+                <a:latin typeface="+mn-ea"/>
+              </a:rPr>
+              <a:t>(3)</a:t>
+            </a:r>
+            <a:r>
+              <a:rPr lang="ko-KR" altLang="en-US" sz="1100" b="1" dirty="0">
+                <a:latin typeface="+mn-ea"/>
+              </a:rPr>
+              <a:t> 몬스터의 공격 사이 사이에 스킬을 사용</a:t>
+            </a:r>
+            <a:endParaRPr lang="en-US" altLang="ko-KR" sz="1100" b="1" dirty="0">
+              <a:latin typeface="+mn-ea"/>
+            </a:endParaRPr>
+          </a:p>
+        </p:txBody>
+      </p:sp>
+      <p:sp>
+        <p:nvSpPr>
+          <p:cNvPr id="17" name="TextBox 16">
+            <a:extLst>
+              <a:ext uri="{FF2B5EF4-FFF2-40B4-BE49-F238E27FC236}">
+                <a16:creationId xmlns:a16="http://schemas.microsoft.com/office/drawing/2014/main" id="{343B04CB-FE75-8B48-14C2-4B4C26D6D612}"/>
+              </a:ext>
+            </a:extLst>
+          </p:cNvPr>
+          <p:cNvSpPr txBox="1"/>
+          <p:nvPr/>
+        </p:nvSpPr>
+        <p:spPr>
+          <a:xfrm>
+            <a:off x="533925" y="4767140"/>
+            <a:ext cx="3493264" cy="293414"/>
+          </a:xfrm>
+          <a:prstGeom prst="rect">
+            <a:avLst/>
+          </a:prstGeom>
+          <a:noFill/>
+        </p:spPr>
+        <p:txBody>
+          <a:bodyPr wrap="none" rtlCol="0" anchor="ctr">
+            <a:spAutoFit/>
+          </a:bodyPr>
+          <a:lstStyle/>
+          <a:p>
+            <a:pPr marL="171450" indent="-171450">
+              <a:lnSpc>
+                <a:spcPct val="150000"/>
+              </a:lnSpc>
+              <a:buFontTx/>
+              <a:buChar char="-"/>
+            </a:pPr>
+            <a:r>
+              <a:rPr lang="ko-KR" altLang="en-US" sz="1000" dirty="0" err="1">
+                <a:latin typeface="+mn-ea"/>
+              </a:rPr>
+              <a:t>선후딜이</a:t>
+            </a:r>
+            <a:r>
+              <a:rPr lang="ko-KR" altLang="en-US" sz="1000" dirty="0">
+                <a:latin typeface="+mn-ea"/>
+              </a:rPr>
+              <a:t> 빠른 스킬 모션으로 치고 빠지는 전투 스타일</a:t>
+            </a:r>
+            <a:endParaRPr lang="en-US" altLang="ko-KR" sz="1000" dirty="0">
+              <a:latin typeface="+mn-ea"/>
+            </a:endParaRPr>
+          </a:p>
+        </p:txBody>
+      </p:sp>
+      <p:sp>
+        <p:nvSpPr>
+          <p:cNvPr id="18" name="TextBox 17">
+            <a:extLst>
+              <a:ext uri="{FF2B5EF4-FFF2-40B4-BE49-F238E27FC236}">
+                <a16:creationId xmlns:a16="http://schemas.microsoft.com/office/drawing/2014/main" id="{24433684-9BF3-44C1-1275-9DF4631442C0}"/>
+              </a:ext>
+            </a:extLst>
+          </p:cNvPr>
+          <p:cNvSpPr txBox="1"/>
+          <p:nvPr/>
+        </p:nvSpPr>
+        <p:spPr>
+          <a:xfrm>
+            <a:off x="1779942" y="1073807"/>
+            <a:ext cx="692818" cy="246221"/>
+          </a:xfrm>
+          <a:prstGeom prst="rect">
+            <a:avLst/>
+          </a:prstGeom>
+          <a:noFill/>
+        </p:spPr>
+        <p:txBody>
+          <a:bodyPr wrap="none" rtlCol="0">
+            <a:spAutoFit/>
+          </a:bodyPr>
+          <a:lstStyle/>
+          <a:p>
+            <a:r>
+              <a:rPr lang="en-US" altLang="ko-KR" sz="1000" b="1" dirty="0">
+                <a:latin typeface="+mn-ea"/>
+              </a:rPr>
+              <a:t>#</a:t>
+            </a:r>
+            <a:r>
+              <a:rPr lang="ko-KR" altLang="en-US" sz="1000" b="1" dirty="0">
+                <a:latin typeface="+mn-ea"/>
+              </a:rPr>
+              <a:t>단일 적</a:t>
+            </a:r>
+            <a:endParaRPr lang="en-US" altLang="ko-KR" sz="1000" b="1" dirty="0">
+              <a:latin typeface="+mn-ea"/>
+            </a:endParaRPr>
+          </a:p>
+        </p:txBody>
+      </p:sp>
+      <p:sp>
+        <p:nvSpPr>
+          <p:cNvPr id="19" name="TextBox 18">
+            <a:extLst>
+              <a:ext uri="{FF2B5EF4-FFF2-40B4-BE49-F238E27FC236}">
+                <a16:creationId xmlns:a16="http://schemas.microsoft.com/office/drawing/2014/main" id="{5346FAA1-0E64-F1AC-72B2-A05B1D83C914}"/>
+              </a:ext>
+            </a:extLst>
+          </p:cNvPr>
+          <p:cNvSpPr txBox="1"/>
+          <p:nvPr/>
+        </p:nvSpPr>
+        <p:spPr>
+          <a:xfrm>
+            <a:off x="2707975" y="1073807"/>
+            <a:ext cx="1981633" cy="246221"/>
+          </a:xfrm>
+          <a:prstGeom prst="rect">
+            <a:avLst/>
+          </a:prstGeom>
+          <a:noFill/>
+        </p:spPr>
+        <p:txBody>
+          <a:bodyPr wrap="none" rtlCol="0">
+            <a:spAutoFit/>
+          </a:bodyPr>
+          <a:lstStyle/>
+          <a:p>
+            <a:r>
+              <a:rPr lang="en-US" altLang="ko-KR" sz="1000" b="1" dirty="0">
+                <a:latin typeface="+mn-ea"/>
+              </a:rPr>
+              <a:t>#</a:t>
+            </a:r>
+            <a:r>
+              <a:rPr lang="ko-KR" altLang="en-US" sz="1000" b="1" dirty="0">
+                <a:latin typeface="+mn-ea"/>
+              </a:rPr>
+              <a:t>광역 공격 위주의 무기와 조합</a:t>
+            </a:r>
+            <a:endParaRPr lang="en-US" altLang="ko-KR" sz="1000" b="1" dirty="0">
+              <a:latin typeface="+mn-ea"/>
+            </a:endParaRPr>
+          </a:p>
+        </p:txBody>
+      </p:sp>
+      <p:sp>
+        <p:nvSpPr>
+          <p:cNvPr id="21" name="TextBox 20">
+            <a:extLst>
+              <a:ext uri="{FF2B5EF4-FFF2-40B4-BE49-F238E27FC236}">
+                <a16:creationId xmlns:a16="http://schemas.microsoft.com/office/drawing/2014/main" id="{42E55706-B664-C6A7-C74F-AACAC32639A5}"/>
+              </a:ext>
+            </a:extLst>
+          </p:cNvPr>
+          <p:cNvSpPr txBox="1"/>
+          <p:nvPr/>
+        </p:nvSpPr>
+        <p:spPr>
+          <a:xfrm>
+            <a:off x="4924823" y="1073807"/>
+            <a:ext cx="949299" cy="246221"/>
+          </a:xfrm>
+          <a:prstGeom prst="rect">
+            <a:avLst/>
+          </a:prstGeom>
+          <a:noFill/>
+        </p:spPr>
+        <p:txBody>
+          <a:bodyPr wrap="none" rtlCol="0">
+            <a:spAutoFit/>
+          </a:bodyPr>
+          <a:lstStyle/>
+          <a:p>
+            <a:r>
+              <a:rPr lang="en-US" altLang="ko-KR" sz="1000" b="1" dirty="0">
+                <a:latin typeface="+mn-ea"/>
+              </a:rPr>
+              <a:t>#</a:t>
+            </a:r>
+            <a:r>
+              <a:rPr lang="ko-KR" altLang="en-US" sz="1000" b="1" dirty="0">
+                <a:latin typeface="+mn-ea"/>
+              </a:rPr>
+              <a:t>빠른 </a:t>
+            </a:r>
+            <a:r>
+              <a:rPr lang="ko-KR" altLang="en-US" sz="1000" b="1" dirty="0" err="1">
+                <a:latin typeface="+mn-ea"/>
+              </a:rPr>
+              <a:t>선후딜</a:t>
+            </a:r>
+            <a:endParaRPr lang="en-US" altLang="ko-KR" sz="1000" b="1" dirty="0">
+              <a:latin typeface="+mn-ea"/>
+            </a:endParaRPr>
+          </a:p>
+        </p:txBody>
+      </p:sp>
+    </p:spTree>
+    <p:extLst>
+      <p:ext uri="{BB962C8B-B14F-4D97-AF65-F5344CB8AC3E}">
+        <p14:creationId xmlns:p14="http://schemas.microsoft.com/office/powerpoint/2010/main" val="3265186188"/>
+      </p:ext>
+    </p:extLst>
+  </p:cSld>
+  <p:clrMapOvr>
+    <a:masterClrMapping/>
+  </p:clrMapOvr>
+</p:sld>
+</file>
+
+<file path=ppt/slides/slide11.xml><?xml version="1.0" encoding="utf-8"?>
 <p:sld xmlns:a="http://schemas.openxmlformats.org/drawingml/2006/main" xmlns:r="http://schemas.openxmlformats.org/officeDocument/2006/relationships" xmlns:p="http://schemas.openxmlformats.org/presentationml/2006/main">
   <p:cSld>
     <p:spTree>
@@ -4992,7 +6740,7 @@
 </p:sld>
 </file>
 
-<file path=ppt/slides/slide11.xml><?xml version="1.0" encoding="utf-8"?>
+<file path=ppt/slides/slide12.xml><?xml version="1.0" encoding="utf-8"?>
 <p:sld xmlns:a="http://schemas.openxmlformats.org/drawingml/2006/main" xmlns:r="http://schemas.openxmlformats.org/officeDocument/2006/relationships" xmlns:p="http://schemas.openxmlformats.org/presentationml/2006/main">
   <p:cSld>
     <p:spTree>
@@ -5122,7 +6870,7 @@
 </p:sld>
 </file>
 
-<file path=ppt/slides/slide12.xml><?xml version="1.0" encoding="utf-8"?>
+<file path=ppt/slides/slide13.xml><?xml version="1.0" encoding="utf-8"?>
 <p:sld xmlns:a="http://schemas.openxmlformats.org/drawingml/2006/main" xmlns:r="http://schemas.openxmlformats.org/officeDocument/2006/relationships" xmlns:p="http://schemas.openxmlformats.org/presentationml/2006/main">
   <p:cSld>
     <p:spTree>
@@ -5193,6 +6941,2095 @@
     <p:extLst>
       <p:ext uri="{BB962C8B-B14F-4D97-AF65-F5344CB8AC3E}">
         <p14:creationId xmlns:p14="http://schemas.microsoft.com/office/powerpoint/2010/main" val="2836619105"/>
+      </p:ext>
+    </p:extLst>
+  </p:cSld>
+  <p:clrMapOvr>
+    <a:masterClrMapping/>
+  </p:clrMapOvr>
+</p:sld>
+</file>
+
+<file path=ppt/slides/slide14.xml><?xml version="1.0" encoding="utf-8"?>
+<p:sld xmlns:a="http://schemas.openxmlformats.org/drawingml/2006/main" xmlns:r="http://schemas.openxmlformats.org/officeDocument/2006/relationships" xmlns:p="http://schemas.openxmlformats.org/presentationml/2006/main">
+  <p:cSld>
+    <p:spTree>
+      <p:nvGrpSpPr>
+        <p:cNvPr id="1" name="">
+          <a:extLst>
+            <a:ext uri="{FF2B5EF4-FFF2-40B4-BE49-F238E27FC236}">
+              <a16:creationId xmlns:a16="http://schemas.microsoft.com/office/drawing/2014/main" id="{6FDF1E12-3F74-BF4A-8C1A-0413FF34AAB2}"/>
+            </a:ext>
+          </a:extLst>
+        </p:cNvPr>
+        <p:cNvGrpSpPr/>
+        <p:nvPr/>
+      </p:nvGrpSpPr>
+      <p:grpSpPr>
+        <a:xfrm>
+          <a:off x="0" y="0"/>
+          <a:ext cx="0" cy="0"/>
+          <a:chOff x="0" y="0"/>
+          <a:chExt cx="0" cy="0"/>
+        </a:xfrm>
+      </p:grpSpPr>
+      <p:sp>
+        <p:nvSpPr>
+          <p:cNvPr id="14" name="직사각형 13">
+            <a:extLst>
+              <a:ext uri="{FF2B5EF4-FFF2-40B4-BE49-F238E27FC236}">
+                <a16:creationId xmlns:a16="http://schemas.microsoft.com/office/drawing/2014/main" id="{9411470B-38B7-D8CB-734B-7EC99C46533C}"/>
+              </a:ext>
+            </a:extLst>
+          </p:cNvPr>
+          <p:cNvSpPr/>
+          <p:nvPr/>
+        </p:nvSpPr>
+        <p:spPr>
+          <a:xfrm>
+            <a:off x="0" y="591"/>
+            <a:ext cx="12192000" cy="438126"/>
+          </a:xfrm>
+          <a:prstGeom prst="rect">
+            <a:avLst/>
+          </a:prstGeom>
+          <a:solidFill>
+            <a:schemeClr val="dk1">
+              <a:alpha val="66000"/>
+            </a:schemeClr>
+          </a:solidFill>
+          <a:ln>
+            <a:noFill/>
+          </a:ln>
+        </p:spPr>
+        <p:style>
+          <a:lnRef idx="2">
+            <a:schemeClr val="dk1">
+              <a:shade val="15000"/>
+            </a:schemeClr>
+          </a:lnRef>
+          <a:fillRef idx="1">
+            <a:schemeClr val="dk1"/>
+          </a:fillRef>
+          <a:effectRef idx="0">
+            <a:schemeClr val="dk1"/>
+          </a:effectRef>
+          <a:fontRef idx="minor">
+            <a:schemeClr val="lt1"/>
+          </a:fontRef>
+        </p:style>
+        <p:txBody>
+          <a:bodyPr rtlCol="0" anchor="ctr"/>
+          <a:lstStyle/>
+          <a:p>
+            <a:pPr algn="ctr"/>
+            <a:endParaRPr lang="en-US" altLang="ko-KR" sz="1400" dirty="0">
+              <a:solidFill>
+                <a:schemeClr val="bg1"/>
+              </a:solidFill>
+              <a:latin typeface="페이퍼로지 6 SemiBold" pitchFamily="2" charset="-127"/>
+              <a:ea typeface="페이퍼로지 6 SemiBold" pitchFamily="2" charset="-127"/>
+              <a:cs typeface="Pretendard Variable SemiBold" panose="02000003000000020004" pitchFamily="2" charset="-127"/>
+            </a:endParaRPr>
+          </a:p>
+        </p:txBody>
+      </p:sp>
+      <p:sp>
+        <p:nvSpPr>
+          <p:cNvPr id="10" name="TextBox 9">
+            <a:extLst>
+              <a:ext uri="{FF2B5EF4-FFF2-40B4-BE49-F238E27FC236}">
+                <a16:creationId xmlns:a16="http://schemas.microsoft.com/office/drawing/2014/main" id="{AE308305-9082-4BDC-2880-B8F5BB62AC6D}"/>
+              </a:ext>
+            </a:extLst>
+          </p:cNvPr>
+          <p:cNvSpPr txBox="1"/>
+          <p:nvPr/>
+        </p:nvSpPr>
+        <p:spPr>
+          <a:xfrm>
+            <a:off x="210640" y="34988"/>
+            <a:ext cx="591829" cy="369332"/>
+          </a:xfrm>
+          <a:prstGeom prst="rect">
+            <a:avLst/>
+          </a:prstGeom>
+          <a:noFill/>
+        </p:spPr>
+        <p:txBody>
+          <a:bodyPr wrap="square" rtlCol="0">
+            <a:spAutoFit/>
+          </a:bodyPr>
+          <a:lstStyle/>
+          <a:p>
+            <a:pPr algn="ctr"/>
+            <a:r>
+              <a:rPr lang="ko-KR" altLang="en-US" dirty="0">
+                <a:solidFill>
+                  <a:schemeClr val="bg1"/>
+                </a:solidFill>
+                <a:latin typeface="페이퍼로지 7 Bold" pitchFamily="2" charset="-127"/>
+                <a:ea typeface="페이퍼로지 7 Bold" pitchFamily="2" charset="-127"/>
+                <a:cs typeface="Pretendard Variable Black" panose="02000003000000020004" pitchFamily="2" charset="-127"/>
+              </a:rPr>
+              <a:t>목차</a:t>
+            </a:r>
+            <a:endParaRPr lang="en-US" altLang="ko-KR" dirty="0">
+              <a:solidFill>
+                <a:schemeClr val="bg1"/>
+              </a:solidFill>
+              <a:latin typeface="페이퍼로지 7 Bold" pitchFamily="2" charset="-127"/>
+              <a:ea typeface="페이퍼로지 7 Bold" pitchFamily="2" charset="-127"/>
+              <a:cs typeface="Pretendard Variable Black" panose="02000003000000020004" pitchFamily="2" charset="-127"/>
+            </a:endParaRPr>
+          </a:p>
+        </p:txBody>
+      </p:sp>
+      <p:grpSp>
+        <p:nvGrpSpPr>
+          <p:cNvPr id="7" name="그룹 6">
+            <a:extLst>
+              <a:ext uri="{FF2B5EF4-FFF2-40B4-BE49-F238E27FC236}">
+                <a16:creationId xmlns:a16="http://schemas.microsoft.com/office/drawing/2014/main" id="{53EE8EB3-8488-1192-B55B-AA806A2B2451}"/>
+              </a:ext>
+            </a:extLst>
+          </p:cNvPr>
+          <p:cNvGrpSpPr/>
+          <p:nvPr/>
+        </p:nvGrpSpPr>
+        <p:grpSpPr>
+          <a:xfrm>
+            <a:off x="12485302" y="895719"/>
+            <a:ext cx="819455" cy="952235"/>
+            <a:chOff x="10091710" y="2581892"/>
+            <a:chExt cx="819455" cy="952235"/>
+          </a:xfrm>
+        </p:grpSpPr>
+        <p:sp>
+          <p:nvSpPr>
+            <p:cNvPr id="2" name="TextBox 1">
+              <a:extLst>
+                <a:ext uri="{FF2B5EF4-FFF2-40B4-BE49-F238E27FC236}">
+                  <a16:creationId xmlns:a16="http://schemas.microsoft.com/office/drawing/2014/main" id="{A2ED254B-81F5-3EB0-CF5A-6D1DBF3AE32C}"/>
+                </a:ext>
+              </a:extLst>
+            </p:cNvPr>
+            <p:cNvSpPr txBox="1"/>
+            <p:nvPr/>
+          </p:nvSpPr>
+          <p:spPr>
+            <a:xfrm>
+              <a:off x="10320298" y="2581892"/>
+              <a:ext cx="362279" cy="246221"/>
+            </a:xfrm>
+            <a:prstGeom prst="rect">
+              <a:avLst/>
+            </a:prstGeom>
+            <a:noFill/>
+          </p:spPr>
+          <p:txBody>
+            <a:bodyPr wrap="none" lIns="0" tIns="0" rIns="0" bIns="0" rtlCol="0" anchor="ctr" anchorCtr="0">
+              <a:spAutoFit/>
+            </a:bodyPr>
+            <a:lstStyle/>
+            <a:p>
+              <a:pPr algn="ctr"/>
+              <a:r>
+                <a:rPr lang="ko-KR" altLang="en-US" sz="1600" dirty="0">
+                  <a:effectLst/>
+                  <a:latin typeface="페이퍼로지 7 Bold" pitchFamily="2" charset="-127"/>
+                  <a:ea typeface="페이퍼로지 7 Bold" pitchFamily="2" charset="-127"/>
+                  <a:cs typeface="Pretendard Variable Black" panose="02000003000000020004" pitchFamily="2" charset="-127"/>
+                </a:rPr>
+                <a:t>볼드</a:t>
+              </a:r>
+              <a:endParaRPr lang="en-US" altLang="ko-KR" sz="1600" dirty="0">
+                <a:effectLst/>
+                <a:latin typeface="페이퍼로지 7 Bold" pitchFamily="2" charset="-127"/>
+                <a:ea typeface="페이퍼로지 7 Bold" pitchFamily="2" charset="-127"/>
+                <a:cs typeface="Pretendard Variable Black" panose="02000003000000020004" pitchFamily="2" charset="-127"/>
+              </a:endParaRPr>
+            </a:p>
+          </p:txBody>
+        </p:sp>
+        <p:sp>
+          <p:nvSpPr>
+            <p:cNvPr id="3" name="TextBox 2">
+              <a:extLst>
+                <a:ext uri="{FF2B5EF4-FFF2-40B4-BE49-F238E27FC236}">
+                  <a16:creationId xmlns:a16="http://schemas.microsoft.com/office/drawing/2014/main" id="{38325CD9-53B4-16FA-0C1E-A1E60EE9AFE1}"/>
+                </a:ext>
+              </a:extLst>
+            </p:cNvPr>
+            <p:cNvSpPr txBox="1"/>
+            <p:nvPr/>
+          </p:nvSpPr>
+          <p:spPr>
+            <a:xfrm>
+              <a:off x="10091710" y="2904121"/>
+              <a:ext cx="819455" cy="307777"/>
+            </a:xfrm>
+            <a:prstGeom prst="rect">
+              <a:avLst/>
+            </a:prstGeom>
+            <a:noFill/>
+          </p:spPr>
+          <p:txBody>
+            <a:bodyPr wrap="none" anchor="ctr" anchorCtr="0">
+              <a:spAutoFit/>
+            </a:bodyPr>
+            <a:lstStyle/>
+            <a:p>
+              <a:pPr algn="ctr"/>
+              <a:r>
+                <a:rPr lang="ko-KR" altLang="en-US" sz="1400" dirty="0" err="1">
+                  <a:latin typeface="페이퍼로지 6 SemiBold" pitchFamily="2" charset="-127"/>
+                  <a:ea typeface="페이퍼로지 6 SemiBold" pitchFamily="2" charset="-127"/>
+                  <a:cs typeface="Pretendard Variable SemiBold" panose="02000003000000020004" pitchFamily="2" charset="-127"/>
+                </a:rPr>
+                <a:t>세미볼드</a:t>
+              </a:r>
+              <a:endParaRPr lang="en-US" altLang="ko-KR" sz="1400" dirty="0">
+                <a:latin typeface="페이퍼로지 6 SemiBold" pitchFamily="2" charset="-127"/>
+                <a:ea typeface="페이퍼로지 6 SemiBold" pitchFamily="2" charset="-127"/>
+                <a:cs typeface="Pretendard Variable SemiBold" panose="02000003000000020004" pitchFamily="2" charset="-127"/>
+              </a:endParaRPr>
+            </a:p>
+          </p:txBody>
+        </p:sp>
+        <p:sp>
+          <p:nvSpPr>
+            <p:cNvPr id="5" name="TextBox 4">
+              <a:extLst>
+                <a:ext uri="{FF2B5EF4-FFF2-40B4-BE49-F238E27FC236}">
+                  <a16:creationId xmlns:a16="http://schemas.microsoft.com/office/drawing/2014/main" id="{2EAC66C9-FC7D-21EE-5BD2-FA8B0077C320}"/>
+                </a:ext>
+              </a:extLst>
+            </p:cNvPr>
+            <p:cNvSpPr txBox="1"/>
+            <p:nvPr/>
+          </p:nvSpPr>
+          <p:spPr>
+            <a:xfrm>
+              <a:off x="10240789" y="3287906"/>
+              <a:ext cx="521297" cy="246221"/>
+            </a:xfrm>
+            <a:prstGeom prst="rect">
+              <a:avLst/>
+            </a:prstGeom>
+            <a:noFill/>
+          </p:spPr>
+          <p:txBody>
+            <a:bodyPr wrap="none" rtlCol="0" anchor="ctr" anchorCtr="0">
+              <a:spAutoFit/>
+            </a:bodyPr>
+            <a:lstStyle/>
+            <a:p>
+              <a:r>
+                <a:rPr lang="ko-KR" altLang="en-US" sz="1000" dirty="0" err="1">
+                  <a:effectLst/>
+                  <a:latin typeface="페이퍼로지 5 Medium" pitchFamily="2" charset="-127"/>
+                  <a:ea typeface="페이퍼로지 5 Medium" pitchFamily="2" charset="-127"/>
+                  <a:cs typeface="Pretendard Variable Medium" panose="02000003000000020004" pitchFamily="2" charset="-127"/>
+                </a:rPr>
+                <a:t>미디움</a:t>
+              </a:r>
+              <a:endParaRPr lang="en-US" altLang="ko-KR" sz="1000" dirty="0">
+                <a:effectLst/>
+                <a:latin typeface="페이퍼로지 5 Medium" pitchFamily="2" charset="-127"/>
+                <a:ea typeface="페이퍼로지 5 Medium" pitchFamily="2" charset="-127"/>
+                <a:cs typeface="Pretendard Variable Medium" panose="02000003000000020004" pitchFamily="2" charset="-127"/>
+              </a:endParaRPr>
+            </a:p>
+          </p:txBody>
+        </p:sp>
+      </p:grpSp>
+      <p:sp>
+        <p:nvSpPr>
+          <p:cNvPr id="13" name="TextBox 12">
+            <a:extLst>
+              <a:ext uri="{FF2B5EF4-FFF2-40B4-BE49-F238E27FC236}">
+                <a16:creationId xmlns:a16="http://schemas.microsoft.com/office/drawing/2014/main" id="{3622E5B7-AEFE-371F-6073-F2677A0556BD}"/>
+              </a:ext>
+            </a:extLst>
+          </p:cNvPr>
+          <p:cNvSpPr txBox="1"/>
+          <p:nvPr/>
+        </p:nvSpPr>
+        <p:spPr>
+          <a:xfrm>
+            <a:off x="10953515" y="96543"/>
+            <a:ext cx="1027845" cy="246221"/>
+          </a:xfrm>
+          <a:prstGeom prst="rect">
+            <a:avLst/>
+          </a:prstGeom>
+          <a:noFill/>
+        </p:spPr>
+        <p:txBody>
+          <a:bodyPr wrap="none" rtlCol="0">
+            <a:spAutoFit/>
+          </a:bodyPr>
+          <a:lstStyle/>
+          <a:p>
+            <a:r>
+              <a:rPr lang="ko-KR" altLang="en-US" sz="1000" dirty="0">
+                <a:solidFill>
+                  <a:schemeClr val="bg1"/>
+                </a:solidFill>
+                <a:latin typeface="페이퍼로지 5 Medium" pitchFamily="2" charset="-127"/>
+                <a:ea typeface="페이퍼로지 5 Medium" pitchFamily="2" charset="-127"/>
+                <a:cs typeface="Pretendard Variable Medium" panose="02000003000000020004" pitchFamily="2" charset="-127"/>
+              </a:rPr>
+              <a:t>부채 스킬 기획서</a:t>
+            </a:r>
+            <a:endParaRPr lang="en-US" altLang="ko-KR" sz="1000" dirty="0">
+              <a:solidFill>
+                <a:schemeClr val="bg1"/>
+              </a:solidFill>
+              <a:latin typeface="페이퍼로지 5 Medium" pitchFamily="2" charset="-127"/>
+              <a:ea typeface="페이퍼로지 5 Medium" pitchFamily="2" charset="-127"/>
+              <a:cs typeface="Pretendard Variable Medium" panose="02000003000000020004" pitchFamily="2" charset="-127"/>
+            </a:endParaRPr>
+          </a:p>
+        </p:txBody>
+      </p:sp>
+      <p:grpSp>
+        <p:nvGrpSpPr>
+          <p:cNvPr id="100" name="그룹 99">
+            <a:extLst>
+              <a:ext uri="{FF2B5EF4-FFF2-40B4-BE49-F238E27FC236}">
+                <a16:creationId xmlns:a16="http://schemas.microsoft.com/office/drawing/2014/main" id="{E775C9FC-1EF2-4018-85A4-0D718A6C9E00}"/>
+              </a:ext>
+            </a:extLst>
+          </p:cNvPr>
+          <p:cNvGrpSpPr/>
+          <p:nvPr/>
+        </p:nvGrpSpPr>
+        <p:grpSpPr>
+          <a:xfrm>
+            <a:off x="1065159" y="2045260"/>
+            <a:ext cx="10061683" cy="3223104"/>
+            <a:chOff x="985893" y="1689138"/>
+            <a:chExt cx="10061683" cy="3223104"/>
+          </a:xfrm>
+        </p:grpSpPr>
+        <p:grpSp>
+          <p:nvGrpSpPr>
+            <p:cNvPr id="72" name="그룹 71">
+              <a:extLst>
+                <a:ext uri="{FF2B5EF4-FFF2-40B4-BE49-F238E27FC236}">
+                  <a16:creationId xmlns:a16="http://schemas.microsoft.com/office/drawing/2014/main" id="{3DB68034-416F-5114-E548-852DBA9C5382}"/>
+                </a:ext>
+              </a:extLst>
+            </p:cNvPr>
+            <p:cNvGrpSpPr/>
+            <p:nvPr/>
+          </p:nvGrpSpPr>
+          <p:grpSpPr>
+            <a:xfrm>
+              <a:off x="6232593" y="1689138"/>
+              <a:ext cx="2191634" cy="3223104"/>
+              <a:chOff x="6162103" y="1689138"/>
+              <a:chExt cx="2191634" cy="3223104"/>
+            </a:xfrm>
+          </p:grpSpPr>
+          <p:sp>
+            <p:nvSpPr>
+              <p:cNvPr id="36" name="TextBox 35">
+                <a:extLst>
+                  <a:ext uri="{FF2B5EF4-FFF2-40B4-BE49-F238E27FC236}">
+                    <a16:creationId xmlns:a16="http://schemas.microsoft.com/office/drawing/2014/main" id="{10545439-8B9A-6170-F679-97D91A405068}"/>
+                  </a:ext>
+                </a:extLst>
+              </p:cNvPr>
+              <p:cNvSpPr txBox="1"/>
+              <p:nvPr/>
+            </p:nvSpPr>
+            <p:spPr>
+              <a:xfrm>
+                <a:off x="6764035" y="3770070"/>
+                <a:ext cx="987771" cy="1015663"/>
+              </a:xfrm>
+              <a:prstGeom prst="rect">
+                <a:avLst/>
+              </a:prstGeom>
+              <a:noFill/>
+            </p:spPr>
+            <p:txBody>
+              <a:bodyPr wrap="none" rtlCol="0">
+                <a:spAutoFit/>
+              </a:bodyPr>
+              <a:lstStyle/>
+              <a:p>
+                <a:pPr marL="228600" indent="-228600">
+                  <a:buAutoNum type="arabicParenBoth"/>
+                </a:pPr>
+                <a:r>
+                  <a:rPr lang="ko-KR" altLang="en-US" sz="1200" dirty="0">
+                    <a:latin typeface="페이퍼로지 5 Medium" pitchFamily="2" charset="-127"/>
+                    <a:ea typeface="페이퍼로지 5 Medium" pitchFamily="2" charset="-127"/>
+                    <a:cs typeface="Pretendard Variable Medium" panose="02000003000000020004" pitchFamily="2" charset="-127"/>
+                  </a:rPr>
+                  <a:t>평화 상태</a:t>
+                </a:r>
+                <a:endParaRPr lang="en-US" altLang="ko-KR" sz="1200" dirty="0">
+                  <a:latin typeface="페이퍼로지 5 Medium" pitchFamily="2" charset="-127"/>
+                  <a:ea typeface="페이퍼로지 5 Medium" pitchFamily="2" charset="-127"/>
+                  <a:cs typeface="Pretendard Variable Medium" panose="02000003000000020004" pitchFamily="2" charset="-127"/>
+                </a:endParaRPr>
+              </a:p>
+              <a:p>
+                <a:pPr marL="228600" indent="-228600">
+                  <a:buAutoNum type="arabicParenBoth"/>
+                </a:pPr>
+                <a:endParaRPr lang="en-US" altLang="ko-KR" sz="1200" dirty="0">
+                  <a:latin typeface="페이퍼로지 5 Medium" pitchFamily="2" charset="-127"/>
+                  <a:ea typeface="페이퍼로지 5 Medium" pitchFamily="2" charset="-127"/>
+                  <a:cs typeface="Pretendard Variable Medium" panose="02000003000000020004" pitchFamily="2" charset="-127"/>
+                </a:endParaRPr>
+              </a:p>
+              <a:p>
+                <a:pPr marL="228600" indent="-228600">
+                  <a:buAutoNum type="arabicParenBoth"/>
+                </a:pPr>
+                <a:r>
+                  <a:rPr lang="ko-KR" altLang="en-US" sz="1200" dirty="0">
+                    <a:latin typeface="페이퍼로지 5 Medium" pitchFamily="2" charset="-127"/>
+                    <a:ea typeface="페이퍼로지 5 Medium" pitchFamily="2" charset="-127"/>
+                    <a:cs typeface="Pretendard Variable Medium" panose="02000003000000020004" pitchFamily="2" charset="-127"/>
+                  </a:rPr>
+                  <a:t>전투 상태</a:t>
+                </a:r>
+                <a:endParaRPr lang="en-US" altLang="ko-KR" sz="1200" dirty="0">
+                  <a:latin typeface="페이퍼로지 5 Medium" pitchFamily="2" charset="-127"/>
+                  <a:ea typeface="페이퍼로지 5 Medium" pitchFamily="2" charset="-127"/>
+                  <a:cs typeface="Pretendard Variable Medium" panose="02000003000000020004" pitchFamily="2" charset="-127"/>
+                </a:endParaRPr>
+              </a:p>
+              <a:p>
+                <a:pPr marL="228600" indent="-228600">
+                  <a:buAutoNum type="arabicParenBoth"/>
+                </a:pPr>
+                <a:endParaRPr lang="en-US" altLang="ko-KR" sz="1200" dirty="0">
+                  <a:latin typeface="페이퍼로지 5 Medium" pitchFamily="2" charset="-127"/>
+                  <a:ea typeface="페이퍼로지 5 Medium" pitchFamily="2" charset="-127"/>
+                  <a:cs typeface="Pretendard Variable Medium" panose="02000003000000020004" pitchFamily="2" charset="-127"/>
+                </a:endParaRPr>
+              </a:p>
+              <a:p>
+                <a:pPr marL="228600" indent="-228600">
+                  <a:buAutoNum type="arabicParenBoth"/>
+                </a:pPr>
+                <a:r>
+                  <a:rPr lang="ko-KR" altLang="en-US" sz="1200" dirty="0">
+                    <a:latin typeface="페이퍼로지 5 Medium" pitchFamily="2" charset="-127"/>
+                    <a:ea typeface="페이퍼로지 5 Medium" pitchFamily="2" charset="-127"/>
+                    <a:cs typeface="Pretendard Variable Medium" panose="02000003000000020004" pitchFamily="2" charset="-127"/>
+                  </a:rPr>
+                  <a:t>전환 모션</a:t>
+                </a:r>
+                <a:endParaRPr lang="en-US" altLang="ko-KR" sz="1200" dirty="0">
+                  <a:latin typeface="페이퍼로지 5 Medium" pitchFamily="2" charset="-127"/>
+                  <a:ea typeface="페이퍼로지 5 Medium" pitchFamily="2" charset="-127"/>
+                  <a:cs typeface="Pretendard Variable Medium" panose="02000003000000020004" pitchFamily="2" charset="-127"/>
+                </a:endParaRPr>
+              </a:p>
+            </p:txBody>
+          </p:sp>
+          <p:grpSp>
+            <p:nvGrpSpPr>
+              <p:cNvPr id="37" name="그룹 36">
+                <a:extLst>
+                  <a:ext uri="{FF2B5EF4-FFF2-40B4-BE49-F238E27FC236}">
+                    <a16:creationId xmlns:a16="http://schemas.microsoft.com/office/drawing/2014/main" id="{43D57F3F-787B-81C1-2369-337D981BAD5F}"/>
+                  </a:ext>
+                </a:extLst>
+              </p:cNvPr>
+              <p:cNvGrpSpPr/>
+              <p:nvPr/>
+            </p:nvGrpSpPr>
+            <p:grpSpPr>
+              <a:xfrm>
+                <a:off x="6162103" y="1689138"/>
+                <a:ext cx="2191634" cy="3223104"/>
+                <a:chOff x="944461" y="1689138"/>
+                <a:chExt cx="2191634" cy="3223104"/>
+              </a:xfrm>
+            </p:grpSpPr>
+            <p:sp>
+              <p:nvSpPr>
+                <p:cNvPr id="38" name="사각형: 둥근 모서리 37">
+                  <a:extLst>
+                    <a:ext uri="{FF2B5EF4-FFF2-40B4-BE49-F238E27FC236}">
+                      <a16:creationId xmlns:a16="http://schemas.microsoft.com/office/drawing/2014/main" id="{CA5FBE87-803B-2F7E-2BE7-2C46024719B3}"/>
+                    </a:ext>
+                  </a:extLst>
+                </p:cNvPr>
+                <p:cNvSpPr/>
+                <p:nvPr/>
+              </p:nvSpPr>
+              <p:spPr>
+                <a:xfrm>
+                  <a:off x="944461" y="1847954"/>
+                  <a:ext cx="2191634" cy="3064288"/>
+                </a:xfrm>
+                <a:prstGeom prst="roundRect">
+                  <a:avLst/>
+                </a:prstGeom>
+                <a:noFill/>
+                <a:ln>
+                  <a:solidFill>
+                    <a:schemeClr val="bg1">
+                      <a:lumMod val="50000"/>
+                    </a:schemeClr>
+                  </a:solidFill>
+                </a:ln>
+              </p:spPr>
+              <p:style>
+                <a:lnRef idx="2">
+                  <a:schemeClr val="accent1">
+                    <a:shade val="15000"/>
+                  </a:schemeClr>
+                </a:lnRef>
+                <a:fillRef idx="1">
+                  <a:schemeClr val="accent1"/>
+                </a:fillRef>
+                <a:effectRef idx="0">
+                  <a:schemeClr val="accent1"/>
+                </a:effectRef>
+                <a:fontRef idx="minor">
+                  <a:schemeClr val="lt1"/>
+                </a:fontRef>
+              </p:style>
+              <p:txBody>
+                <a:bodyPr rtlCol="0" anchor="ctr"/>
+                <a:lstStyle/>
+                <a:p>
+                  <a:pPr algn="ctr"/>
+                  <a:endParaRPr lang="ko-KR" altLang="en-US" dirty="0"/>
+                </a:p>
+              </p:txBody>
+            </p:sp>
+            <p:sp>
+              <p:nvSpPr>
+                <p:cNvPr id="39" name="직사각형 38">
+                  <a:extLst>
+                    <a:ext uri="{FF2B5EF4-FFF2-40B4-BE49-F238E27FC236}">
+                      <a16:creationId xmlns:a16="http://schemas.microsoft.com/office/drawing/2014/main" id="{9B483131-ED66-DE40-E787-53BC089A2F35}"/>
+                    </a:ext>
+                  </a:extLst>
+                </p:cNvPr>
+                <p:cNvSpPr/>
+                <p:nvPr/>
+              </p:nvSpPr>
+              <p:spPr>
+                <a:xfrm>
+                  <a:off x="1881462" y="1689138"/>
+                  <a:ext cx="317632" cy="317632"/>
+                </a:xfrm>
+                <a:prstGeom prst="rect">
+                  <a:avLst/>
+                </a:prstGeom>
+                <a:solidFill>
+                  <a:srgbClr val="0B76A0"/>
+                </a:solidFill>
+                <a:ln w="6350">
+                  <a:solidFill>
+                    <a:srgbClr val="575757"/>
+                  </a:solidFill>
+                </a:ln>
+              </p:spPr>
+              <p:style>
+                <a:lnRef idx="2">
+                  <a:schemeClr val="accent1">
+                    <a:shade val="15000"/>
+                  </a:schemeClr>
+                </a:lnRef>
+                <a:fillRef idx="1">
+                  <a:schemeClr val="accent1"/>
+                </a:fillRef>
+                <a:effectRef idx="0">
+                  <a:schemeClr val="accent1"/>
+                </a:effectRef>
+                <a:fontRef idx="minor">
+                  <a:schemeClr val="lt1"/>
+                </a:fontRef>
+              </p:style>
+              <p:txBody>
+                <a:bodyPr lIns="0" tIns="0" rIns="0" bIns="0" rtlCol="0" anchor="ctr">
+                  <a:noAutofit/>
+                </a:bodyPr>
+                <a:lstStyle/>
+                <a:p>
+                  <a:pPr algn="ctr"/>
+                  <a:r>
+                    <a:rPr lang="en-US" altLang="ko-KR" sz="1200" dirty="0">
+                      <a:latin typeface="페이퍼로지 9 Black" pitchFamily="2" charset="-127"/>
+                      <a:ea typeface="페이퍼로지 9 Black" pitchFamily="2" charset="-127"/>
+                    </a:rPr>
+                    <a:t>3</a:t>
+                  </a:r>
+                  <a:endParaRPr lang="ko-KR" altLang="en-US" sz="1200" dirty="0">
+                    <a:latin typeface="페이퍼로지 9 Black" pitchFamily="2" charset="-127"/>
+                    <a:ea typeface="페이퍼로지 9 Black" pitchFamily="2" charset="-127"/>
+                  </a:endParaRPr>
+                </a:p>
+              </p:txBody>
+            </p:sp>
+          </p:grpSp>
+          <p:sp>
+            <p:nvSpPr>
+              <p:cNvPr id="40" name="타원 39">
+                <a:extLst>
+                  <a:ext uri="{FF2B5EF4-FFF2-40B4-BE49-F238E27FC236}">
+                    <a16:creationId xmlns:a16="http://schemas.microsoft.com/office/drawing/2014/main" id="{B2D47585-DDBE-FA6B-61AE-67188582ABA4}"/>
+                  </a:ext>
+                </a:extLst>
+              </p:cNvPr>
+              <p:cNvSpPr/>
+              <p:nvPr/>
+            </p:nvSpPr>
+            <p:spPr>
+              <a:xfrm>
+                <a:off x="6800720" y="2150625"/>
+                <a:ext cx="914400" cy="914400"/>
+              </a:xfrm>
+              <a:prstGeom prst="ellipse">
+                <a:avLst/>
+              </a:prstGeom>
+              <a:solidFill>
+                <a:schemeClr val="bg1">
+                  <a:lumMod val="85000"/>
+                </a:schemeClr>
+              </a:solidFill>
+              <a:ln>
+                <a:solidFill>
+                  <a:srgbClr val="0B76A0"/>
+                </a:solidFill>
+              </a:ln>
+            </p:spPr>
+            <p:style>
+              <a:lnRef idx="2">
+                <a:schemeClr val="accent1">
+                  <a:shade val="15000"/>
+                </a:schemeClr>
+              </a:lnRef>
+              <a:fillRef idx="1">
+                <a:schemeClr val="accent1"/>
+              </a:fillRef>
+              <a:effectRef idx="0">
+                <a:schemeClr val="accent1"/>
+              </a:effectRef>
+              <a:fontRef idx="minor">
+                <a:schemeClr val="lt1"/>
+              </a:fontRef>
+            </p:style>
+            <p:txBody>
+              <a:bodyPr rtlCol="0" anchor="ctr"/>
+              <a:lstStyle/>
+              <a:p>
+                <a:pPr algn="ctr"/>
+                <a:endParaRPr lang="ko-KR" altLang="en-US"/>
+              </a:p>
+            </p:txBody>
+          </p:sp>
+          <p:sp>
+            <p:nvSpPr>
+              <p:cNvPr id="44" name="TextBox 43">
+                <a:extLst>
+                  <a:ext uri="{FF2B5EF4-FFF2-40B4-BE49-F238E27FC236}">
+                    <a16:creationId xmlns:a16="http://schemas.microsoft.com/office/drawing/2014/main" id="{27A9F680-94A3-87AB-A42F-9A866DBCB59D}"/>
+                  </a:ext>
+                </a:extLst>
+              </p:cNvPr>
+              <p:cNvSpPr txBox="1"/>
+              <p:nvPr/>
+            </p:nvSpPr>
+            <p:spPr>
+              <a:xfrm>
+                <a:off x="6819794" y="3208881"/>
+                <a:ext cx="876252" cy="307777"/>
+              </a:xfrm>
+              <a:prstGeom prst="rect">
+                <a:avLst/>
+              </a:prstGeom>
+              <a:noFill/>
+            </p:spPr>
+            <p:txBody>
+              <a:bodyPr wrap="none" lIns="108000" rtlCol="0" anchor="ctr" anchorCtr="0">
+                <a:spAutoFit/>
+              </a:bodyPr>
+              <a:lstStyle/>
+              <a:p>
+                <a:pPr algn="ctr"/>
+                <a:r>
+                  <a:rPr lang="ko-KR" altLang="en-US" sz="1400" dirty="0">
+                    <a:latin typeface="페이퍼로지 6 SemiBold" pitchFamily="2" charset="-127"/>
+                    <a:ea typeface="페이퍼로지 6 SemiBold" pitchFamily="2" charset="-127"/>
+                    <a:cs typeface="Pretendard Variable SemiBold" panose="02000003000000020004" pitchFamily="2" charset="-127"/>
+                  </a:rPr>
+                  <a:t>기본 모션</a:t>
+                </a:r>
+                <a:endParaRPr lang="en-US" altLang="ko-KR" sz="1400" dirty="0">
+                  <a:latin typeface="페이퍼로지 6 SemiBold" pitchFamily="2" charset="-127"/>
+                  <a:ea typeface="페이퍼로지 6 SemiBold" pitchFamily="2" charset="-127"/>
+                  <a:cs typeface="Pretendard Variable SemiBold" panose="02000003000000020004" pitchFamily="2" charset="-127"/>
+                </a:endParaRPr>
+              </a:p>
+            </p:txBody>
+          </p:sp>
+          <p:cxnSp>
+            <p:nvCxnSpPr>
+              <p:cNvPr id="48" name="직선 연결선 47">
+                <a:extLst>
+                  <a:ext uri="{FF2B5EF4-FFF2-40B4-BE49-F238E27FC236}">
+                    <a16:creationId xmlns:a16="http://schemas.microsoft.com/office/drawing/2014/main" id="{BC7E525C-F7D0-0F82-960F-3597892D5209}"/>
+                  </a:ext>
+                </a:extLst>
+              </p:cNvPr>
+              <p:cNvCxnSpPr>
+                <a:cxnSpLocks/>
+              </p:cNvCxnSpPr>
+              <p:nvPr/>
+            </p:nvCxnSpPr>
+            <p:spPr>
+              <a:xfrm>
+                <a:off x="6348600" y="3577030"/>
+                <a:ext cx="1818640" cy="0"/>
+              </a:xfrm>
+              <a:prstGeom prst="line">
+                <a:avLst/>
+              </a:prstGeom>
+              <a:ln w="6350">
+                <a:gradFill flip="none" rotWithShape="1">
+                  <a:gsLst>
+                    <a:gs pos="0">
+                      <a:schemeClr val="bg1">
+                        <a:lumMod val="50000"/>
+                      </a:schemeClr>
+                    </a:gs>
+                    <a:gs pos="71000">
+                      <a:schemeClr val="bg1">
+                        <a:lumMod val="50000"/>
+                        <a:alpha val="70000"/>
+                      </a:schemeClr>
+                    </a:gs>
+                    <a:gs pos="85000">
+                      <a:schemeClr val="bg1">
+                        <a:lumMod val="50000"/>
+                        <a:alpha val="10000"/>
+                      </a:schemeClr>
+                    </a:gs>
+                    <a:gs pos="100000">
+                      <a:schemeClr val="bg1">
+                        <a:lumMod val="50000"/>
+                        <a:alpha val="0"/>
+                      </a:schemeClr>
+                    </a:gs>
+                  </a:gsLst>
+                  <a:path path="circle">
+                    <a:fillToRect l="50000" t="50000" r="50000" b="50000"/>
+                  </a:path>
+                  <a:tileRect/>
+                </a:gradFill>
+              </a:ln>
+            </p:spPr>
+            <p:style>
+              <a:lnRef idx="2">
+                <a:schemeClr val="accent1"/>
+              </a:lnRef>
+              <a:fillRef idx="0">
+                <a:schemeClr val="accent1"/>
+              </a:fillRef>
+              <a:effectRef idx="1">
+                <a:schemeClr val="accent1"/>
+              </a:effectRef>
+              <a:fontRef idx="minor">
+                <a:schemeClr val="tx1"/>
+              </a:fontRef>
+            </p:style>
+          </p:cxnSp>
+        </p:grpSp>
+        <p:grpSp>
+          <p:nvGrpSpPr>
+            <p:cNvPr id="81" name="그룹 80">
+              <a:extLst>
+                <a:ext uri="{FF2B5EF4-FFF2-40B4-BE49-F238E27FC236}">
+                  <a16:creationId xmlns:a16="http://schemas.microsoft.com/office/drawing/2014/main" id="{F8AF1DBA-7D03-D4E5-372C-ED5AA72B0057}"/>
+                </a:ext>
+              </a:extLst>
+            </p:cNvPr>
+            <p:cNvGrpSpPr/>
+            <p:nvPr/>
+          </p:nvGrpSpPr>
+          <p:grpSpPr>
+            <a:xfrm>
+              <a:off x="3609243" y="1689138"/>
+              <a:ext cx="2191634" cy="3223104"/>
+              <a:chOff x="3620858" y="1689138"/>
+              <a:chExt cx="2191634" cy="3223104"/>
+            </a:xfrm>
+          </p:grpSpPr>
+          <p:sp>
+            <p:nvSpPr>
+              <p:cNvPr id="74" name="TextBox 73">
+                <a:extLst>
+                  <a:ext uri="{FF2B5EF4-FFF2-40B4-BE49-F238E27FC236}">
+                    <a16:creationId xmlns:a16="http://schemas.microsoft.com/office/drawing/2014/main" id="{33FE1194-3CBC-FDFA-F6D0-81459A16A914}"/>
+                  </a:ext>
+                </a:extLst>
+              </p:cNvPr>
+              <p:cNvSpPr txBox="1"/>
+              <p:nvPr/>
+            </p:nvSpPr>
+            <p:spPr>
+              <a:xfrm>
+                <a:off x="3987148" y="3770070"/>
+                <a:ext cx="1459054" cy="646331"/>
+              </a:xfrm>
+              <a:prstGeom prst="rect">
+                <a:avLst/>
+              </a:prstGeom>
+              <a:noFill/>
+            </p:spPr>
+            <p:txBody>
+              <a:bodyPr wrap="none" rtlCol="0">
+                <a:spAutoFit/>
+              </a:bodyPr>
+              <a:lstStyle/>
+              <a:p>
+                <a:pPr marL="228600" indent="-228600">
+                  <a:buAutoNum type="arabicParenBoth"/>
+                </a:pPr>
+                <a:r>
+                  <a:rPr lang="ko-KR" altLang="en-US" sz="1200" dirty="0">
+                    <a:latin typeface="페이퍼로지 5 Medium" pitchFamily="2" charset="-127"/>
+                    <a:ea typeface="페이퍼로지 5 Medium" pitchFamily="2" charset="-127"/>
+                    <a:cs typeface="Pretendard Variable Medium" panose="02000003000000020004" pitchFamily="2" charset="-127"/>
+                  </a:rPr>
+                  <a:t>무기 컨셉 및 특징</a:t>
+                </a:r>
+                <a:endParaRPr lang="en-US" altLang="ko-KR" sz="1200" dirty="0">
+                  <a:latin typeface="페이퍼로지 5 Medium" pitchFamily="2" charset="-127"/>
+                  <a:ea typeface="페이퍼로지 5 Medium" pitchFamily="2" charset="-127"/>
+                  <a:cs typeface="Pretendard Variable Medium" panose="02000003000000020004" pitchFamily="2" charset="-127"/>
+                </a:endParaRPr>
+              </a:p>
+              <a:p>
+                <a:pPr marL="228600" indent="-228600">
+                  <a:buAutoNum type="arabicParenBoth"/>
+                </a:pPr>
+                <a:endParaRPr lang="en-US" altLang="ko-KR" sz="1200" dirty="0">
+                  <a:latin typeface="페이퍼로지 5 Medium" pitchFamily="2" charset="-127"/>
+                  <a:ea typeface="페이퍼로지 5 Medium" pitchFamily="2" charset="-127"/>
+                  <a:cs typeface="Pretendard Variable Medium" panose="02000003000000020004" pitchFamily="2" charset="-127"/>
+                </a:endParaRPr>
+              </a:p>
+              <a:p>
+                <a:pPr marL="228600" indent="-228600">
+                  <a:buAutoNum type="arabicParenBoth"/>
+                </a:pPr>
+                <a:r>
+                  <a:rPr lang="ko-KR" altLang="en-US" sz="1200" dirty="0">
+                    <a:latin typeface="페이퍼로지 5 Medium" pitchFamily="2" charset="-127"/>
+                    <a:ea typeface="페이퍼로지 5 Medium" pitchFamily="2" charset="-127"/>
+                    <a:cs typeface="Pretendard Variable Medium" panose="02000003000000020004" pitchFamily="2" charset="-127"/>
+                  </a:rPr>
+                  <a:t>이펙트 컨셉</a:t>
+                </a:r>
+                <a:endParaRPr lang="en-US" altLang="ko-KR" sz="1200" dirty="0">
+                  <a:latin typeface="페이퍼로지 5 Medium" pitchFamily="2" charset="-127"/>
+                  <a:ea typeface="페이퍼로지 5 Medium" pitchFamily="2" charset="-127"/>
+                  <a:cs typeface="Pretendard Variable Medium" panose="02000003000000020004" pitchFamily="2" charset="-127"/>
+                </a:endParaRPr>
+              </a:p>
+            </p:txBody>
+          </p:sp>
+          <p:grpSp>
+            <p:nvGrpSpPr>
+              <p:cNvPr id="75" name="그룹 74">
+                <a:extLst>
+                  <a:ext uri="{FF2B5EF4-FFF2-40B4-BE49-F238E27FC236}">
+                    <a16:creationId xmlns:a16="http://schemas.microsoft.com/office/drawing/2014/main" id="{8686FE97-9FE1-2EF5-A4C8-95F1AA812697}"/>
+                  </a:ext>
+                </a:extLst>
+              </p:cNvPr>
+              <p:cNvGrpSpPr/>
+              <p:nvPr/>
+            </p:nvGrpSpPr>
+            <p:grpSpPr>
+              <a:xfrm>
+                <a:off x="3620858" y="1689138"/>
+                <a:ext cx="2191634" cy="3223104"/>
+                <a:chOff x="944461" y="1689138"/>
+                <a:chExt cx="2191634" cy="3223104"/>
+              </a:xfrm>
+            </p:grpSpPr>
+            <p:sp>
+              <p:nvSpPr>
+                <p:cNvPr id="79" name="사각형: 둥근 모서리 78">
+                  <a:extLst>
+                    <a:ext uri="{FF2B5EF4-FFF2-40B4-BE49-F238E27FC236}">
+                      <a16:creationId xmlns:a16="http://schemas.microsoft.com/office/drawing/2014/main" id="{A71D490E-3078-2813-BCFD-E48BD5868E8A}"/>
+                    </a:ext>
+                  </a:extLst>
+                </p:cNvPr>
+                <p:cNvSpPr/>
+                <p:nvPr/>
+              </p:nvSpPr>
+              <p:spPr>
+                <a:xfrm>
+                  <a:off x="944461" y="1847954"/>
+                  <a:ext cx="2191634" cy="3064288"/>
+                </a:xfrm>
+                <a:prstGeom prst="roundRect">
+                  <a:avLst/>
+                </a:prstGeom>
+                <a:noFill/>
+                <a:ln>
+                  <a:solidFill>
+                    <a:schemeClr val="bg1">
+                      <a:lumMod val="50000"/>
+                    </a:schemeClr>
+                  </a:solidFill>
+                </a:ln>
+              </p:spPr>
+              <p:style>
+                <a:lnRef idx="2">
+                  <a:schemeClr val="accent1">
+                    <a:shade val="15000"/>
+                  </a:schemeClr>
+                </a:lnRef>
+                <a:fillRef idx="1">
+                  <a:schemeClr val="accent1"/>
+                </a:fillRef>
+                <a:effectRef idx="0">
+                  <a:schemeClr val="accent1"/>
+                </a:effectRef>
+                <a:fontRef idx="minor">
+                  <a:schemeClr val="lt1"/>
+                </a:fontRef>
+              </p:style>
+              <p:txBody>
+                <a:bodyPr rtlCol="0" anchor="ctr"/>
+                <a:lstStyle/>
+                <a:p>
+                  <a:pPr algn="ctr"/>
+                  <a:endParaRPr lang="ko-KR" altLang="en-US" dirty="0"/>
+                </a:p>
+              </p:txBody>
+            </p:sp>
+            <p:sp>
+              <p:nvSpPr>
+                <p:cNvPr id="80" name="직사각형 79">
+                  <a:extLst>
+                    <a:ext uri="{FF2B5EF4-FFF2-40B4-BE49-F238E27FC236}">
+                      <a16:creationId xmlns:a16="http://schemas.microsoft.com/office/drawing/2014/main" id="{C757F8A4-703F-379D-F665-3818C9DF0D26}"/>
+                    </a:ext>
+                  </a:extLst>
+                </p:cNvPr>
+                <p:cNvSpPr/>
+                <p:nvPr/>
+              </p:nvSpPr>
+              <p:spPr>
+                <a:xfrm>
+                  <a:off x="1881462" y="1689138"/>
+                  <a:ext cx="317632" cy="317632"/>
+                </a:xfrm>
+                <a:prstGeom prst="rect">
+                  <a:avLst/>
+                </a:prstGeom>
+                <a:solidFill>
+                  <a:srgbClr val="0B76A0"/>
+                </a:solidFill>
+                <a:ln w="6350">
+                  <a:solidFill>
+                    <a:srgbClr val="575757"/>
+                  </a:solidFill>
+                </a:ln>
+              </p:spPr>
+              <p:style>
+                <a:lnRef idx="2">
+                  <a:schemeClr val="accent1">
+                    <a:shade val="15000"/>
+                  </a:schemeClr>
+                </a:lnRef>
+                <a:fillRef idx="1">
+                  <a:schemeClr val="accent1"/>
+                </a:fillRef>
+                <a:effectRef idx="0">
+                  <a:schemeClr val="accent1"/>
+                </a:effectRef>
+                <a:fontRef idx="minor">
+                  <a:schemeClr val="lt1"/>
+                </a:fontRef>
+              </p:style>
+              <p:txBody>
+                <a:bodyPr lIns="0" tIns="0" rIns="0" bIns="0" rtlCol="0" anchor="ctr">
+                  <a:noAutofit/>
+                </a:bodyPr>
+                <a:lstStyle/>
+                <a:p>
+                  <a:pPr algn="ctr"/>
+                  <a:r>
+                    <a:rPr lang="en-US" altLang="ko-KR" sz="1200" dirty="0">
+                      <a:latin typeface="페이퍼로지 9 Black" pitchFamily="2" charset="-127"/>
+                      <a:ea typeface="페이퍼로지 9 Black" pitchFamily="2" charset="-127"/>
+                    </a:rPr>
+                    <a:t>2</a:t>
+                  </a:r>
+                  <a:endParaRPr lang="ko-KR" altLang="en-US" sz="1200" dirty="0">
+                    <a:latin typeface="페이퍼로지 9 Black" pitchFamily="2" charset="-127"/>
+                    <a:ea typeface="페이퍼로지 9 Black" pitchFamily="2" charset="-127"/>
+                  </a:endParaRPr>
+                </a:p>
+              </p:txBody>
+            </p:sp>
+          </p:grpSp>
+          <p:sp>
+            <p:nvSpPr>
+              <p:cNvPr id="76" name="타원 75">
+                <a:extLst>
+                  <a:ext uri="{FF2B5EF4-FFF2-40B4-BE49-F238E27FC236}">
+                    <a16:creationId xmlns:a16="http://schemas.microsoft.com/office/drawing/2014/main" id="{406446EC-A6BE-24BC-1536-3DC8E9C1BF26}"/>
+                  </a:ext>
+                </a:extLst>
+              </p:cNvPr>
+              <p:cNvSpPr/>
+              <p:nvPr/>
+            </p:nvSpPr>
+            <p:spPr>
+              <a:xfrm>
+                <a:off x="4259475" y="2150625"/>
+                <a:ext cx="914400" cy="914400"/>
+              </a:xfrm>
+              <a:prstGeom prst="ellipse">
+                <a:avLst/>
+              </a:prstGeom>
+              <a:solidFill>
+                <a:schemeClr val="bg1">
+                  <a:lumMod val="85000"/>
+                </a:schemeClr>
+              </a:solidFill>
+              <a:ln>
+                <a:solidFill>
+                  <a:srgbClr val="0B76A0"/>
+                </a:solidFill>
+              </a:ln>
+            </p:spPr>
+            <p:style>
+              <a:lnRef idx="2">
+                <a:schemeClr val="accent1">
+                  <a:shade val="15000"/>
+                </a:schemeClr>
+              </a:lnRef>
+              <a:fillRef idx="1">
+                <a:schemeClr val="accent1"/>
+              </a:fillRef>
+              <a:effectRef idx="0">
+                <a:schemeClr val="accent1"/>
+              </a:effectRef>
+              <a:fontRef idx="minor">
+                <a:schemeClr val="lt1"/>
+              </a:fontRef>
+            </p:style>
+            <p:txBody>
+              <a:bodyPr rtlCol="0" anchor="ctr"/>
+              <a:lstStyle/>
+              <a:p>
+                <a:pPr algn="ctr"/>
+                <a:endParaRPr lang="ko-KR" altLang="en-US"/>
+              </a:p>
+            </p:txBody>
+          </p:sp>
+          <p:sp>
+            <p:nvSpPr>
+              <p:cNvPr id="77" name="TextBox 76">
+                <a:extLst>
+                  <a:ext uri="{FF2B5EF4-FFF2-40B4-BE49-F238E27FC236}">
+                    <a16:creationId xmlns:a16="http://schemas.microsoft.com/office/drawing/2014/main" id="{9A216091-4076-8C15-C746-5300FF88A1B5}"/>
+                  </a:ext>
+                </a:extLst>
+              </p:cNvPr>
+              <p:cNvSpPr txBox="1"/>
+              <p:nvPr/>
+            </p:nvSpPr>
+            <p:spPr>
+              <a:xfrm>
+                <a:off x="4278549" y="3208881"/>
+                <a:ext cx="876252" cy="307777"/>
+              </a:xfrm>
+              <a:prstGeom prst="rect">
+                <a:avLst/>
+              </a:prstGeom>
+              <a:noFill/>
+            </p:spPr>
+            <p:txBody>
+              <a:bodyPr wrap="none" lIns="108000" rtlCol="0" anchor="ctr" anchorCtr="0">
+                <a:spAutoFit/>
+              </a:bodyPr>
+              <a:lstStyle/>
+              <a:p>
+                <a:pPr algn="ctr"/>
+                <a:r>
+                  <a:rPr lang="ko-KR" altLang="en-US" sz="1400" dirty="0">
+                    <a:latin typeface="페이퍼로지 6 SemiBold" pitchFamily="2" charset="-127"/>
+                    <a:ea typeface="페이퍼로지 6 SemiBold" pitchFamily="2" charset="-127"/>
+                    <a:cs typeface="Pretendard Variable SemiBold" panose="02000003000000020004" pitchFamily="2" charset="-127"/>
+                  </a:rPr>
+                  <a:t>무기 소개</a:t>
+                </a:r>
+                <a:endParaRPr lang="en-US" altLang="ko-KR" sz="1400" dirty="0">
+                  <a:latin typeface="페이퍼로지 6 SemiBold" pitchFamily="2" charset="-127"/>
+                  <a:ea typeface="페이퍼로지 6 SemiBold" pitchFamily="2" charset="-127"/>
+                  <a:cs typeface="Pretendard Variable SemiBold" panose="02000003000000020004" pitchFamily="2" charset="-127"/>
+                </a:endParaRPr>
+              </a:p>
+            </p:txBody>
+          </p:sp>
+          <p:cxnSp>
+            <p:nvCxnSpPr>
+              <p:cNvPr id="78" name="직선 연결선 77">
+                <a:extLst>
+                  <a:ext uri="{FF2B5EF4-FFF2-40B4-BE49-F238E27FC236}">
+                    <a16:creationId xmlns:a16="http://schemas.microsoft.com/office/drawing/2014/main" id="{063CE7A3-9743-82FE-BE97-E75D9AAE70C0}"/>
+                  </a:ext>
+                </a:extLst>
+              </p:cNvPr>
+              <p:cNvCxnSpPr>
+                <a:cxnSpLocks/>
+              </p:cNvCxnSpPr>
+              <p:nvPr/>
+            </p:nvCxnSpPr>
+            <p:spPr>
+              <a:xfrm>
+                <a:off x="3807355" y="3577030"/>
+                <a:ext cx="1818640" cy="0"/>
+              </a:xfrm>
+              <a:prstGeom prst="line">
+                <a:avLst/>
+              </a:prstGeom>
+              <a:ln w="6350">
+                <a:gradFill flip="none" rotWithShape="1">
+                  <a:gsLst>
+                    <a:gs pos="0">
+                      <a:schemeClr val="bg1">
+                        <a:lumMod val="50000"/>
+                      </a:schemeClr>
+                    </a:gs>
+                    <a:gs pos="71000">
+                      <a:schemeClr val="bg1">
+                        <a:lumMod val="50000"/>
+                        <a:alpha val="70000"/>
+                      </a:schemeClr>
+                    </a:gs>
+                    <a:gs pos="85000">
+                      <a:schemeClr val="bg1">
+                        <a:lumMod val="50000"/>
+                        <a:alpha val="10000"/>
+                      </a:schemeClr>
+                    </a:gs>
+                    <a:gs pos="100000">
+                      <a:schemeClr val="bg1">
+                        <a:lumMod val="50000"/>
+                        <a:alpha val="0"/>
+                      </a:schemeClr>
+                    </a:gs>
+                  </a:gsLst>
+                  <a:path path="circle">
+                    <a:fillToRect l="50000" t="50000" r="50000" b="50000"/>
+                  </a:path>
+                  <a:tileRect/>
+                </a:gradFill>
+              </a:ln>
+            </p:spPr>
+            <p:style>
+              <a:lnRef idx="2">
+                <a:schemeClr val="accent1"/>
+              </a:lnRef>
+              <a:fillRef idx="0">
+                <a:schemeClr val="accent1"/>
+              </a:fillRef>
+              <a:effectRef idx="1">
+                <a:schemeClr val="accent1"/>
+              </a:effectRef>
+              <a:fontRef idx="minor">
+                <a:schemeClr val="tx1"/>
+              </a:fontRef>
+            </p:style>
+          </p:cxnSp>
+        </p:grpSp>
+        <p:grpSp>
+          <p:nvGrpSpPr>
+            <p:cNvPr id="90" name="그룹 89">
+              <a:extLst>
+                <a:ext uri="{FF2B5EF4-FFF2-40B4-BE49-F238E27FC236}">
+                  <a16:creationId xmlns:a16="http://schemas.microsoft.com/office/drawing/2014/main" id="{FB8781B2-7996-1F78-FEE4-1602F9E1E320}"/>
+                </a:ext>
+              </a:extLst>
+            </p:cNvPr>
+            <p:cNvGrpSpPr/>
+            <p:nvPr/>
+          </p:nvGrpSpPr>
+          <p:grpSpPr>
+            <a:xfrm>
+              <a:off x="985893" y="1689138"/>
+              <a:ext cx="2191634" cy="3223104"/>
+              <a:chOff x="985893" y="1689138"/>
+              <a:chExt cx="2191634" cy="3223104"/>
+            </a:xfrm>
+          </p:grpSpPr>
+          <p:sp>
+            <p:nvSpPr>
+              <p:cNvPr id="83" name="TextBox 82">
+                <a:extLst>
+                  <a:ext uri="{FF2B5EF4-FFF2-40B4-BE49-F238E27FC236}">
+                    <a16:creationId xmlns:a16="http://schemas.microsoft.com/office/drawing/2014/main" id="{B9D821BD-7777-7C18-2EA0-D65B00007183}"/>
+                  </a:ext>
+                </a:extLst>
+              </p:cNvPr>
+              <p:cNvSpPr txBox="1"/>
+              <p:nvPr/>
+            </p:nvSpPr>
+            <p:spPr>
+              <a:xfrm>
+                <a:off x="1453173" y="3770070"/>
+                <a:ext cx="1257075" cy="646331"/>
+              </a:xfrm>
+              <a:prstGeom prst="rect">
+                <a:avLst/>
+              </a:prstGeom>
+              <a:noFill/>
+            </p:spPr>
+            <p:txBody>
+              <a:bodyPr wrap="none" rtlCol="0">
+                <a:spAutoFit/>
+              </a:bodyPr>
+              <a:lstStyle/>
+              <a:p>
+                <a:pPr marL="228600" indent="-228600">
+                  <a:buAutoNum type="arabicParenBoth"/>
+                </a:pPr>
+                <a:r>
+                  <a:rPr lang="ko-KR" altLang="en-US" sz="1200" dirty="0">
+                    <a:latin typeface="페이퍼로지 5 Medium" pitchFamily="2" charset="-127"/>
+                    <a:ea typeface="페이퍼로지 5 Medium" pitchFamily="2" charset="-127"/>
+                    <a:cs typeface="Pretendard Variable Medium" panose="02000003000000020004" pitchFamily="2" charset="-127"/>
+                  </a:rPr>
+                  <a:t>기획 의도</a:t>
+                </a:r>
+                <a:endParaRPr lang="en-US" altLang="ko-KR" sz="1200" dirty="0">
+                  <a:latin typeface="페이퍼로지 5 Medium" pitchFamily="2" charset="-127"/>
+                  <a:ea typeface="페이퍼로지 5 Medium" pitchFamily="2" charset="-127"/>
+                  <a:cs typeface="Pretendard Variable Medium" panose="02000003000000020004" pitchFamily="2" charset="-127"/>
+                </a:endParaRPr>
+              </a:p>
+              <a:p>
+                <a:pPr marL="228600" indent="-228600">
+                  <a:buAutoNum type="arabicParenBoth"/>
+                </a:pPr>
+                <a:endParaRPr lang="en-US" altLang="ko-KR" sz="1200" dirty="0">
+                  <a:latin typeface="페이퍼로지 5 Medium" pitchFamily="2" charset="-127"/>
+                  <a:ea typeface="페이퍼로지 5 Medium" pitchFamily="2" charset="-127"/>
+                  <a:cs typeface="Pretendard Variable Medium" panose="02000003000000020004" pitchFamily="2" charset="-127"/>
+                </a:endParaRPr>
+              </a:p>
+              <a:p>
+                <a:pPr marL="228600" indent="-228600">
+                  <a:buAutoNum type="arabicParenBoth"/>
+                </a:pPr>
+                <a:r>
+                  <a:rPr lang="ko-KR" altLang="en-US" sz="1200" dirty="0">
+                    <a:latin typeface="페이퍼로지 5 Medium" pitchFamily="2" charset="-127"/>
+                    <a:ea typeface="페이퍼로지 5 Medium" pitchFamily="2" charset="-127"/>
+                    <a:cs typeface="Pretendard Variable Medium" panose="02000003000000020004" pitchFamily="2" charset="-127"/>
+                  </a:rPr>
+                  <a:t>전투의 방향성</a:t>
+                </a:r>
+                <a:endParaRPr lang="en-US" altLang="ko-KR" sz="1200" dirty="0">
+                  <a:latin typeface="페이퍼로지 5 Medium" pitchFamily="2" charset="-127"/>
+                  <a:ea typeface="페이퍼로지 5 Medium" pitchFamily="2" charset="-127"/>
+                  <a:cs typeface="Pretendard Variable Medium" panose="02000003000000020004" pitchFamily="2" charset="-127"/>
+                </a:endParaRPr>
+              </a:p>
+            </p:txBody>
+          </p:sp>
+          <p:grpSp>
+            <p:nvGrpSpPr>
+              <p:cNvPr id="84" name="그룹 83">
+                <a:extLst>
+                  <a:ext uri="{FF2B5EF4-FFF2-40B4-BE49-F238E27FC236}">
+                    <a16:creationId xmlns:a16="http://schemas.microsoft.com/office/drawing/2014/main" id="{13808FB2-2C49-74E4-DA1D-68B85552B326}"/>
+                  </a:ext>
+                </a:extLst>
+              </p:cNvPr>
+              <p:cNvGrpSpPr/>
+              <p:nvPr/>
+            </p:nvGrpSpPr>
+            <p:grpSpPr>
+              <a:xfrm>
+                <a:off x="985893" y="1689138"/>
+                <a:ext cx="2191634" cy="3223104"/>
+                <a:chOff x="944461" y="1689138"/>
+                <a:chExt cx="2191634" cy="3223104"/>
+              </a:xfrm>
+            </p:grpSpPr>
+            <p:sp>
+              <p:nvSpPr>
+                <p:cNvPr id="88" name="사각형: 둥근 모서리 87">
+                  <a:extLst>
+                    <a:ext uri="{FF2B5EF4-FFF2-40B4-BE49-F238E27FC236}">
+                      <a16:creationId xmlns:a16="http://schemas.microsoft.com/office/drawing/2014/main" id="{C2E4506B-9520-D04C-DF09-D70E62616519}"/>
+                    </a:ext>
+                  </a:extLst>
+                </p:cNvPr>
+                <p:cNvSpPr/>
+                <p:nvPr/>
+              </p:nvSpPr>
+              <p:spPr>
+                <a:xfrm>
+                  <a:off x="944461" y="1847954"/>
+                  <a:ext cx="2191634" cy="3064288"/>
+                </a:xfrm>
+                <a:prstGeom prst="roundRect">
+                  <a:avLst/>
+                </a:prstGeom>
+                <a:noFill/>
+                <a:ln>
+                  <a:solidFill>
+                    <a:schemeClr val="bg1">
+                      <a:lumMod val="50000"/>
+                    </a:schemeClr>
+                  </a:solidFill>
+                </a:ln>
+              </p:spPr>
+              <p:style>
+                <a:lnRef idx="2">
+                  <a:schemeClr val="accent1">
+                    <a:shade val="15000"/>
+                  </a:schemeClr>
+                </a:lnRef>
+                <a:fillRef idx="1">
+                  <a:schemeClr val="accent1"/>
+                </a:fillRef>
+                <a:effectRef idx="0">
+                  <a:schemeClr val="accent1"/>
+                </a:effectRef>
+                <a:fontRef idx="minor">
+                  <a:schemeClr val="lt1"/>
+                </a:fontRef>
+              </p:style>
+              <p:txBody>
+                <a:bodyPr rtlCol="0" anchor="ctr"/>
+                <a:lstStyle/>
+                <a:p>
+                  <a:pPr algn="ctr"/>
+                  <a:endParaRPr lang="ko-KR" altLang="en-US" dirty="0"/>
+                </a:p>
+              </p:txBody>
+            </p:sp>
+            <p:sp>
+              <p:nvSpPr>
+                <p:cNvPr id="89" name="직사각형 88">
+                  <a:extLst>
+                    <a:ext uri="{FF2B5EF4-FFF2-40B4-BE49-F238E27FC236}">
+                      <a16:creationId xmlns:a16="http://schemas.microsoft.com/office/drawing/2014/main" id="{3E688F8D-5660-6F13-668D-3F2CBF92BBA8}"/>
+                    </a:ext>
+                  </a:extLst>
+                </p:cNvPr>
+                <p:cNvSpPr/>
+                <p:nvPr/>
+              </p:nvSpPr>
+              <p:spPr>
+                <a:xfrm>
+                  <a:off x="1881462" y="1689138"/>
+                  <a:ext cx="317632" cy="317632"/>
+                </a:xfrm>
+                <a:prstGeom prst="rect">
+                  <a:avLst/>
+                </a:prstGeom>
+                <a:solidFill>
+                  <a:srgbClr val="0B76A0"/>
+                </a:solidFill>
+                <a:ln w="6350">
+                  <a:solidFill>
+                    <a:srgbClr val="575757"/>
+                  </a:solidFill>
+                </a:ln>
+              </p:spPr>
+              <p:style>
+                <a:lnRef idx="2">
+                  <a:schemeClr val="accent1">
+                    <a:shade val="15000"/>
+                  </a:schemeClr>
+                </a:lnRef>
+                <a:fillRef idx="1">
+                  <a:schemeClr val="accent1"/>
+                </a:fillRef>
+                <a:effectRef idx="0">
+                  <a:schemeClr val="accent1"/>
+                </a:effectRef>
+                <a:fontRef idx="minor">
+                  <a:schemeClr val="lt1"/>
+                </a:fontRef>
+              </p:style>
+              <p:txBody>
+                <a:bodyPr lIns="0" tIns="0" rIns="0" bIns="0" rtlCol="0" anchor="ctr">
+                  <a:noAutofit/>
+                </a:bodyPr>
+                <a:lstStyle/>
+                <a:p>
+                  <a:pPr algn="ctr"/>
+                  <a:r>
+                    <a:rPr lang="en-US" altLang="ko-KR" sz="1200" dirty="0">
+                      <a:latin typeface="페이퍼로지 9 Black" pitchFamily="2" charset="-127"/>
+                      <a:ea typeface="페이퍼로지 9 Black" pitchFamily="2" charset="-127"/>
+                    </a:rPr>
+                    <a:t>1</a:t>
+                  </a:r>
+                  <a:endParaRPr lang="ko-KR" altLang="en-US" sz="1200" dirty="0">
+                    <a:latin typeface="페이퍼로지 9 Black" pitchFamily="2" charset="-127"/>
+                    <a:ea typeface="페이퍼로지 9 Black" pitchFamily="2" charset="-127"/>
+                  </a:endParaRPr>
+                </a:p>
+              </p:txBody>
+            </p:sp>
+          </p:grpSp>
+          <p:sp>
+            <p:nvSpPr>
+              <p:cNvPr id="85" name="타원 84">
+                <a:extLst>
+                  <a:ext uri="{FF2B5EF4-FFF2-40B4-BE49-F238E27FC236}">
+                    <a16:creationId xmlns:a16="http://schemas.microsoft.com/office/drawing/2014/main" id="{A693BB5E-007F-8393-5AE5-FE9AC2591A7C}"/>
+                  </a:ext>
+                </a:extLst>
+              </p:cNvPr>
+              <p:cNvSpPr/>
+              <p:nvPr/>
+            </p:nvSpPr>
+            <p:spPr>
+              <a:xfrm>
+                <a:off x="1624510" y="2150625"/>
+                <a:ext cx="914400" cy="914400"/>
+              </a:xfrm>
+              <a:prstGeom prst="ellipse">
+                <a:avLst/>
+              </a:prstGeom>
+              <a:solidFill>
+                <a:schemeClr val="bg1">
+                  <a:lumMod val="85000"/>
+                </a:schemeClr>
+              </a:solidFill>
+              <a:ln>
+                <a:solidFill>
+                  <a:srgbClr val="0B76A0"/>
+                </a:solidFill>
+              </a:ln>
+            </p:spPr>
+            <p:style>
+              <a:lnRef idx="2">
+                <a:schemeClr val="accent1">
+                  <a:shade val="15000"/>
+                </a:schemeClr>
+              </a:lnRef>
+              <a:fillRef idx="1">
+                <a:schemeClr val="accent1"/>
+              </a:fillRef>
+              <a:effectRef idx="0">
+                <a:schemeClr val="accent1"/>
+              </a:effectRef>
+              <a:fontRef idx="minor">
+                <a:schemeClr val="lt1"/>
+              </a:fontRef>
+            </p:style>
+            <p:txBody>
+              <a:bodyPr rtlCol="0" anchor="ctr"/>
+              <a:lstStyle/>
+              <a:p>
+                <a:pPr algn="ctr"/>
+                <a:endParaRPr lang="ko-KR" altLang="en-US"/>
+              </a:p>
+            </p:txBody>
+          </p:sp>
+          <p:sp>
+            <p:nvSpPr>
+              <p:cNvPr id="86" name="TextBox 85">
+                <a:extLst>
+                  <a:ext uri="{FF2B5EF4-FFF2-40B4-BE49-F238E27FC236}">
+                    <a16:creationId xmlns:a16="http://schemas.microsoft.com/office/drawing/2014/main" id="{D4A71C3C-534E-A775-2CD4-A159B98C5646}"/>
+                  </a:ext>
+                </a:extLst>
+              </p:cNvPr>
+              <p:cNvSpPr txBox="1"/>
+              <p:nvPr/>
+            </p:nvSpPr>
+            <p:spPr>
+              <a:xfrm>
+                <a:off x="1822319" y="3208881"/>
+                <a:ext cx="518782" cy="307777"/>
+              </a:xfrm>
+              <a:prstGeom prst="rect">
+                <a:avLst/>
+              </a:prstGeom>
+              <a:noFill/>
+            </p:spPr>
+            <p:txBody>
+              <a:bodyPr wrap="none" lIns="108000" rtlCol="0" anchor="ctr" anchorCtr="0">
+                <a:spAutoFit/>
+              </a:bodyPr>
+              <a:lstStyle/>
+              <a:p>
+                <a:pPr algn="ctr"/>
+                <a:r>
+                  <a:rPr lang="ko-KR" altLang="en-US" sz="1400" dirty="0">
+                    <a:latin typeface="페이퍼로지 6 SemiBold" pitchFamily="2" charset="-127"/>
+                    <a:ea typeface="페이퍼로지 6 SemiBold" pitchFamily="2" charset="-127"/>
+                    <a:cs typeface="Pretendard Variable SemiBold" panose="02000003000000020004" pitchFamily="2" charset="-127"/>
+                  </a:rPr>
+                  <a:t>개요</a:t>
+                </a:r>
+                <a:endParaRPr lang="en-US" altLang="ko-KR" sz="1400" dirty="0">
+                  <a:latin typeface="페이퍼로지 6 SemiBold" pitchFamily="2" charset="-127"/>
+                  <a:ea typeface="페이퍼로지 6 SemiBold" pitchFamily="2" charset="-127"/>
+                  <a:cs typeface="Pretendard Variable SemiBold" panose="02000003000000020004" pitchFamily="2" charset="-127"/>
+                </a:endParaRPr>
+              </a:p>
+            </p:txBody>
+          </p:sp>
+          <p:cxnSp>
+            <p:nvCxnSpPr>
+              <p:cNvPr id="87" name="직선 연결선 86">
+                <a:extLst>
+                  <a:ext uri="{FF2B5EF4-FFF2-40B4-BE49-F238E27FC236}">
+                    <a16:creationId xmlns:a16="http://schemas.microsoft.com/office/drawing/2014/main" id="{5111B11B-411B-52EA-DED7-B4ADDAA367B5}"/>
+                  </a:ext>
+                </a:extLst>
+              </p:cNvPr>
+              <p:cNvCxnSpPr>
+                <a:cxnSpLocks/>
+              </p:cNvCxnSpPr>
+              <p:nvPr/>
+            </p:nvCxnSpPr>
+            <p:spPr>
+              <a:xfrm>
+                <a:off x="1172390" y="3577030"/>
+                <a:ext cx="1818640" cy="0"/>
+              </a:xfrm>
+              <a:prstGeom prst="line">
+                <a:avLst/>
+              </a:prstGeom>
+              <a:ln w="6350">
+                <a:gradFill flip="none" rotWithShape="1">
+                  <a:gsLst>
+                    <a:gs pos="0">
+                      <a:schemeClr val="bg1">
+                        <a:lumMod val="50000"/>
+                      </a:schemeClr>
+                    </a:gs>
+                    <a:gs pos="71000">
+                      <a:schemeClr val="bg1">
+                        <a:lumMod val="50000"/>
+                        <a:alpha val="70000"/>
+                      </a:schemeClr>
+                    </a:gs>
+                    <a:gs pos="85000">
+                      <a:schemeClr val="bg1">
+                        <a:lumMod val="50000"/>
+                        <a:alpha val="10000"/>
+                      </a:schemeClr>
+                    </a:gs>
+                    <a:gs pos="100000">
+                      <a:schemeClr val="bg1">
+                        <a:lumMod val="50000"/>
+                        <a:alpha val="0"/>
+                      </a:schemeClr>
+                    </a:gs>
+                  </a:gsLst>
+                  <a:path path="circle">
+                    <a:fillToRect l="50000" t="50000" r="50000" b="50000"/>
+                  </a:path>
+                  <a:tileRect/>
+                </a:gradFill>
+              </a:ln>
+            </p:spPr>
+            <p:style>
+              <a:lnRef idx="2">
+                <a:schemeClr val="accent1"/>
+              </a:lnRef>
+              <a:fillRef idx="0">
+                <a:schemeClr val="accent1"/>
+              </a:fillRef>
+              <a:effectRef idx="1">
+                <a:schemeClr val="accent1"/>
+              </a:effectRef>
+              <a:fontRef idx="minor">
+                <a:schemeClr val="tx1"/>
+              </a:fontRef>
+            </p:style>
+          </p:cxnSp>
+        </p:grpSp>
+        <p:grpSp>
+          <p:nvGrpSpPr>
+            <p:cNvPr id="91" name="그룹 90">
+              <a:extLst>
+                <a:ext uri="{FF2B5EF4-FFF2-40B4-BE49-F238E27FC236}">
+                  <a16:creationId xmlns:a16="http://schemas.microsoft.com/office/drawing/2014/main" id="{CDF0F6FC-F8F2-8CCE-B755-3029050C598B}"/>
+                </a:ext>
+              </a:extLst>
+            </p:cNvPr>
+            <p:cNvGrpSpPr/>
+            <p:nvPr/>
+          </p:nvGrpSpPr>
+          <p:grpSpPr>
+            <a:xfrm>
+              <a:off x="8855942" y="1689138"/>
+              <a:ext cx="2191634" cy="3223104"/>
+              <a:chOff x="6162103" y="1689138"/>
+              <a:chExt cx="2191634" cy="3223104"/>
+            </a:xfrm>
+          </p:grpSpPr>
+          <p:sp>
+            <p:nvSpPr>
+              <p:cNvPr id="92" name="TextBox 91">
+                <a:extLst>
+                  <a:ext uri="{FF2B5EF4-FFF2-40B4-BE49-F238E27FC236}">
+                    <a16:creationId xmlns:a16="http://schemas.microsoft.com/office/drawing/2014/main" id="{E56C59E5-87C9-2CAC-0D90-1430DC944FAD}"/>
+                  </a:ext>
+                </a:extLst>
+              </p:cNvPr>
+              <p:cNvSpPr txBox="1"/>
+              <p:nvPr/>
+            </p:nvSpPr>
+            <p:spPr>
+              <a:xfrm>
+                <a:off x="6764035" y="3770070"/>
+                <a:ext cx="987771" cy="646331"/>
+              </a:xfrm>
+              <a:prstGeom prst="rect">
+                <a:avLst/>
+              </a:prstGeom>
+              <a:noFill/>
+            </p:spPr>
+            <p:txBody>
+              <a:bodyPr wrap="none" rtlCol="0">
+                <a:spAutoFit/>
+              </a:bodyPr>
+              <a:lstStyle/>
+              <a:p>
+                <a:pPr marL="228600" indent="-228600">
+                  <a:buAutoNum type="arabicParenBoth"/>
+                </a:pPr>
+                <a:r>
+                  <a:rPr lang="ko-KR" altLang="en-US" sz="1200" dirty="0">
+                    <a:latin typeface="페이퍼로지 5 Medium" pitchFamily="2" charset="-127"/>
+                    <a:ea typeface="페이퍼로지 5 Medium" pitchFamily="2" charset="-127"/>
+                    <a:cs typeface="Pretendard Variable Medium" panose="02000003000000020004" pitchFamily="2" charset="-127"/>
+                  </a:rPr>
+                  <a:t>기본 공격</a:t>
+                </a:r>
+                <a:endParaRPr lang="en-US" altLang="ko-KR" sz="1200" dirty="0">
+                  <a:latin typeface="페이퍼로지 5 Medium" pitchFamily="2" charset="-127"/>
+                  <a:ea typeface="페이퍼로지 5 Medium" pitchFamily="2" charset="-127"/>
+                  <a:cs typeface="Pretendard Variable Medium" panose="02000003000000020004" pitchFamily="2" charset="-127"/>
+                </a:endParaRPr>
+              </a:p>
+              <a:p>
+                <a:pPr marL="228600" indent="-228600">
+                  <a:buAutoNum type="arabicParenBoth"/>
+                </a:pPr>
+                <a:endParaRPr lang="en-US" altLang="ko-KR" sz="1200" dirty="0">
+                  <a:latin typeface="페이퍼로지 5 Medium" pitchFamily="2" charset="-127"/>
+                  <a:ea typeface="페이퍼로지 5 Medium" pitchFamily="2" charset="-127"/>
+                  <a:cs typeface="Pretendard Variable Medium" panose="02000003000000020004" pitchFamily="2" charset="-127"/>
+                </a:endParaRPr>
+              </a:p>
+              <a:p>
+                <a:pPr marL="228600" indent="-228600">
+                  <a:buAutoNum type="arabicParenBoth"/>
+                </a:pPr>
+                <a:r>
+                  <a:rPr lang="ko-KR" altLang="en-US" sz="1200" dirty="0">
+                    <a:latin typeface="페이퍼로지 5 Medium" pitchFamily="2" charset="-127"/>
+                    <a:ea typeface="페이퍼로지 5 Medium" pitchFamily="2" charset="-127"/>
+                    <a:cs typeface="Pretendard Variable Medium" panose="02000003000000020004" pitchFamily="2" charset="-127"/>
+                  </a:rPr>
+                  <a:t>스킬</a:t>
+                </a:r>
+                <a:endParaRPr lang="en-US" altLang="ko-KR" sz="1200" dirty="0">
+                  <a:latin typeface="페이퍼로지 5 Medium" pitchFamily="2" charset="-127"/>
+                  <a:ea typeface="페이퍼로지 5 Medium" pitchFamily="2" charset="-127"/>
+                  <a:cs typeface="Pretendard Variable Medium" panose="02000003000000020004" pitchFamily="2" charset="-127"/>
+                </a:endParaRPr>
+              </a:p>
+            </p:txBody>
+          </p:sp>
+          <p:grpSp>
+            <p:nvGrpSpPr>
+              <p:cNvPr id="93" name="그룹 92">
+                <a:extLst>
+                  <a:ext uri="{FF2B5EF4-FFF2-40B4-BE49-F238E27FC236}">
+                    <a16:creationId xmlns:a16="http://schemas.microsoft.com/office/drawing/2014/main" id="{D79410B0-E5B6-2C1B-9550-C2B065334BE9}"/>
+                  </a:ext>
+                </a:extLst>
+              </p:cNvPr>
+              <p:cNvGrpSpPr/>
+              <p:nvPr/>
+            </p:nvGrpSpPr>
+            <p:grpSpPr>
+              <a:xfrm>
+                <a:off x="6162103" y="1689138"/>
+                <a:ext cx="2191634" cy="3223104"/>
+                <a:chOff x="944461" y="1689138"/>
+                <a:chExt cx="2191634" cy="3223104"/>
+              </a:xfrm>
+            </p:grpSpPr>
+            <p:sp>
+              <p:nvSpPr>
+                <p:cNvPr id="97" name="사각형: 둥근 모서리 96">
+                  <a:extLst>
+                    <a:ext uri="{FF2B5EF4-FFF2-40B4-BE49-F238E27FC236}">
+                      <a16:creationId xmlns:a16="http://schemas.microsoft.com/office/drawing/2014/main" id="{3436BF80-D221-B51C-E1FD-7D62245C8526}"/>
+                    </a:ext>
+                  </a:extLst>
+                </p:cNvPr>
+                <p:cNvSpPr/>
+                <p:nvPr/>
+              </p:nvSpPr>
+              <p:spPr>
+                <a:xfrm>
+                  <a:off x="944461" y="1847954"/>
+                  <a:ext cx="2191634" cy="3064288"/>
+                </a:xfrm>
+                <a:prstGeom prst="roundRect">
+                  <a:avLst/>
+                </a:prstGeom>
+                <a:noFill/>
+                <a:ln>
+                  <a:solidFill>
+                    <a:schemeClr val="bg1">
+                      <a:lumMod val="50000"/>
+                    </a:schemeClr>
+                  </a:solidFill>
+                </a:ln>
+              </p:spPr>
+              <p:style>
+                <a:lnRef idx="2">
+                  <a:schemeClr val="accent1">
+                    <a:shade val="15000"/>
+                  </a:schemeClr>
+                </a:lnRef>
+                <a:fillRef idx="1">
+                  <a:schemeClr val="accent1"/>
+                </a:fillRef>
+                <a:effectRef idx="0">
+                  <a:schemeClr val="accent1"/>
+                </a:effectRef>
+                <a:fontRef idx="minor">
+                  <a:schemeClr val="lt1"/>
+                </a:fontRef>
+              </p:style>
+              <p:txBody>
+                <a:bodyPr rtlCol="0" anchor="ctr"/>
+                <a:lstStyle/>
+                <a:p>
+                  <a:pPr algn="ctr"/>
+                  <a:endParaRPr lang="ko-KR" altLang="en-US" dirty="0"/>
+                </a:p>
+              </p:txBody>
+            </p:sp>
+            <p:sp>
+              <p:nvSpPr>
+                <p:cNvPr id="98" name="직사각형 97">
+                  <a:extLst>
+                    <a:ext uri="{FF2B5EF4-FFF2-40B4-BE49-F238E27FC236}">
+                      <a16:creationId xmlns:a16="http://schemas.microsoft.com/office/drawing/2014/main" id="{14999959-1B2C-6FA4-DFD5-8ECD37CFAA42}"/>
+                    </a:ext>
+                  </a:extLst>
+                </p:cNvPr>
+                <p:cNvSpPr/>
+                <p:nvPr/>
+              </p:nvSpPr>
+              <p:spPr>
+                <a:xfrm>
+                  <a:off x="1881462" y="1689138"/>
+                  <a:ext cx="317632" cy="317632"/>
+                </a:xfrm>
+                <a:prstGeom prst="rect">
+                  <a:avLst/>
+                </a:prstGeom>
+                <a:solidFill>
+                  <a:srgbClr val="0B76A0"/>
+                </a:solidFill>
+                <a:ln w="6350">
+                  <a:solidFill>
+                    <a:srgbClr val="575757"/>
+                  </a:solidFill>
+                </a:ln>
+              </p:spPr>
+              <p:style>
+                <a:lnRef idx="2">
+                  <a:schemeClr val="accent1">
+                    <a:shade val="15000"/>
+                  </a:schemeClr>
+                </a:lnRef>
+                <a:fillRef idx="1">
+                  <a:schemeClr val="accent1"/>
+                </a:fillRef>
+                <a:effectRef idx="0">
+                  <a:schemeClr val="accent1"/>
+                </a:effectRef>
+                <a:fontRef idx="minor">
+                  <a:schemeClr val="lt1"/>
+                </a:fontRef>
+              </p:style>
+              <p:txBody>
+                <a:bodyPr lIns="0" tIns="0" rIns="0" bIns="0" rtlCol="0" anchor="ctr">
+                  <a:noAutofit/>
+                </a:bodyPr>
+                <a:lstStyle/>
+                <a:p>
+                  <a:pPr algn="ctr"/>
+                  <a:r>
+                    <a:rPr lang="en-US" altLang="ko-KR" sz="1200" dirty="0">
+                      <a:latin typeface="페이퍼로지 9 Black" pitchFamily="2" charset="-127"/>
+                      <a:ea typeface="페이퍼로지 9 Black" pitchFamily="2" charset="-127"/>
+                    </a:rPr>
+                    <a:t>4</a:t>
+                  </a:r>
+                  <a:endParaRPr lang="ko-KR" altLang="en-US" sz="1200" dirty="0">
+                    <a:latin typeface="페이퍼로지 9 Black" pitchFamily="2" charset="-127"/>
+                    <a:ea typeface="페이퍼로지 9 Black" pitchFamily="2" charset="-127"/>
+                  </a:endParaRPr>
+                </a:p>
+              </p:txBody>
+            </p:sp>
+          </p:grpSp>
+          <p:sp>
+            <p:nvSpPr>
+              <p:cNvPr id="94" name="타원 93">
+                <a:extLst>
+                  <a:ext uri="{FF2B5EF4-FFF2-40B4-BE49-F238E27FC236}">
+                    <a16:creationId xmlns:a16="http://schemas.microsoft.com/office/drawing/2014/main" id="{2B06A827-54B6-532C-28BB-D3A4B0C15C11}"/>
+                  </a:ext>
+                </a:extLst>
+              </p:cNvPr>
+              <p:cNvSpPr/>
+              <p:nvPr/>
+            </p:nvSpPr>
+            <p:spPr>
+              <a:xfrm>
+                <a:off x="6800720" y="2150625"/>
+                <a:ext cx="914400" cy="914400"/>
+              </a:xfrm>
+              <a:prstGeom prst="ellipse">
+                <a:avLst/>
+              </a:prstGeom>
+              <a:solidFill>
+                <a:schemeClr val="bg1">
+                  <a:lumMod val="85000"/>
+                </a:schemeClr>
+              </a:solidFill>
+              <a:ln>
+                <a:solidFill>
+                  <a:srgbClr val="0B76A0"/>
+                </a:solidFill>
+              </a:ln>
+            </p:spPr>
+            <p:style>
+              <a:lnRef idx="2">
+                <a:schemeClr val="accent1">
+                  <a:shade val="15000"/>
+                </a:schemeClr>
+              </a:lnRef>
+              <a:fillRef idx="1">
+                <a:schemeClr val="accent1"/>
+              </a:fillRef>
+              <a:effectRef idx="0">
+                <a:schemeClr val="accent1"/>
+              </a:effectRef>
+              <a:fontRef idx="minor">
+                <a:schemeClr val="lt1"/>
+              </a:fontRef>
+            </p:style>
+            <p:txBody>
+              <a:bodyPr rtlCol="0" anchor="ctr"/>
+              <a:lstStyle/>
+              <a:p>
+                <a:pPr algn="ctr"/>
+                <a:endParaRPr lang="ko-KR" altLang="en-US"/>
+              </a:p>
+            </p:txBody>
+          </p:sp>
+          <p:sp>
+            <p:nvSpPr>
+              <p:cNvPr id="95" name="TextBox 94">
+                <a:extLst>
+                  <a:ext uri="{FF2B5EF4-FFF2-40B4-BE49-F238E27FC236}">
+                    <a16:creationId xmlns:a16="http://schemas.microsoft.com/office/drawing/2014/main" id="{1F09BB53-4E15-1CF1-F0FA-89C455022FA5}"/>
+                  </a:ext>
+                </a:extLst>
+              </p:cNvPr>
+              <p:cNvSpPr txBox="1"/>
+              <p:nvPr/>
+            </p:nvSpPr>
+            <p:spPr>
+              <a:xfrm>
+                <a:off x="6998530" y="3208881"/>
+                <a:ext cx="518782" cy="307777"/>
+              </a:xfrm>
+              <a:prstGeom prst="rect">
+                <a:avLst/>
+              </a:prstGeom>
+              <a:noFill/>
+            </p:spPr>
+            <p:txBody>
+              <a:bodyPr wrap="none" lIns="108000" rtlCol="0" anchor="ctr" anchorCtr="0">
+                <a:spAutoFit/>
+              </a:bodyPr>
+              <a:lstStyle/>
+              <a:p>
+                <a:pPr algn="ctr"/>
+                <a:r>
+                  <a:rPr lang="ko-KR" altLang="en-US" sz="1400" dirty="0">
+                    <a:latin typeface="페이퍼로지 6 SemiBold" pitchFamily="2" charset="-127"/>
+                    <a:ea typeface="페이퍼로지 6 SemiBold" pitchFamily="2" charset="-127"/>
+                    <a:cs typeface="Pretendard Variable SemiBold" panose="02000003000000020004" pitchFamily="2" charset="-127"/>
+                  </a:rPr>
+                  <a:t>스킬</a:t>
+                </a:r>
+                <a:endParaRPr lang="en-US" altLang="ko-KR" sz="1400" dirty="0">
+                  <a:latin typeface="페이퍼로지 6 SemiBold" pitchFamily="2" charset="-127"/>
+                  <a:ea typeface="페이퍼로지 6 SemiBold" pitchFamily="2" charset="-127"/>
+                  <a:cs typeface="Pretendard Variable SemiBold" panose="02000003000000020004" pitchFamily="2" charset="-127"/>
+                </a:endParaRPr>
+              </a:p>
+            </p:txBody>
+          </p:sp>
+          <p:cxnSp>
+            <p:nvCxnSpPr>
+              <p:cNvPr id="96" name="직선 연결선 95">
+                <a:extLst>
+                  <a:ext uri="{FF2B5EF4-FFF2-40B4-BE49-F238E27FC236}">
+                    <a16:creationId xmlns:a16="http://schemas.microsoft.com/office/drawing/2014/main" id="{130BC146-6546-AA8E-AAF6-5E6137735527}"/>
+                  </a:ext>
+                </a:extLst>
+              </p:cNvPr>
+              <p:cNvCxnSpPr>
+                <a:cxnSpLocks/>
+              </p:cNvCxnSpPr>
+              <p:nvPr/>
+            </p:nvCxnSpPr>
+            <p:spPr>
+              <a:xfrm>
+                <a:off x="6348600" y="3577030"/>
+                <a:ext cx="1818640" cy="0"/>
+              </a:xfrm>
+              <a:prstGeom prst="line">
+                <a:avLst/>
+              </a:prstGeom>
+              <a:ln w="6350">
+                <a:gradFill flip="none" rotWithShape="1">
+                  <a:gsLst>
+                    <a:gs pos="0">
+                      <a:schemeClr val="bg1">
+                        <a:lumMod val="50000"/>
+                      </a:schemeClr>
+                    </a:gs>
+                    <a:gs pos="71000">
+                      <a:schemeClr val="bg1">
+                        <a:lumMod val="50000"/>
+                        <a:alpha val="70000"/>
+                      </a:schemeClr>
+                    </a:gs>
+                    <a:gs pos="85000">
+                      <a:schemeClr val="bg1">
+                        <a:lumMod val="50000"/>
+                        <a:alpha val="10000"/>
+                      </a:schemeClr>
+                    </a:gs>
+                    <a:gs pos="100000">
+                      <a:schemeClr val="bg1">
+                        <a:lumMod val="50000"/>
+                        <a:alpha val="0"/>
+                      </a:schemeClr>
+                    </a:gs>
+                  </a:gsLst>
+                  <a:path path="circle">
+                    <a:fillToRect l="50000" t="50000" r="50000" b="50000"/>
+                  </a:path>
+                  <a:tileRect/>
+                </a:gradFill>
+              </a:ln>
+            </p:spPr>
+            <p:style>
+              <a:lnRef idx="2">
+                <a:schemeClr val="accent1"/>
+              </a:lnRef>
+              <a:fillRef idx="0">
+                <a:schemeClr val="accent1"/>
+              </a:fillRef>
+              <a:effectRef idx="1">
+                <a:schemeClr val="accent1"/>
+              </a:effectRef>
+              <a:fontRef idx="minor">
+                <a:schemeClr val="tx1"/>
+              </a:fontRef>
+            </p:style>
+          </p:cxnSp>
+        </p:grpSp>
+      </p:grpSp>
+      <p:sp>
+        <p:nvSpPr>
+          <p:cNvPr id="101" name="직사각형 100">
+            <a:extLst>
+              <a:ext uri="{FF2B5EF4-FFF2-40B4-BE49-F238E27FC236}">
+                <a16:creationId xmlns:a16="http://schemas.microsoft.com/office/drawing/2014/main" id="{120E825B-87EB-5C42-8E16-48660D661FE5}"/>
+              </a:ext>
+            </a:extLst>
+          </p:cNvPr>
+          <p:cNvSpPr/>
+          <p:nvPr/>
+        </p:nvSpPr>
+        <p:spPr>
+          <a:xfrm>
+            <a:off x="210640" y="575317"/>
+            <a:ext cx="11770720" cy="6162990"/>
+          </a:xfrm>
+          <a:prstGeom prst="rect">
+            <a:avLst/>
+          </a:prstGeom>
+          <a:noFill/>
+        </p:spPr>
+        <p:style>
+          <a:lnRef idx="2">
+            <a:schemeClr val="accent1">
+              <a:shade val="15000"/>
+            </a:schemeClr>
+          </a:lnRef>
+          <a:fillRef idx="1">
+            <a:schemeClr val="accent1"/>
+          </a:fillRef>
+          <a:effectRef idx="0">
+            <a:schemeClr val="accent1"/>
+          </a:effectRef>
+          <a:fontRef idx="minor">
+            <a:schemeClr val="lt1"/>
+          </a:fontRef>
+        </p:style>
+        <p:txBody>
+          <a:bodyPr rtlCol="0" anchor="ctr"/>
+          <a:lstStyle/>
+          <a:p>
+            <a:pPr algn="ctr"/>
+            <a:endParaRPr lang="ko-KR" altLang="en-US"/>
+          </a:p>
+        </p:txBody>
+      </p:sp>
+    </p:spTree>
+    <p:extLst>
+      <p:ext uri="{BB962C8B-B14F-4D97-AF65-F5344CB8AC3E}">
+        <p14:creationId xmlns:p14="http://schemas.microsoft.com/office/powerpoint/2010/main" val="4103961030"/>
       </p:ext>
     </p:extLst>
   </p:cSld>
@@ -11433,49 +15270,6 @@
       </p:grpSp>
       <p:sp>
         <p:nvSpPr>
-          <p:cNvPr id="16" name="TextBox 15">
-            <a:extLst>
-              <a:ext uri="{FF2B5EF4-FFF2-40B4-BE49-F238E27FC236}">
-                <a16:creationId xmlns:a16="http://schemas.microsoft.com/office/drawing/2014/main" id="{C39179F9-C670-49DD-9B63-20EFFDAAB0AF}"/>
-              </a:ext>
-            </a:extLst>
-          </p:cNvPr>
-          <p:cNvSpPr txBox="1">
-            <a:spLocks/>
-          </p:cNvSpPr>
-          <p:nvPr/>
-        </p:nvSpPr>
-        <p:spPr>
-          <a:xfrm>
-            <a:off x="836937" y="251815"/>
-            <a:ext cx="543739" cy="307777"/>
-          </a:xfrm>
-          <a:prstGeom prst="rect">
-            <a:avLst/>
-          </a:prstGeom>
-          <a:noFill/>
-        </p:spPr>
-        <p:txBody>
-          <a:bodyPr wrap="none" rtlCol="0">
-            <a:spAutoFit/>
-          </a:bodyPr>
-          <a:lstStyle/>
-          <a:p>
-            <a:pPr algn="ctr"/>
-            <a:r>
-              <a:rPr lang="ko-KR" altLang="en-US" sz="1400" b="1" dirty="0">
-                <a:effectLst/>
-              </a:rPr>
-              <a:t>개요</a:t>
-            </a:r>
-            <a:endParaRPr lang="en-US" altLang="ko-KR" sz="1400" b="1" dirty="0">
-              <a:effectLst/>
-            </a:endParaRPr>
-          </a:p>
-        </p:txBody>
-      </p:sp>
-      <p:sp>
-        <p:nvSpPr>
           <p:cNvPr id="102" name="자유형: 도형 101">
             <a:extLst>
               <a:ext uri="{FF2B5EF4-FFF2-40B4-BE49-F238E27FC236}">
@@ -12044,7 +15838,7 @@
       <p:sp>
         <p:nvSpPr>
           <p:cNvPr id="7" name="직사각형 6">
-            <a:hlinkClick r:id="rId2" action="ppaction://hlinksldjump"/>
+            <a:hlinkClick r:id="rId3" action="ppaction://hlinksldjump"/>
             <a:extLst>
               <a:ext uri="{FF2B5EF4-FFF2-40B4-BE49-F238E27FC236}">
                 <a16:creationId xmlns:a16="http://schemas.microsoft.com/office/drawing/2014/main" id="{E117750A-46BB-1F41-D7CE-EFF04B39B91C}"/>
@@ -12094,20 +15888,22 @@
       </p:sp>
       <p:sp>
         <p:nvSpPr>
-          <p:cNvPr id="8" name="TextBox 7">
-            <a:extLst>
-              <a:ext uri="{FF2B5EF4-FFF2-40B4-BE49-F238E27FC236}">
-                <a16:creationId xmlns:a16="http://schemas.microsoft.com/office/drawing/2014/main" id="{6BC10790-19E8-5DD2-F1D6-8ED133F9961D}"/>
-              </a:ext>
-            </a:extLst>
-          </p:cNvPr>
-          <p:cNvSpPr txBox="1"/>
+          <p:cNvPr id="28" name="TextBox 27">
+            <a:extLst>
+              <a:ext uri="{FF2B5EF4-FFF2-40B4-BE49-F238E27FC236}">
+                <a16:creationId xmlns:a16="http://schemas.microsoft.com/office/drawing/2014/main" id="{116E8E44-0529-A824-B435-FBF1B4D9B11C}"/>
+              </a:ext>
+            </a:extLst>
+          </p:cNvPr>
+          <p:cNvSpPr txBox="1">
+            <a:spLocks/>
+          </p:cNvSpPr>
           <p:nvPr/>
         </p:nvSpPr>
         <p:spPr>
           <a:xfrm>
-            <a:off x="302108" y="1964722"/>
-            <a:ext cx="2024913" cy="261610"/>
+            <a:off x="836937" y="251815"/>
+            <a:ext cx="543739" cy="307777"/>
           </a:xfrm>
           <a:prstGeom prst="rect">
             <a:avLst/>
@@ -12120,533 +15916,1447 @@
           </a:bodyPr>
           <a:lstStyle/>
           <a:p>
+            <a:pPr algn="ctr"/>
             <a:r>
-              <a:rPr lang="en-US" altLang="ko-KR" sz="1100" b="1" dirty="0">
-                <a:latin typeface="+mn-ea"/>
+              <a:rPr lang="ko-KR" altLang="en-US" sz="1400" b="1" dirty="0">
+                <a:effectLst/>
               </a:rPr>
-              <a:t>(1)</a:t>
+              <a:t>개요</a:t>
             </a:r>
-            <a:r>
-              <a:rPr lang="ko-KR" altLang="en-US" sz="1100" b="1" dirty="0">
-                <a:latin typeface="+mn-ea"/>
-              </a:rPr>
-              <a:t> 적이 단일 대상일 때 사용</a:t>
-            </a:r>
-            <a:endParaRPr lang="en-US" altLang="ko-KR" sz="1100" b="1" dirty="0">
-              <a:latin typeface="+mn-ea"/>
+            <a:endParaRPr lang="en-US" altLang="ko-KR" sz="1400" b="1" dirty="0">
+              <a:effectLst/>
             </a:endParaRPr>
           </a:p>
         </p:txBody>
       </p:sp>
-      <p:sp>
-        <p:nvSpPr>
-          <p:cNvPr id="9" name="TextBox 8">
-            <a:extLst>
-              <a:ext uri="{FF2B5EF4-FFF2-40B4-BE49-F238E27FC236}">
-                <a16:creationId xmlns:a16="http://schemas.microsoft.com/office/drawing/2014/main" id="{F32E76B6-2087-1A27-50AE-A002B627AC92}"/>
-              </a:ext>
-            </a:extLst>
-          </p:cNvPr>
-          <p:cNvSpPr txBox="1"/>
+      <p:grpSp>
+        <p:nvGrpSpPr>
+          <p:cNvPr id="8" name="그룹 7">
+            <a:extLst>
+              <a:ext uri="{FF2B5EF4-FFF2-40B4-BE49-F238E27FC236}">
+                <a16:creationId xmlns:a16="http://schemas.microsoft.com/office/drawing/2014/main" id="{29B33C95-6C22-3B15-487C-2515D68D699E}"/>
+              </a:ext>
+            </a:extLst>
+          </p:cNvPr>
+          <p:cNvGrpSpPr/>
           <p:nvPr/>
-        </p:nvSpPr>
-        <p:spPr>
+        </p:nvGrpSpPr>
+        <p:grpSpPr>
           <a:xfrm>
-            <a:off x="533925" y="2226844"/>
-            <a:ext cx="5112297" cy="293414"/>
+            <a:off x="8452742" y="2103425"/>
+            <a:ext cx="3223077" cy="3603114"/>
+            <a:chOff x="7988262" y="1669516"/>
+            <a:chExt cx="3223077" cy="3603114"/>
           </a:xfrm>
-          <a:prstGeom prst="rect">
-            <a:avLst/>
-          </a:prstGeom>
-          <a:noFill/>
-        </p:spPr>
-        <p:txBody>
-          <a:bodyPr wrap="none" rtlCol="0" anchor="ctr">
-            <a:spAutoFit/>
-          </a:bodyPr>
-          <a:lstStyle/>
-          <a:p>
-            <a:pPr marL="171450" indent="-171450">
-              <a:lnSpc>
-                <a:spcPct val="150000"/>
-              </a:lnSpc>
-              <a:buFontTx/>
-              <a:buChar char="-"/>
-            </a:pPr>
-            <a:r>
-              <a:rPr lang="ko-KR" altLang="en-US" sz="1000" dirty="0">
-                <a:latin typeface="+mn-ea"/>
-              </a:rPr>
-              <a:t>적이 단일 대상일 때 해당 대상에게만 번개가 방출되어 높은 피해를 줄 수 있습니다</a:t>
-            </a:r>
-            <a:r>
-              <a:rPr lang="en-US" altLang="ko-KR" sz="1000" dirty="0">
-                <a:latin typeface="+mn-ea"/>
-              </a:rPr>
-              <a:t>.</a:t>
-            </a:r>
-          </a:p>
-        </p:txBody>
-      </p:sp>
-      <p:sp>
-        <p:nvSpPr>
-          <p:cNvPr id="13" name="TextBox 12">
-            <a:extLst>
-              <a:ext uri="{FF2B5EF4-FFF2-40B4-BE49-F238E27FC236}">
-                <a16:creationId xmlns:a16="http://schemas.microsoft.com/office/drawing/2014/main" id="{E9DB440A-F4D1-F573-DF16-3682FF7810B7}"/>
-              </a:ext>
-            </a:extLst>
-          </p:cNvPr>
-          <p:cNvSpPr txBox="1"/>
+        </p:grpSpPr>
+        <p:pic>
+          <p:nvPicPr>
+            <p:cNvPr id="3074" name="Picture 2">
+              <a:extLst>
+                <a:ext uri="{FF2B5EF4-FFF2-40B4-BE49-F238E27FC236}">
+                  <a16:creationId xmlns:a16="http://schemas.microsoft.com/office/drawing/2014/main" id="{D570AFDC-DC5E-D19F-6AF2-37DF291863C2}"/>
+                </a:ext>
+              </a:extLst>
+            </p:cNvPr>
+            <p:cNvPicPr>
+              <a:picLocks noChangeAspect="1" noChangeArrowheads="1"/>
+            </p:cNvPicPr>
+            <p:nvPr/>
+          </p:nvPicPr>
+          <p:blipFill rotWithShape="1">
+            <a:blip r:embed="rId4">
+              <a:extLst>
+                <a:ext uri="{28A0092B-C50C-407E-A947-70E740481C1C}">
+                  <a14:useLocalDpi xmlns:a14="http://schemas.microsoft.com/office/drawing/2010/main" val="0"/>
+                </a:ext>
+              </a:extLst>
+            </a:blip>
+            <a:srcRect t="19549"/>
+            <a:stretch/>
+          </p:blipFill>
+          <p:spPr bwMode="auto">
+            <a:xfrm>
+              <a:off x="7988262" y="1669516"/>
+              <a:ext cx="3223077" cy="3299425"/>
+            </a:xfrm>
+            <a:prstGeom prst="rect">
+              <a:avLst/>
+            </a:prstGeom>
+            <a:noFill/>
+            <a:extLst>
+              <a:ext uri="{909E8E84-426E-40DD-AFC4-6F175D3DCCD1}">
+                <a14:hiddenFill xmlns:a14="http://schemas.microsoft.com/office/drawing/2010/main">
+                  <a:solidFill>
+                    <a:srgbClr val="FFFFFF"/>
+                  </a:solidFill>
+                </a14:hiddenFill>
+              </a:ext>
+            </a:extLst>
+          </p:spPr>
+        </p:pic>
+        <p:grpSp>
+          <p:nvGrpSpPr>
+            <p:cNvPr id="19" name="그룹 18">
+              <a:extLst>
+                <a:ext uri="{FF2B5EF4-FFF2-40B4-BE49-F238E27FC236}">
+                  <a16:creationId xmlns:a16="http://schemas.microsoft.com/office/drawing/2014/main" id="{87E05DE1-D870-A05E-8D18-9655BAB8D296}"/>
+                </a:ext>
+              </a:extLst>
+            </p:cNvPr>
+            <p:cNvGrpSpPr/>
+            <p:nvPr/>
+          </p:nvGrpSpPr>
+          <p:grpSpPr>
+            <a:xfrm>
+              <a:off x="8900824" y="5057186"/>
+              <a:ext cx="1246431" cy="215444"/>
+              <a:chOff x="8851128" y="3127986"/>
+              <a:chExt cx="1246431" cy="215444"/>
+            </a:xfrm>
+          </p:grpSpPr>
+          <p:sp>
+            <p:nvSpPr>
+              <p:cNvPr id="34" name="이등변 삼각형 33">
+                <a:extLst>
+                  <a:ext uri="{FF2B5EF4-FFF2-40B4-BE49-F238E27FC236}">
+                    <a16:creationId xmlns:a16="http://schemas.microsoft.com/office/drawing/2014/main" id="{1A3018B7-EC58-2FD6-B2A4-D9966D330AC4}"/>
+                  </a:ext>
+                </a:extLst>
+              </p:cNvPr>
+              <p:cNvSpPr/>
+              <p:nvPr/>
+            </p:nvSpPr>
+            <p:spPr>
+              <a:xfrm>
+                <a:off x="8851128" y="3190057"/>
+                <a:ext cx="105910" cy="91302"/>
+              </a:xfrm>
+              <a:prstGeom prst="triangle">
+                <a:avLst/>
+              </a:prstGeom>
+              <a:solidFill>
+                <a:srgbClr val="F2F2F2"/>
+              </a:solidFill>
+              <a:ln>
+                <a:solidFill>
+                  <a:srgbClr val="0A6D94"/>
+                </a:solidFill>
+              </a:ln>
+            </p:spPr>
+            <p:style>
+              <a:lnRef idx="2">
+                <a:schemeClr val="accent1">
+                  <a:shade val="15000"/>
+                </a:schemeClr>
+              </a:lnRef>
+              <a:fillRef idx="1">
+                <a:schemeClr val="accent1"/>
+              </a:fillRef>
+              <a:effectRef idx="0">
+                <a:schemeClr val="accent1"/>
+              </a:effectRef>
+              <a:fontRef idx="minor">
+                <a:schemeClr val="lt1"/>
+              </a:fontRef>
+            </p:style>
+            <p:txBody>
+              <a:bodyPr rtlCol="0" anchor="ctr"/>
+              <a:lstStyle/>
+              <a:p>
+                <a:pPr algn="ctr"/>
+                <a:endParaRPr lang="ko-KR" altLang="en-US"/>
+              </a:p>
+            </p:txBody>
+          </p:sp>
+          <p:sp>
+            <p:nvSpPr>
+              <p:cNvPr id="36" name="TextBox 35">
+                <a:extLst>
+                  <a:ext uri="{FF2B5EF4-FFF2-40B4-BE49-F238E27FC236}">
+                    <a16:creationId xmlns:a16="http://schemas.microsoft.com/office/drawing/2014/main" id="{31CC1DA8-FE06-CF15-32F0-CB5FCADBE60A}"/>
+                  </a:ext>
+                </a:extLst>
+              </p:cNvPr>
+              <p:cNvSpPr txBox="1"/>
+              <p:nvPr/>
+            </p:nvSpPr>
+            <p:spPr>
+              <a:xfrm>
+                <a:off x="8960709" y="3127986"/>
+                <a:ext cx="1136850" cy="215444"/>
+              </a:xfrm>
+              <a:prstGeom prst="rect">
+                <a:avLst/>
+              </a:prstGeom>
+              <a:noFill/>
+            </p:spPr>
+            <p:txBody>
+              <a:bodyPr wrap="none" rtlCol="0">
+                <a:spAutoFit/>
+              </a:bodyPr>
+              <a:lstStyle/>
+              <a:p>
+                <a:r>
+                  <a:rPr lang="en-US" altLang="ko-KR" sz="800" b="1" dirty="0">
+                    <a:latin typeface="+mn-ea"/>
+                  </a:rPr>
+                  <a:t>‘</a:t>
+                </a:r>
+                <a:r>
+                  <a:rPr lang="ko-KR" altLang="en-US" sz="800" b="1" dirty="0" err="1">
+                    <a:latin typeface="+mn-ea"/>
+                  </a:rPr>
+                  <a:t>한량무</a:t>
+                </a:r>
+                <a:r>
+                  <a:rPr lang="en-US" altLang="ko-KR" sz="800" b="1" dirty="0">
+                    <a:latin typeface="+mn-ea"/>
+                  </a:rPr>
+                  <a:t>’ </a:t>
+                </a:r>
+                <a:r>
+                  <a:rPr lang="ko-KR" altLang="en-US" sz="800" b="1" dirty="0">
+                    <a:latin typeface="+mn-ea"/>
+                  </a:rPr>
+                  <a:t>예시 이미지</a:t>
+                </a:r>
+                <a:endParaRPr lang="en-US" altLang="ko-KR" sz="800" b="1" dirty="0">
+                  <a:latin typeface="+mn-ea"/>
+                </a:endParaRPr>
+              </a:p>
+            </p:txBody>
+          </p:sp>
+        </p:grpSp>
+      </p:grpSp>
+      <p:grpSp>
+        <p:nvGrpSpPr>
+          <p:cNvPr id="22" name="그룹 21">
+            <a:extLst>
+              <a:ext uri="{FF2B5EF4-FFF2-40B4-BE49-F238E27FC236}">
+                <a16:creationId xmlns:a16="http://schemas.microsoft.com/office/drawing/2014/main" id="{961116B5-9529-20E0-5ADE-BD0F3B19F761}"/>
+              </a:ext>
+            </a:extLst>
+          </p:cNvPr>
+          <p:cNvGrpSpPr/>
           <p:nvPr/>
-        </p:nvSpPr>
-        <p:spPr>
-          <a:xfrm>
-            <a:off x="302108" y="3167390"/>
-            <a:ext cx="2638864" cy="261610"/>
-          </a:xfrm>
-          <a:prstGeom prst="rect">
-            <a:avLst/>
-          </a:prstGeom>
-          <a:noFill/>
-        </p:spPr>
-        <p:txBody>
-          <a:bodyPr wrap="none" rtlCol="0">
-            <a:spAutoFit/>
-          </a:bodyPr>
-          <a:lstStyle/>
-          <a:p>
-            <a:r>
-              <a:rPr lang="en-US" altLang="ko-KR" sz="1100" b="1" dirty="0">
-                <a:latin typeface="+mn-ea"/>
-              </a:rPr>
-              <a:t>(2)</a:t>
-            </a:r>
-            <a:r>
-              <a:rPr lang="ko-KR" altLang="en-US" sz="1100" b="1" dirty="0">
-                <a:latin typeface="+mn-ea"/>
-              </a:rPr>
-              <a:t> 광역 공격 위주의 무기와 함께 사용</a:t>
-            </a:r>
-            <a:endParaRPr lang="en-US" altLang="ko-KR" sz="1100" b="1" dirty="0">
-              <a:latin typeface="+mn-ea"/>
-            </a:endParaRPr>
-          </a:p>
-        </p:txBody>
-      </p:sp>
-      <p:sp>
-        <p:nvSpPr>
-          <p:cNvPr id="15" name="TextBox 14">
-            <a:extLst>
-              <a:ext uri="{FF2B5EF4-FFF2-40B4-BE49-F238E27FC236}">
-                <a16:creationId xmlns:a16="http://schemas.microsoft.com/office/drawing/2014/main" id="{A4889C47-690F-D451-ED4F-36F4DC344ED2}"/>
-              </a:ext>
-            </a:extLst>
-          </p:cNvPr>
-          <p:cNvSpPr txBox="1"/>
-          <p:nvPr/>
-        </p:nvSpPr>
-        <p:spPr>
-          <a:xfrm>
-            <a:off x="533925" y="3429000"/>
-            <a:ext cx="7494359" cy="293414"/>
-          </a:xfrm>
-          <a:prstGeom prst="rect">
-            <a:avLst/>
-          </a:prstGeom>
-          <a:noFill/>
-        </p:spPr>
-        <p:txBody>
-          <a:bodyPr wrap="none" rtlCol="0" anchor="ctr">
-            <a:spAutoFit/>
-          </a:bodyPr>
-          <a:lstStyle/>
-          <a:p>
-            <a:pPr marL="171450" indent="-171450">
-              <a:lnSpc>
-                <a:spcPct val="150000"/>
-              </a:lnSpc>
-              <a:buFontTx/>
-              <a:buChar char="-"/>
-            </a:pPr>
-            <a:r>
-              <a:rPr lang="ko-KR" altLang="en-US" sz="1000" dirty="0">
-                <a:latin typeface="+mn-ea"/>
-              </a:rPr>
-              <a:t>다수의 적과 전투 시 광역 공격 위주의 무기로 약한 몬스터를 우선 처치한 후 부채로 </a:t>
-            </a:r>
-            <a:r>
-              <a:rPr lang="ko-KR" altLang="en-US" sz="1000" dirty="0" err="1">
-                <a:latin typeface="+mn-ea"/>
-              </a:rPr>
-              <a:t>스위칭하면</a:t>
-            </a:r>
-            <a:r>
-              <a:rPr lang="ko-KR" altLang="en-US" sz="1000" dirty="0">
-                <a:latin typeface="+mn-ea"/>
-              </a:rPr>
-              <a:t> 높은 효율을 낼 수 있습니다</a:t>
-            </a:r>
-            <a:r>
-              <a:rPr lang="en-US" altLang="ko-KR" sz="1000" dirty="0">
-                <a:latin typeface="+mn-ea"/>
-              </a:rPr>
-              <a:t>.</a:t>
-            </a:r>
-          </a:p>
-        </p:txBody>
-      </p:sp>
-      <p:sp>
-        <p:nvSpPr>
-          <p:cNvPr id="11" name="화살표: 오각형 10">
-            <a:extLst>
-              <a:ext uri="{FF2B5EF4-FFF2-40B4-BE49-F238E27FC236}">
-                <a16:creationId xmlns:a16="http://schemas.microsoft.com/office/drawing/2014/main" id="{7971E4EB-3F89-59D5-2183-FD6EF70FD1D0}"/>
-              </a:ext>
-            </a:extLst>
-          </p:cNvPr>
-          <p:cNvSpPr/>
-          <p:nvPr/>
-        </p:nvSpPr>
-        <p:spPr>
+        </p:nvGrpSpPr>
+        <p:grpSpPr>
           <a:xfrm>
             <a:off x="1" y="994687"/>
-            <a:ext cx="1702282" cy="404461"/>
+            <a:ext cx="1302025" cy="404461"/>
+            <a:chOff x="1" y="994687"/>
+            <a:chExt cx="1302025" cy="404461"/>
           </a:xfrm>
-          <a:prstGeom prst="homePlate">
-            <a:avLst/>
-          </a:prstGeom>
-          <a:solidFill>
-            <a:schemeClr val="bg1">
-              <a:lumMod val="95000"/>
-            </a:schemeClr>
-          </a:solidFill>
-          <a:ln>
+        </p:grpSpPr>
+        <p:sp>
+          <p:nvSpPr>
+            <p:cNvPr id="20" name="화살표: 오각형 19">
+              <a:extLst>
+                <a:ext uri="{FF2B5EF4-FFF2-40B4-BE49-F238E27FC236}">
+                  <a16:creationId xmlns:a16="http://schemas.microsoft.com/office/drawing/2014/main" id="{267681E7-B45E-AF02-DB4C-A39B1EB8C192}"/>
+                </a:ext>
+              </a:extLst>
+            </p:cNvPr>
+            <p:cNvSpPr/>
+            <p:nvPr/>
+          </p:nvSpPr>
+          <p:spPr>
+            <a:xfrm>
+              <a:off x="1" y="994687"/>
+              <a:ext cx="1302025" cy="404461"/>
+            </a:xfrm>
+            <a:prstGeom prst="homePlate">
+              <a:avLst/>
+            </a:prstGeom>
             <a:solidFill>
-              <a:schemeClr val="accent4">
-                <a:lumMod val="75000"/>
+              <a:schemeClr val="bg1"/>
+            </a:solidFill>
+            <a:ln w="19050">
+              <a:solidFill>
+                <a:srgbClr val="0A6D94"/>
+              </a:solidFill>
+            </a:ln>
+            <a:effectLst>
+              <a:outerShdw blurRad="50800" dist="38100" dir="2700000" algn="tl" rotWithShape="0">
+                <a:prstClr val="black">
+                  <a:alpha val="40000"/>
+                </a:prstClr>
+              </a:outerShdw>
+            </a:effectLst>
+          </p:spPr>
+          <p:style>
+            <a:lnRef idx="2">
+              <a:schemeClr val="accent1">
+                <a:shade val="15000"/>
               </a:schemeClr>
+            </a:lnRef>
+            <a:fillRef idx="1">
+              <a:schemeClr val="accent1"/>
+            </a:fillRef>
+            <a:effectRef idx="0">
+              <a:schemeClr val="accent1"/>
+            </a:effectRef>
+            <a:fontRef idx="minor">
+              <a:schemeClr val="lt1"/>
+            </a:fontRef>
+          </p:style>
+          <p:txBody>
+            <a:bodyPr rtlCol="0" anchor="ctr"/>
+            <a:lstStyle/>
+            <a:p>
+              <a:pPr algn="ctr"/>
+              <a:endParaRPr lang="ko-KR" altLang="en-US"/>
+            </a:p>
+          </p:txBody>
+        </p:sp>
+        <p:sp>
+          <p:nvSpPr>
+            <p:cNvPr id="9" name="TextBox 8">
+              <a:extLst>
+                <a:ext uri="{FF2B5EF4-FFF2-40B4-BE49-F238E27FC236}">
+                  <a16:creationId xmlns:a16="http://schemas.microsoft.com/office/drawing/2014/main" id="{93644E08-1A61-F131-6FA1-BC44E1B1D6D8}"/>
+                </a:ext>
+              </a:extLst>
+            </p:cNvPr>
+            <p:cNvSpPr txBox="1"/>
+            <p:nvPr/>
+          </p:nvSpPr>
+          <p:spPr>
+            <a:xfrm>
+              <a:off x="33832" y="1058417"/>
+              <a:ext cx="1039067" cy="276999"/>
+            </a:xfrm>
+            <a:prstGeom prst="rect">
+              <a:avLst/>
+            </a:prstGeom>
+            <a:noFill/>
+          </p:spPr>
+          <p:txBody>
+            <a:bodyPr wrap="none" rtlCol="0">
+              <a:spAutoFit/>
+            </a:bodyPr>
+            <a:lstStyle/>
+            <a:p>
+              <a:r>
+                <a:rPr lang="en-US" altLang="ko-KR" sz="1200" b="1" dirty="0">
+                  <a:latin typeface="+mn-ea"/>
+                </a:rPr>
+                <a:t>1. </a:t>
+              </a:r>
+              <a:r>
+                <a:rPr lang="ko-KR" altLang="en-US" sz="1200" b="1" dirty="0">
+                  <a:latin typeface="+mn-ea"/>
+                </a:rPr>
+                <a:t>기획 의도</a:t>
+              </a:r>
+              <a:endParaRPr lang="en-US" altLang="ko-KR" sz="1200" b="1" dirty="0">
+                <a:latin typeface="+mn-ea"/>
+              </a:endParaRPr>
+            </a:p>
+          </p:txBody>
+        </p:sp>
+      </p:grpSp>
+      <p:grpSp>
+        <p:nvGrpSpPr>
+          <p:cNvPr id="18" name="그룹 17">
+            <a:extLst>
+              <a:ext uri="{FF2B5EF4-FFF2-40B4-BE49-F238E27FC236}">
+                <a16:creationId xmlns:a16="http://schemas.microsoft.com/office/drawing/2014/main" id="{395F0CA4-AE4C-C746-B501-4813A8CB1F8B}"/>
+              </a:ext>
+            </a:extLst>
+          </p:cNvPr>
+          <p:cNvGrpSpPr/>
+          <p:nvPr/>
+        </p:nvGrpSpPr>
+        <p:grpSpPr>
+          <a:xfrm>
+            <a:off x="1472906" y="1073805"/>
+            <a:ext cx="3890910" cy="246880"/>
+            <a:chOff x="1779942" y="1073805"/>
+            <a:chExt cx="3890910" cy="246880"/>
+          </a:xfrm>
+        </p:grpSpPr>
+        <p:sp>
+          <p:nvSpPr>
+            <p:cNvPr id="13" name="TextBox 12">
+              <a:extLst>
+                <a:ext uri="{FF2B5EF4-FFF2-40B4-BE49-F238E27FC236}">
+                  <a16:creationId xmlns:a16="http://schemas.microsoft.com/office/drawing/2014/main" id="{5FAB7453-86FD-45BA-7C99-202710156B05}"/>
+                </a:ext>
+              </a:extLst>
+            </p:cNvPr>
+            <p:cNvSpPr txBox="1"/>
+            <p:nvPr/>
+          </p:nvSpPr>
+          <p:spPr>
+            <a:xfrm>
+              <a:off x="1779942" y="1074464"/>
+              <a:ext cx="776175" cy="246221"/>
+            </a:xfrm>
+            <a:prstGeom prst="rect">
+              <a:avLst/>
+            </a:prstGeom>
+            <a:noFill/>
+          </p:spPr>
+          <p:txBody>
+            <a:bodyPr wrap="none" rtlCol="0">
+              <a:spAutoFit/>
+            </a:bodyPr>
+            <a:lstStyle/>
+            <a:p>
+              <a:r>
+                <a:rPr lang="en-US" altLang="ko-KR" sz="1000" b="1" dirty="0">
+                  <a:latin typeface="+mn-ea"/>
+                </a:rPr>
+                <a:t>#</a:t>
+              </a:r>
+              <a:r>
+                <a:rPr lang="ko-KR" altLang="en-US" sz="1000" b="1" dirty="0">
+                  <a:latin typeface="+mn-ea"/>
+                </a:rPr>
+                <a:t>숙련자용</a:t>
+              </a:r>
+              <a:endParaRPr lang="en-US" altLang="ko-KR" sz="1000" b="1" dirty="0">
+                <a:latin typeface="+mn-ea"/>
+              </a:endParaRPr>
+            </a:p>
+          </p:txBody>
+        </p:sp>
+        <p:sp>
+          <p:nvSpPr>
+            <p:cNvPr id="15" name="TextBox 14">
+              <a:extLst>
+                <a:ext uri="{FF2B5EF4-FFF2-40B4-BE49-F238E27FC236}">
+                  <a16:creationId xmlns:a16="http://schemas.microsoft.com/office/drawing/2014/main" id="{F8C22FA6-9BD7-6A9D-4AAC-10D86B3E1977}"/>
+                </a:ext>
+              </a:extLst>
+            </p:cNvPr>
+            <p:cNvSpPr txBox="1"/>
+            <p:nvPr/>
+          </p:nvSpPr>
+          <p:spPr>
+            <a:xfrm>
+              <a:off x="5022918" y="1074464"/>
+              <a:ext cx="647934" cy="246221"/>
+            </a:xfrm>
+            <a:prstGeom prst="rect">
+              <a:avLst/>
+            </a:prstGeom>
+            <a:noFill/>
+          </p:spPr>
+          <p:txBody>
+            <a:bodyPr wrap="none" rtlCol="0">
+              <a:spAutoFit/>
+            </a:bodyPr>
+            <a:lstStyle/>
+            <a:p>
+              <a:r>
+                <a:rPr lang="en-US" altLang="ko-KR" sz="1000" b="1" dirty="0">
+                  <a:latin typeface="+mn-ea"/>
+                </a:rPr>
+                <a:t>#</a:t>
+              </a:r>
+              <a:r>
+                <a:rPr lang="ko-KR" altLang="en-US" sz="1000" b="1" dirty="0" err="1">
+                  <a:latin typeface="+mn-ea"/>
+                </a:rPr>
+                <a:t>한량무</a:t>
+              </a:r>
+              <a:endParaRPr lang="en-US" altLang="ko-KR" sz="1000" b="1" dirty="0">
+                <a:latin typeface="+mn-ea"/>
+              </a:endParaRPr>
+            </a:p>
+          </p:txBody>
+        </p:sp>
+        <p:sp>
+          <p:nvSpPr>
+            <p:cNvPr id="21" name="TextBox 20">
+              <a:extLst>
+                <a:ext uri="{FF2B5EF4-FFF2-40B4-BE49-F238E27FC236}">
+                  <a16:creationId xmlns:a16="http://schemas.microsoft.com/office/drawing/2014/main" id="{AA207A59-AA7A-2257-E980-C4C01843E93F}"/>
+                </a:ext>
+              </a:extLst>
+            </p:cNvPr>
+            <p:cNvSpPr txBox="1"/>
+            <p:nvPr/>
+          </p:nvSpPr>
+          <p:spPr>
+            <a:xfrm>
+              <a:off x="2831011" y="1074464"/>
+              <a:ext cx="821059" cy="246221"/>
+            </a:xfrm>
+            <a:prstGeom prst="rect">
+              <a:avLst/>
+            </a:prstGeom>
+            <a:noFill/>
+          </p:spPr>
+          <p:txBody>
+            <a:bodyPr wrap="none" rtlCol="0">
+              <a:spAutoFit/>
+            </a:bodyPr>
+            <a:lstStyle/>
+            <a:p>
+              <a:r>
+                <a:rPr lang="en-US" altLang="ko-KR" sz="1000" b="1" dirty="0">
+                  <a:latin typeface="+mn-ea"/>
+                </a:rPr>
+                <a:t>#</a:t>
+              </a:r>
+              <a:r>
+                <a:rPr lang="ko-KR" altLang="en-US" sz="1000" b="1" dirty="0">
+                  <a:latin typeface="+mn-ea"/>
+                </a:rPr>
+                <a:t>번개 유도</a:t>
+              </a:r>
+              <a:endParaRPr lang="en-US" altLang="ko-KR" sz="1000" b="1" dirty="0">
+                <a:latin typeface="+mn-ea"/>
+              </a:endParaRPr>
+            </a:p>
+          </p:txBody>
+        </p:sp>
+        <p:sp>
+          <p:nvSpPr>
+            <p:cNvPr id="10" name="TextBox 9">
+              <a:extLst>
+                <a:ext uri="{FF2B5EF4-FFF2-40B4-BE49-F238E27FC236}">
+                  <a16:creationId xmlns:a16="http://schemas.microsoft.com/office/drawing/2014/main" id="{03789776-499A-6F7A-0293-D71CF000CF2A}"/>
+                </a:ext>
+              </a:extLst>
+            </p:cNvPr>
+            <p:cNvSpPr txBox="1"/>
+            <p:nvPr/>
+          </p:nvSpPr>
+          <p:spPr>
+            <a:xfrm>
+              <a:off x="3926964" y="1073805"/>
+              <a:ext cx="821059" cy="246221"/>
+            </a:xfrm>
+            <a:prstGeom prst="rect">
+              <a:avLst/>
+            </a:prstGeom>
+            <a:noFill/>
+          </p:spPr>
+          <p:txBody>
+            <a:bodyPr wrap="none" rtlCol="0">
+              <a:spAutoFit/>
+            </a:bodyPr>
+            <a:lstStyle/>
+            <a:p>
+              <a:r>
+                <a:rPr lang="en-US" altLang="ko-KR" sz="1000" b="1" dirty="0">
+                  <a:latin typeface="+mn-ea"/>
+                </a:rPr>
+                <a:t>#</a:t>
+              </a:r>
+              <a:r>
+                <a:rPr lang="ko-KR" altLang="en-US" sz="1000" b="1" dirty="0">
+                  <a:latin typeface="+mn-ea"/>
+                </a:rPr>
+                <a:t>방어 무시</a:t>
+              </a:r>
+              <a:endParaRPr lang="en-US" altLang="ko-KR" sz="1000" b="1" dirty="0">
+                <a:latin typeface="+mn-ea"/>
+              </a:endParaRPr>
+            </a:p>
+          </p:txBody>
+        </p:sp>
+      </p:grpSp>
+      <p:grpSp>
+        <p:nvGrpSpPr>
+          <p:cNvPr id="56" name="그룹 55">
+            <a:extLst>
+              <a:ext uri="{FF2B5EF4-FFF2-40B4-BE49-F238E27FC236}">
+                <a16:creationId xmlns:a16="http://schemas.microsoft.com/office/drawing/2014/main" id="{738A91D3-778D-603D-51B9-2DADB22BB418}"/>
+              </a:ext>
+            </a:extLst>
+          </p:cNvPr>
+          <p:cNvGrpSpPr/>
+          <p:nvPr/>
+        </p:nvGrpSpPr>
+        <p:grpSpPr>
+          <a:xfrm>
+            <a:off x="636826" y="1674967"/>
+            <a:ext cx="7266432" cy="1009573"/>
+            <a:chOff x="360045" y="1812509"/>
+            <a:chExt cx="7266432" cy="1009573"/>
+          </a:xfrm>
+        </p:grpSpPr>
+        <p:sp>
+          <p:nvSpPr>
+            <p:cNvPr id="24" name="사각형: 둥근 모서리 23">
+              <a:extLst>
+                <a:ext uri="{FF2B5EF4-FFF2-40B4-BE49-F238E27FC236}">
+                  <a16:creationId xmlns:a16="http://schemas.microsoft.com/office/drawing/2014/main" id="{FA2F7DEA-A6BD-7CD5-41E7-E27EC00E72AE}"/>
+                </a:ext>
+              </a:extLst>
+            </p:cNvPr>
+            <p:cNvSpPr/>
+            <p:nvPr/>
+          </p:nvSpPr>
+          <p:spPr>
+            <a:xfrm>
+              <a:off x="360045" y="1958394"/>
+              <a:ext cx="7266432" cy="863688"/>
+            </a:xfrm>
+            <a:prstGeom prst="roundRect">
+              <a:avLst>
+                <a:gd name="adj" fmla="val 7491"/>
+              </a:avLst>
+            </a:prstGeom>
+            <a:solidFill>
+              <a:schemeClr val="bg1"/>
             </a:solidFill>
-          </a:ln>
-        </p:spPr>
-        <p:style>
-          <a:lnRef idx="2">
-            <a:schemeClr val="accent1">
-              <a:shade val="15000"/>
-            </a:schemeClr>
-          </a:lnRef>
-          <a:fillRef idx="1">
-            <a:schemeClr val="accent1"/>
-          </a:fillRef>
-          <a:effectRef idx="0">
-            <a:schemeClr val="accent1"/>
-          </a:effectRef>
-          <a:fontRef idx="minor">
-            <a:schemeClr val="lt1"/>
-          </a:fontRef>
-        </p:style>
-        <p:txBody>
-          <a:bodyPr rtlCol="0" anchor="ctr"/>
-          <a:lstStyle/>
-          <a:p>
-            <a:pPr algn="ctr"/>
-            <a:endParaRPr lang="ko-KR" altLang="en-US"/>
-          </a:p>
-        </p:txBody>
-      </p:sp>
-      <p:sp>
-        <p:nvSpPr>
-          <p:cNvPr id="12" name="TextBox 11">
-            <a:extLst>
-              <a:ext uri="{FF2B5EF4-FFF2-40B4-BE49-F238E27FC236}">
-                <a16:creationId xmlns:a16="http://schemas.microsoft.com/office/drawing/2014/main" id="{8DB8C6B1-09E9-B283-5AE2-209474A34E88}"/>
-              </a:ext>
-            </a:extLst>
-          </p:cNvPr>
-          <p:cNvSpPr txBox="1"/>
+            <a:ln w="12700">
+              <a:solidFill>
+                <a:srgbClr val="0A6D94"/>
+              </a:solidFill>
+            </a:ln>
+            <a:effectLst/>
+          </p:spPr>
+          <p:style>
+            <a:lnRef idx="2">
+              <a:schemeClr val="accent1">
+                <a:shade val="15000"/>
+              </a:schemeClr>
+            </a:lnRef>
+            <a:fillRef idx="1">
+              <a:schemeClr val="accent1"/>
+            </a:fillRef>
+            <a:effectRef idx="0">
+              <a:schemeClr val="accent1"/>
+            </a:effectRef>
+            <a:fontRef idx="minor">
+              <a:schemeClr val="lt1"/>
+            </a:fontRef>
+          </p:style>
+          <p:txBody>
+            <a:bodyPr rtlCol="0" anchor="ctr"/>
+            <a:lstStyle/>
+            <a:p>
+              <a:pPr algn="ctr"/>
+              <a:endParaRPr lang="ko-KR" altLang="en-US"/>
+            </a:p>
+          </p:txBody>
+        </p:sp>
+        <p:sp>
+          <p:nvSpPr>
+            <p:cNvPr id="25" name="TextBox 24">
+              <a:extLst>
+                <a:ext uri="{FF2B5EF4-FFF2-40B4-BE49-F238E27FC236}">
+                  <a16:creationId xmlns:a16="http://schemas.microsoft.com/office/drawing/2014/main" id="{07A3F5F5-37B4-4206-873D-A2A3981B520A}"/>
+                </a:ext>
+              </a:extLst>
+            </p:cNvPr>
+            <p:cNvSpPr txBox="1"/>
+            <p:nvPr/>
+          </p:nvSpPr>
+          <p:spPr>
+            <a:xfrm>
+              <a:off x="558667" y="2128115"/>
+              <a:ext cx="5237331" cy="524246"/>
+            </a:xfrm>
+            <a:prstGeom prst="rect">
+              <a:avLst/>
+            </a:prstGeom>
+            <a:noFill/>
+          </p:spPr>
+          <p:txBody>
+            <a:bodyPr wrap="none" rtlCol="0">
+              <a:spAutoFit/>
+            </a:bodyPr>
+            <a:lstStyle/>
+            <a:p>
+              <a:pPr marL="171450" indent="-171450">
+                <a:lnSpc>
+                  <a:spcPct val="150000"/>
+                </a:lnSpc>
+                <a:buFontTx/>
+                <a:buChar char="-"/>
+              </a:pPr>
+              <a:r>
+                <a:rPr lang="en-US" altLang="ko-KR" sz="1000" dirty="0">
+                  <a:latin typeface="+mn-ea"/>
+                </a:rPr>
+                <a:t>‘</a:t>
+              </a:r>
+              <a:r>
+                <a:rPr lang="ko-KR" altLang="en-US" sz="1000" dirty="0">
+                  <a:latin typeface="+mn-ea"/>
+                </a:rPr>
+                <a:t>부채</a:t>
+              </a:r>
+              <a:r>
+                <a:rPr lang="en-US" altLang="ko-KR" sz="1000" dirty="0">
+                  <a:latin typeface="+mn-ea"/>
+                </a:rPr>
+                <a:t>’</a:t>
+              </a:r>
+              <a:r>
+                <a:rPr lang="ko-KR" altLang="en-US" sz="1000" dirty="0">
+                  <a:latin typeface="+mn-ea"/>
+                </a:rPr>
+                <a:t>는 번개를 다루는 마법 무기이며</a:t>
+              </a:r>
+              <a:r>
+                <a:rPr lang="en-US" altLang="ko-KR" sz="1000" dirty="0">
+                  <a:latin typeface="+mn-ea"/>
+                </a:rPr>
+                <a:t>, </a:t>
+              </a:r>
+              <a:r>
+                <a:rPr lang="ko-KR" altLang="en-US" sz="1000" dirty="0">
+                  <a:latin typeface="+mn-ea"/>
+                </a:rPr>
+                <a:t>적에게 근접해 피해를 극대화하는 무기입니다</a:t>
+              </a:r>
+              <a:r>
+                <a:rPr lang="en-US" altLang="ko-KR" sz="1000" dirty="0">
+                  <a:latin typeface="+mn-ea"/>
+                </a:rPr>
+                <a:t>.</a:t>
+              </a:r>
+            </a:p>
+            <a:p>
+              <a:pPr marL="171450" indent="-171450">
+                <a:lnSpc>
+                  <a:spcPct val="150000"/>
+                </a:lnSpc>
+                <a:buFontTx/>
+                <a:buChar char="-"/>
+              </a:pPr>
+              <a:r>
+                <a:rPr lang="ko-KR" altLang="en-US" sz="1000" dirty="0">
+                  <a:latin typeface="+mn-ea"/>
+                </a:rPr>
+                <a:t>숙련도에 따른 성장 체감이 확실한 무기입니다</a:t>
+              </a:r>
+              <a:r>
+                <a:rPr lang="en-US" altLang="ko-KR" sz="1000" dirty="0">
+                  <a:latin typeface="+mn-ea"/>
+                </a:rPr>
+                <a:t>.</a:t>
+              </a:r>
+            </a:p>
+          </p:txBody>
+        </p:sp>
+        <p:sp>
+          <p:nvSpPr>
+            <p:cNvPr id="11" name="TextBox 10">
+              <a:extLst>
+                <a:ext uri="{FF2B5EF4-FFF2-40B4-BE49-F238E27FC236}">
+                  <a16:creationId xmlns:a16="http://schemas.microsoft.com/office/drawing/2014/main" id="{31477134-64D6-C261-9F44-7BA38028767E}"/>
+                </a:ext>
+              </a:extLst>
+            </p:cNvPr>
+            <p:cNvSpPr txBox="1"/>
+            <p:nvPr/>
+          </p:nvSpPr>
+          <p:spPr>
+            <a:xfrm>
+              <a:off x="514733" y="1812509"/>
+              <a:ext cx="1650979" cy="290916"/>
+            </a:xfrm>
+            <a:prstGeom prst="roundRect">
+              <a:avLst/>
+            </a:prstGeom>
+            <a:solidFill>
+              <a:srgbClr val="0A6D94"/>
+            </a:solidFill>
+            <a:effectLst>
+              <a:outerShdw blurRad="50800" dist="38100" dir="2700000" algn="tl" rotWithShape="0">
+                <a:prstClr val="black">
+                  <a:alpha val="40000"/>
+                </a:prstClr>
+              </a:outerShdw>
+            </a:effectLst>
+          </p:spPr>
+          <p:txBody>
+            <a:bodyPr wrap="none" lIns="108000" tIns="54000" rIns="108000" bIns="54000" rtlCol="0" anchor="ctr" anchorCtr="0">
+              <a:spAutoFit/>
+            </a:bodyPr>
+            <a:lstStyle/>
+            <a:p>
+              <a:pPr algn="ctr"/>
+              <a:r>
+                <a:rPr lang="ko-KR" altLang="en-US" sz="1000" b="1" dirty="0">
+                  <a:solidFill>
+                    <a:schemeClr val="bg1"/>
+                  </a:solidFill>
+                  <a:latin typeface="+mn-ea"/>
+                </a:rPr>
+                <a:t>숙련된 유저를 위한 무기</a:t>
+              </a:r>
+              <a:endParaRPr lang="en-US" altLang="ko-KR" sz="1000" b="1" dirty="0">
+                <a:solidFill>
+                  <a:schemeClr val="bg1"/>
+                </a:solidFill>
+                <a:latin typeface="+mn-ea"/>
+              </a:endParaRPr>
+            </a:p>
+          </p:txBody>
+        </p:sp>
+      </p:grpSp>
+      <p:grpSp>
+        <p:nvGrpSpPr>
+          <p:cNvPr id="54" name="그룹 53">
+            <a:extLst>
+              <a:ext uri="{FF2B5EF4-FFF2-40B4-BE49-F238E27FC236}">
+                <a16:creationId xmlns:a16="http://schemas.microsoft.com/office/drawing/2014/main" id="{8D52C1A6-7D63-0C4A-0E94-092DFFD13188}"/>
+              </a:ext>
+            </a:extLst>
+          </p:cNvPr>
+          <p:cNvGrpSpPr/>
           <p:nvPr/>
-        </p:nvSpPr>
-        <p:spPr>
+        </p:nvGrpSpPr>
+        <p:grpSpPr>
           <a:xfrm>
-            <a:off x="33832" y="1058417"/>
-            <a:ext cx="1346844" cy="276999"/>
+            <a:off x="636826" y="5463714"/>
+            <a:ext cx="7266432" cy="1009573"/>
+            <a:chOff x="360045" y="3501143"/>
+            <a:chExt cx="7266432" cy="1009573"/>
           </a:xfrm>
-          <a:prstGeom prst="rect">
-            <a:avLst/>
-          </a:prstGeom>
-          <a:noFill/>
-        </p:spPr>
-        <p:txBody>
-          <a:bodyPr wrap="none" rtlCol="0">
-            <a:spAutoFit/>
-          </a:bodyPr>
-          <a:lstStyle/>
-          <a:p>
-            <a:r>
-              <a:rPr lang="en-US" altLang="ko-KR" sz="1200" b="1" dirty="0">
-                <a:latin typeface="+mn-ea"/>
-              </a:rPr>
-              <a:t>2. </a:t>
-            </a:r>
-            <a:r>
-              <a:rPr lang="ko-KR" altLang="en-US" sz="1200" b="1" dirty="0">
-                <a:latin typeface="+mn-ea"/>
-              </a:rPr>
-              <a:t>전투의 방향성</a:t>
-            </a:r>
-            <a:endParaRPr lang="en-US" altLang="ko-KR" sz="1200" b="1" dirty="0">
-              <a:latin typeface="+mn-ea"/>
-            </a:endParaRPr>
-          </a:p>
-        </p:txBody>
-      </p:sp>
-      <p:sp>
-        <p:nvSpPr>
-          <p:cNvPr id="14" name="TextBox 13">
-            <a:extLst>
-              <a:ext uri="{FF2B5EF4-FFF2-40B4-BE49-F238E27FC236}">
-                <a16:creationId xmlns:a16="http://schemas.microsoft.com/office/drawing/2014/main" id="{8B53BC73-AFC7-A9A8-132D-00DBAD097980}"/>
-              </a:ext>
-            </a:extLst>
-          </p:cNvPr>
-          <p:cNvSpPr txBox="1"/>
+        </p:grpSpPr>
+        <p:sp>
+          <p:nvSpPr>
+            <p:cNvPr id="38" name="사각형: 둥근 모서리 37">
+              <a:extLst>
+                <a:ext uri="{FF2B5EF4-FFF2-40B4-BE49-F238E27FC236}">
+                  <a16:creationId xmlns:a16="http://schemas.microsoft.com/office/drawing/2014/main" id="{4556DDE0-109E-D2D8-A4A2-550133756625}"/>
+                </a:ext>
+              </a:extLst>
+            </p:cNvPr>
+            <p:cNvSpPr/>
+            <p:nvPr/>
+          </p:nvSpPr>
+          <p:spPr>
+            <a:xfrm>
+              <a:off x="360045" y="3647028"/>
+              <a:ext cx="7266432" cy="863688"/>
+            </a:xfrm>
+            <a:prstGeom prst="roundRect">
+              <a:avLst>
+                <a:gd name="adj" fmla="val 7491"/>
+              </a:avLst>
+            </a:prstGeom>
+            <a:noFill/>
+            <a:ln w="12700">
+              <a:solidFill>
+                <a:srgbClr val="0A6D94"/>
+              </a:solidFill>
+            </a:ln>
+          </p:spPr>
+          <p:style>
+            <a:lnRef idx="2">
+              <a:schemeClr val="accent1">
+                <a:shade val="15000"/>
+              </a:schemeClr>
+            </a:lnRef>
+            <a:fillRef idx="1">
+              <a:schemeClr val="accent1"/>
+            </a:fillRef>
+            <a:effectRef idx="0">
+              <a:schemeClr val="accent1"/>
+            </a:effectRef>
+            <a:fontRef idx="minor">
+              <a:schemeClr val="lt1"/>
+            </a:fontRef>
+          </p:style>
+          <p:txBody>
+            <a:bodyPr rtlCol="0" anchor="ctr"/>
+            <a:lstStyle/>
+            <a:p>
+              <a:pPr algn="ctr"/>
+              <a:endParaRPr lang="ko-KR" altLang="en-US"/>
+            </a:p>
+          </p:txBody>
+        </p:sp>
+        <p:sp>
+          <p:nvSpPr>
+            <p:cNvPr id="39" name="TextBox 38">
+              <a:extLst>
+                <a:ext uri="{FF2B5EF4-FFF2-40B4-BE49-F238E27FC236}">
+                  <a16:creationId xmlns:a16="http://schemas.microsoft.com/office/drawing/2014/main" id="{122B4EC9-D56D-1F5D-76D1-085CC9090D64}"/>
+                </a:ext>
+              </a:extLst>
+            </p:cNvPr>
+            <p:cNvSpPr txBox="1"/>
+            <p:nvPr/>
+          </p:nvSpPr>
+          <p:spPr>
+            <a:xfrm>
+              <a:off x="558667" y="3816749"/>
+              <a:ext cx="4868640" cy="524246"/>
+            </a:xfrm>
+            <a:prstGeom prst="rect">
+              <a:avLst/>
+            </a:prstGeom>
+            <a:noFill/>
+          </p:spPr>
+          <p:txBody>
+            <a:bodyPr wrap="none" rtlCol="0">
+              <a:spAutoFit/>
+            </a:bodyPr>
+            <a:lstStyle/>
+            <a:p>
+              <a:pPr marL="171450" indent="-171450">
+                <a:lnSpc>
+                  <a:spcPct val="150000"/>
+                </a:lnSpc>
+                <a:buFontTx/>
+                <a:buChar char="-"/>
+              </a:pPr>
+              <a:r>
+                <a:rPr lang="ko-KR" altLang="en-US" sz="1000" dirty="0">
+                  <a:latin typeface="+mn-ea"/>
+                </a:rPr>
+                <a:t>선비가 부채를 들고 추는 전통 춤인 </a:t>
+              </a:r>
+              <a:r>
+                <a:rPr lang="en-US" altLang="ko-KR" sz="1000" dirty="0">
+                  <a:latin typeface="+mn-ea"/>
+                </a:rPr>
+                <a:t>‘</a:t>
+              </a:r>
+              <a:r>
+                <a:rPr lang="ko-KR" altLang="en-US" sz="1000" dirty="0" err="1">
+                  <a:latin typeface="+mn-ea"/>
+                </a:rPr>
+                <a:t>한량무</a:t>
+              </a:r>
+              <a:r>
+                <a:rPr lang="en-US" altLang="ko-KR" sz="1000" dirty="0">
+                  <a:latin typeface="+mn-ea"/>
+                </a:rPr>
+                <a:t>’</a:t>
+              </a:r>
+              <a:r>
+                <a:rPr lang="ko-KR" altLang="en-US" sz="1000" dirty="0">
+                  <a:latin typeface="+mn-ea"/>
+                </a:rPr>
+                <a:t>에서 영감을 받아 만든 무기입니다</a:t>
+              </a:r>
+              <a:r>
+                <a:rPr lang="en-US" altLang="ko-KR" sz="1000" dirty="0">
+                  <a:latin typeface="+mn-ea"/>
+                </a:rPr>
+                <a:t>.</a:t>
+              </a:r>
+            </a:p>
+            <a:p>
+              <a:pPr marL="171450" indent="-171450">
+                <a:lnSpc>
+                  <a:spcPct val="150000"/>
+                </a:lnSpc>
+                <a:buFontTx/>
+                <a:buChar char="-"/>
+              </a:pPr>
+              <a:r>
+                <a:rPr lang="en-US" altLang="ko-KR" sz="1000" dirty="0">
+                  <a:latin typeface="+mn-ea"/>
+                </a:rPr>
+                <a:t>‘</a:t>
+              </a:r>
+              <a:r>
+                <a:rPr lang="ko-KR" altLang="en-US" sz="1000" dirty="0">
+                  <a:latin typeface="+mn-ea"/>
+                </a:rPr>
+                <a:t>부채</a:t>
+              </a:r>
+              <a:r>
+                <a:rPr lang="en-US" altLang="ko-KR" sz="1000" dirty="0">
+                  <a:latin typeface="+mn-ea"/>
+                </a:rPr>
+                <a:t>’</a:t>
+              </a:r>
+              <a:r>
+                <a:rPr lang="ko-KR" altLang="en-US" sz="1000" dirty="0">
+                  <a:latin typeface="+mn-ea"/>
+                </a:rPr>
+                <a:t>의</a:t>
+              </a:r>
+              <a:r>
+                <a:rPr lang="en-US" altLang="ko-KR" sz="1000" dirty="0">
+                  <a:latin typeface="+mn-ea"/>
+                </a:rPr>
+                <a:t> </a:t>
+              </a:r>
+              <a:r>
+                <a:rPr lang="ko-KR" altLang="en-US" sz="1000" dirty="0">
+                  <a:latin typeface="+mn-ea"/>
+                </a:rPr>
+                <a:t>스킬 모션은 조선시대 선비의 여유롭고 절제된 동작을 보여줍니다</a:t>
+              </a:r>
+              <a:r>
+                <a:rPr lang="en-US" altLang="ko-KR" sz="1000" dirty="0">
+                  <a:latin typeface="+mn-ea"/>
+                </a:rPr>
+                <a:t>.</a:t>
+              </a:r>
+            </a:p>
+          </p:txBody>
+        </p:sp>
+        <p:sp>
+          <p:nvSpPr>
+            <p:cNvPr id="40" name="TextBox 39">
+              <a:extLst>
+                <a:ext uri="{FF2B5EF4-FFF2-40B4-BE49-F238E27FC236}">
+                  <a16:creationId xmlns:a16="http://schemas.microsoft.com/office/drawing/2014/main" id="{E88693F4-2E6A-B1B5-4102-560C6BB01D62}"/>
+                </a:ext>
+              </a:extLst>
+            </p:cNvPr>
+            <p:cNvSpPr txBox="1"/>
+            <p:nvPr/>
+          </p:nvSpPr>
+          <p:spPr>
+            <a:xfrm>
+              <a:off x="517936" y="3501143"/>
+              <a:ext cx="1909940" cy="290916"/>
+            </a:xfrm>
+            <a:prstGeom prst="roundRect">
+              <a:avLst/>
+            </a:prstGeom>
+            <a:solidFill>
+              <a:srgbClr val="0A6D94"/>
+            </a:solidFill>
+            <a:effectLst>
+              <a:outerShdw blurRad="50800" dist="38100" dir="2700000" algn="tl" rotWithShape="0">
+                <a:prstClr val="black">
+                  <a:alpha val="40000"/>
+                </a:prstClr>
+              </a:outerShdw>
+            </a:effectLst>
+          </p:spPr>
+          <p:txBody>
+            <a:bodyPr wrap="none" lIns="108000" tIns="54000" rIns="108000" bIns="54000" rtlCol="0" anchor="ctr" anchorCtr="0">
+              <a:spAutoFit/>
+            </a:bodyPr>
+            <a:lstStyle/>
+            <a:p>
+              <a:pPr algn="ctr"/>
+              <a:r>
+                <a:rPr lang="ko-KR" altLang="en-US" sz="1000" b="1" dirty="0">
+                  <a:solidFill>
+                    <a:schemeClr val="bg1"/>
+                  </a:solidFill>
+                  <a:latin typeface="+mn-ea"/>
+                </a:rPr>
+                <a:t>한국의 전통을 보여주는 무기</a:t>
+              </a:r>
+            </a:p>
+          </p:txBody>
+        </p:sp>
+      </p:grpSp>
+      <p:grpSp>
+        <p:nvGrpSpPr>
+          <p:cNvPr id="55" name="그룹 54">
+            <a:extLst>
+              <a:ext uri="{FF2B5EF4-FFF2-40B4-BE49-F238E27FC236}">
+                <a16:creationId xmlns:a16="http://schemas.microsoft.com/office/drawing/2014/main" id="{8BE59E0D-4BB5-BFEA-2F27-27BBFAA34E1D}"/>
+              </a:ext>
+            </a:extLst>
+          </p:cNvPr>
+          <p:cNvGrpSpPr/>
           <p:nvPr/>
-        </p:nvSpPr>
-        <p:spPr>
+        </p:nvGrpSpPr>
+        <p:grpSpPr>
           <a:xfrm>
-            <a:off x="302108" y="4505530"/>
-            <a:ext cx="2920992" cy="261610"/>
+            <a:off x="636826" y="2938167"/>
+            <a:ext cx="7266432" cy="1009146"/>
+            <a:chOff x="360045" y="5160262"/>
+            <a:chExt cx="7266432" cy="1009146"/>
           </a:xfrm>
-          <a:prstGeom prst="rect">
-            <a:avLst/>
-          </a:prstGeom>
-          <a:noFill/>
-        </p:spPr>
-        <p:txBody>
-          <a:bodyPr wrap="none" rtlCol="0">
-            <a:spAutoFit/>
-          </a:bodyPr>
-          <a:lstStyle/>
-          <a:p>
-            <a:r>
-              <a:rPr lang="en-US" altLang="ko-KR" sz="1100" b="1" dirty="0">
-                <a:latin typeface="+mn-ea"/>
-              </a:rPr>
-              <a:t>(3)</a:t>
-            </a:r>
-            <a:r>
-              <a:rPr lang="ko-KR" altLang="en-US" sz="1100" b="1" dirty="0">
-                <a:latin typeface="+mn-ea"/>
-              </a:rPr>
-              <a:t> 몬스터의 공격 사이 사이에 스킬을 사용</a:t>
-            </a:r>
-            <a:endParaRPr lang="en-US" altLang="ko-KR" sz="1100" b="1" dirty="0">
-              <a:latin typeface="+mn-ea"/>
-            </a:endParaRPr>
-          </a:p>
-        </p:txBody>
-      </p:sp>
-      <p:sp>
-        <p:nvSpPr>
-          <p:cNvPr id="17" name="TextBox 16">
-            <a:extLst>
-              <a:ext uri="{FF2B5EF4-FFF2-40B4-BE49-F238E27FC236}">
-                <a16:creationId xmlns:a16="http://schemas.microsoft.com/office/drawing/2014/main" id="{343B04CB-FE75-8B48-14C2-4B4C26D6D612}"/>
-              </a:ext>
-            </a:extLst>
-          </p:cNvPr>
-          <p:cNvSpPr txBox="1"/>
+        </p:grpSpPr>
+        <p:sp>
+          <p:nvSpPr>
+            <p:cNvPr id="41" name="사각형: 둥근 모서리 40">
+              <a:extLst>
+                <a:ext uri="{FF2B5EF4-FFF2-40B4-BE49-F238E27FC236}">
+                  <a16:creationId xmlns:a16="http://schemas.microsoft.com/office/drawing/2014/main" id="{1F798C6B-531B-9C94-47C3-52B3A23F1A3F}"/>
+                </a:ext>
+              </a:extLst>
+            </p:cNvPr>
+            <p:cNvSpPr/>
+            <p:nvPr/>
+          </p:nvSpPr>
+          <p:spPr>
+            <a:xfrm>
+              <a:off x="360045" y="5305720"/>
+              <a:ext cx="7266432" cy="863688"/>
+            </a:xfrm>
+            <a:prstGeom prst="roundRect">
+              <a:avLst>
+                <a:gd name="adj" fmla="val 7491"/>
+              </a:avLst>
+            </a:prstGeom>
+            <a:noFill/>
+            <a:ln w="12700">
+              <a:solidFill>
+                <a:srgbClr val="0A6D94"/>
+              </a:solidFill>
+            </a:ln>
+          </p:spPr>
+          <p:style>
+            <a:lnRef idx="2">
+              <a:schemeClr val="accent1">
+                <a:shade val="15000"/>
+              </a:schemeClr>
+            </a:lnRef>
+            <a:fillRef idx="1">
+              <a:schemeClr val="accent1"/>
+            </a:fillRef>
+            <a:effectRef idx="0">
+              <a:schemeClr val="accent1"/>
+            </a:effectRef>
+            <a:fontRef idx="minor">
+              <a:schemeClr val="lt1"/>
+            </a:fontRef>
+          </p:style>
+          <p:txBody>
+            <a:bodyPr rtlCol="0" anchor="ctr"/>
+            <a:lstStyle/>
+            <a:p>
+              <a:pPr algn="ctr"/>
+              <a:endParaRPr lang="ko-KR" altLang="en-US"/>
+            </a:p>
+          </p:txBody>
+        </p:sp>
+        <p:sp>
+          <p:nvSpPr>
+            <p:cNvPr id="43" name="TextBox 42">
+              <a:extLst>
+                <a:ext uri="{FF2B5EF4-FFF2-40B4-BE49-F238E27FC236}">
+                  <a16:creationId xmlns:a16="http://schemas.microsoft.com/office/drawing/2014/main" id="{CE279B37-3A4C-2089-8080-0F1E0F7C6DFB}"/>
+                </a:ext>
+              </a:extLst>
+            </p:cNvPr>
+            <p:cNvSpPr txBox="1"/>
+            <p:nvPr/>
+          </p:nvSpPr>
+          <p:spPr>
+            <a:xfrm>
+              <a:off x="558667" y="5475441"/>
+              <a:ext cx="5022529" cy="524246"/>
+            </a:xfrm>
+            <a:prstGeom prst="rect">
+              <a:avLst/>
+            </a:prstGeom>
+            <a:noFill/>
+          </p:spPr>
+          <p:txBody>
+            <a:bodyPr wrap="none" rtlCol="0">
+              <a:spAutoFit/>
+            </a:bodyPr>
+            <a:lstStyle/>
+            <a:p>
+              <a:pPr marL="171450" indent="-171450">
+                <a:lnSpc>
+                  <a:spcPct val="150000"/>
+                </a:lnSpc>
+                <a:buFontTx/>
+                <a:buChar char="-"/>
+              </a:pPr>
+              <a:r>
+                <a:rPr lang="ko-KR" altLang="en-US" sz="1000" dirty="0">
+                  <a:latin typeface="+mn-ea"/>
+                </a:rPr>
+                <a:t>부채에 번개를 모아서 방출합니다</a:t>
+              </a:r>
+              <a:r>
+                <a:rPr lang="en-US" altLang="ko-KR" sz="1000" dirty="0">
+                  <a:latin typeface="+mn-ea"/>
+                </a:rPr>
+                <a:t>.</a:t>
+              </a:r>
+            </a:p>
+            <a:p>
+              <a:pPr marL="171450" indent="-171450">
+                <a:lnSpc>
+                  <a:spcPct val="150000"/>
+                </a:lnSpc>
+                <a:buFontTx/>
+                <a:buChar char="-"/>
+              </a:pPr>
+              <a:r>
+                <a:rPr lang="ko-KR" altLang="en-US" sz="1000" dirty="0" err="1">
+                  <a:latin typeface="+mn-ea"/>
+                </a:rPr>
+                <a:t>천뢰침은</a:t>
+              </a:r>
+              <a:r>
+                <a:rPr lang="ko-KR" altLang="en-US" sz="1000" dirty="0">
+                  <a:latin typeface="+mn-ea"/>
+                </a:rPr>
+                <a:t> 여러 갈래로 방출된 번개를 한 갈래로 유도하여 피해를 집중시킵니다</a:t>
+              </a:r>
+              <a:r>
+                <a:rPr lang="en-US" altLang="ko-KR" sz="1000" dirty="0">
+                  <a:latin typeface="+mn-ea"/>
+                </a:rPr>
+                <a:t>.</a:t>
+              </a:r>
+            </a:p>
+          </p:txBody>
+        </p:sp>
+        <p:sp>
+          <p:nvSpPr>
+            <p:cNvPr id="52" name="TextBox 51">
+              <a:extLst>
+                <a:ext uri="{FF2B5EF4-FFF2-40B4-BE49-F238E27FC236}">
+                  <a16:creationId xmlns:a16="http://schemas.microsoft.com/office/drawing/2014/main" id="{74F8029A-0A79-D29E-0C3F-7E7BB868FE63}"/>
+                </a:ext>
+              </a:extLst>
+            </p:cNvPr>
+            <p:cNvSpPr txBox="1"/>
+            <p:nvPr/>
+          </p:nvSpPr>
+          <p:spPr>
+            <a:xfrm>
+              <a:off x="514733" y="5160262"/>
+              <a:ext cx="1476179" cy="290916"/>
+            </a:xfrm>
+            <a:prstGeom prst="roundRect">
+              <a:avLst/>
+            </a:prstGeom>
+            <a:solidFill>
+              <a:srgbClr val="0A6D94"/>
+            </a:solidFill>
+            <a:effectLst>
+              <a:outerShdw blurRad="50800" dist="38100" dir="2700000" algn="tl" rotWithShape="0">
+                <a:prstClr val="black">
+                  <a:alpha val="40000"/>
+                </a:prstClr>
+              </a:outerShdw>
+            </a:effectLst>
+          </p:spPr>
+          <p:txBody>
+            <a:bodyPr wrap="none" lIns="108000" tIns="54000" rIns="108000" bIns="54000" rtlCol="0" anchor="ctr" anchorCtr="0">
+              <a:spAutoFit/>
+            </a:bodyPr>
+            <a:lstStyle/>
+            <a:p>
+              <a:pPr algn="ctr"/>
+              <a:r>
+                <a:rPr lang="ko-KR" altLang="en-US" sz="1000" b="1" dirty="0">
+                  <a:solidFill>
+                    <a:schemeClr val="bg1"/>
+                  </a:solidFill>
+                  <a:latin typeface="+mn-ea"/>
+                </a:rPr>
+                <a:t>번개를 유도하는 무기</a:t>
+              </a:r>
+            </a:p>
+          </p:txBody>
+        </p:sp>
+      </p:grpSp>
+      <p:grpSp>
+        <p:nvGrpSpPr>
+          <p:cNvPr id="12" name="그룹 11">
+            <a:extLst>
+              <a:ext uri="{FF2B5EF4-FFF2-40B4-BE49-F238E27FC236}">
+                <a16:creationId xmlns:a16="http://schemas.microsoft.com/office/drawing/2014/main" id="{91C6C133-0361-65F1-F9F4-A799625B363C}"/>
+              </a:ext>
+            </a:extLst>
+          </p:cNvPr>
+          <p:cNvGrpSpPr/>
           <p:nvPr/>
-        </p:nvSpPr>
-        <p:spPr>
+        </p:nvGrpSpPr>
+        <p:grpSpPr>
           <a:xfrm>
-            <a:off x="533925" y="4767140"/>
-            <a:ext cx="3493264" cy="293414"/>
+            <a:off x="636826" y="4200940"/>
+            <a:ext cx="7266432" cy="1009146"/>
+            <a:chOff x="360045" y="5160262"/>
+            <a:chExt cx="7266432" cy="1009146"/>
           </a:xfrm>
-          <a:prstGeom prst="rect">
-            <a:avLst/>
-          </a:prstGeom>
-          <a:noFill/>
-        </p:spPr>
-        <p:txBody>
-          <a:bodyPr wrap="none" rtlCol="0" anchor="ctr">
-            <a:spAutoFit/>
-          </a:bodyPr>
-          <a:lstStyle/>
-          <a:p>
-            <a:pPr marL="171450" indent="-171450">
-              <a:lnSpc>
-                <a:spcPct val="150000"/>
-              </a:lnSpc>
-              <a:buFontTx/>
-              <a:buChar char="-"/>
-            </a:pPr>
-            <a:r>
-              <a:rPr lang="ko-KR" altLang="en-US" sz="1000" dirty="0" err="1">
-                <a:latin typeface="+mn-ea"/>
-              </a:rPr>
-              <a:t>선후딜이</a:t>
-            </a:r>
-            <a:r>
-              <a:rPr lang="ko-KR" altLang="en-US" sz="1000" dirty="0">
-                <a:latin typeface="+mn-ea"/>
-              </a:rPr>
-              <a:t> 빠른 스킬 모션으로 치고 빠지는 전투 스타일</a:t>
-            </a:r>
-            <a:endParaRPr lang="en-US" altLang="ko-KR" sz="1000" dirty="0">
-              <a:latin typeface="+mn-ea"/>
-            </a:endParaRPr>
-          </a:p>
-        </p:txBody>
-      </p:sp>
-      <p:sp>
-        <p:nvSpPr>
-          <p:cNvPr id="18" name="TextBox 17">
-            <a:extLst>
-              <a:ext uri="{FF2B5EF4-FFF2-40B4-BE49-F238E27FC236}">
-                <a16:creationId xmlns:a16="http://schemas.microsoft.com/office/drawing/2014/main" id="{24433684-9BF3-44C1-1275-9DF4631442C0}"/>
-              </a:ext>
-            </a:extLst>
-          </p:cNvPr>
-          <p:cNvSpPr txBox="1"/>
-          <p:nvPr/>
-        </p:nvSpPr>
-        <p:spPr>
-          <a:xfrm>
-            <a:off x="1779942" y="1073807"/>
-            <a:ext cx="692818" cy="246221"/>
-          </a:xfrm>
-          <a:prstGeom prst="rect">
-            <a:avLst/>
-          </a:prstGeom>
-          <a:noFill/>
-        </p:spPr>
-        <p:txBody>
-          <a:bodyPr wrap="none" rtlCol="0">
-            <a:spAutoFit/>
-          </a:bodyPr>
-          <a:lstStyle/>
-          <a:p>
-            <a:r>
-              <a:rPr lang="en-US" altLang="ko-KR" sz="1000" b="1" dirty="0">
-                <a:latin typeface="+mn-ea"/>
-              </a:rPr>
-              <a:t>#</a:t>
-            </a:r>
-            <a:r>
-              <a:rPr lang="ko-KR" altLang="en-US" sz="1000" b="1" dirty="0">
-                <a:latin typeface="+mn-ea"/>
-              </a:rPr>
-              <a:t>단일 적</a:t>
-            </a:r>
-            <a:endParaRPr lang="en-US" altLang="ko-KR" sz="1000" b="1" dirty="0">
-              <a:latin typeface="+mn-ea"/>
-            </a:endParaRPr>
-          </a:p>
-        </p:txBody>
-      </p:sp>
-      <p:sp>
-        <p:nvSpPr>
-          <p:cNvPr id="19" name="TextBox 18">
-            <a:extLst>
-              <a:ext uri="{FF2B5EF4-FFF2-40B4-BE49-F238E27FC236}">
-                <a16:creationId xmlns:a16="http://schemas.microsoft.com/office/drawing/2014/main" id="{5346FAA1-0E64-F1AC-72B2-A05B1D83C914}"/>
-              </a:ext>
-            </a:extLst>
-          </p:cNvPr>
-          <p:cNvSpPr txBox="1"/>
-          <p:nvPr/>
-        </p:nvSpPr>
-        <p:spPr>
-          <a:xfrm>
-            <a:off x="2707975" y="1073807"/>
-            <a:ext cx="1981633" cy="246221"/>
-          </a:xfrm>
-          <a:prstGeom prst="rect">
-            <a:avLst/>
-          </a:prstGeom>
-          <a:noFill/>
-        </p:spPr>
-        <p:txBody>
-          <a:bodyPr wrap="none" rtlCol="0">
-            <a:spAutoFit/>
-          </a:bodyPr>
-          <a:lstStyle/>
-          <a:p>
-            <a:r>
-              <a:rPr lang="en-US" altLang="ko-KR" sz="1000" b="1" dirty="0">
-                <a:latin typeface="+mn-ea"/>
-              </a:rPr>
-              <a:t>#</a:t>
-            </a:r>
-            <a:r>
-              <a:rPr lang="ko-KR" altLang="en-US" sz="1000" b="1" dirty="0">
-                <a:latin typeface="+mn-ea"/>
-              </a:rPr>
-              <a:t>광역 공격 위주의 무기와 조합</a:t>
-            </a:r>
-            <a:endParaRPr lang="en-US" altLang="ko-KR" sz="1000" b="1" dirty="0">
-              <a:latin typeface="+mn-ea"/>
-            </a:endParaRPr>
-          </a:p>
-        </p:txBody>
-      </p:sp>
-      <p:sp>
-        <p:nvSpPr>
-          <p:cNvPr id="21" name="TextBox 20">
-            <a:extLst>
-              <a:ext uri="{FF2B5EF4-FFF2-40B4-BE49-F238E27FC236}">
-                <a16:creationId xmlns:a16="http://schemas.microsoft.com/office/drawing/2014/main" id="{42E55706-B664-C6A7-C74F-AACAC32639A5}"/>
-              </a:ext>
-            </a:extLst>
-          </p:cNvPr>
-          <p:cNvSpPr txBox="1"/>
-          <p:nvPr/>
-        </p:nvSpPr>
-        <p:spPr>
-          <a:xfrm>
-            <a:off x="4924823" y="1073807"/>
-            <a:ext cx="949299" cy="246221"/>
-          </a:xfrm>
-          <a:prstGeom prst="rect">
-            <a:avLst/>
-          </a:prstGeom>
-          <a:noFill/>
-        </p:spPr>
-        <p:txBody>
-          <a:bodyPr wrap="none" rtlCol="0">
-            <a:spAutoFit/>
-          </a:bodyPr>
-          <a:lstStyle/>
-          <a:p>
-            <a:r>
-              <a:rPr lang="en-US" altLang="ko-KR" sz="1000" b="1" dirty="0">
-                <a:latin typeface="+mn-ea"/>
-              </a:rPr>
-              <a:t>#</a:t>
-            </a:r>
-            <a:r>
-              <a:rPr lang="ko-KR" altLang="en-US" sz="1000" b="1" dirty="0">
-                <a:latin typeface="+mn-ea"/>
-              </a:rPr>
-              <a:t>빠른 </a:t>
-            </a:r>
-            <a:r>
-              <a:rPr lang="ko-KR" altLang="en-US" sz="1000" b="1" dirty="0" err="1">
-                <a:latin typeface="+mn-ea"/>
-              </a:rPr>
-              <a:t>선후딜</a:t>
-            </a:r>
-            <a:endParaRPr lang="en-US" altLang="ko-KR" sz="1000" b="1" dirty="0">
-              <a:latin typeface="+mn-ea"/>
-            </a:endParaRPr>
-          </a:p>
-        </p:txBody>
-      </p:sp>
+        </p:grpSpPr>
+        <p:sp>
+          <p:nvSpPr>
+            <p:cNvPr id="14" name="사각형: 둥근 모서리 13">
+              <a:extLst>
+                <a:ext uri="{FF2B5EF4-FFF2-40B4-BE49-F238E27FC236}">
+                  <a16:creationId xmlns:a16="http://schemas.microsoft.com/office/drawing/2014/main" id="{F337BAA3-B820-4155-B828-505E34C7FA30}"/>
+                </a:ext>
+              </a:extLst>
+            </p:cNvPr>
+            <p:cNvSpPr/>
+            <p:nvPr/>
+          </p:nvSpPr>
+          <p:spPr>
+            <a:xfrm>
+              <a:off x="360045" y="5305720"/>
+              <a:ext cx="7266432" cy="863688"/>
+            </a:xfrm>
+            <a:prstGeom prst="roundRect">
+              <a:avLst>
+                <a:gd name="adj" fmla="val 7491"/>
+              </a:avLst>
+            </a:prstGeom>
+            <a:noFill/>
+            <a:ln w="12700">
+              <a:solidFill>
+                <a:srgbClr val="0A6D94"/>
+              </a:solidFill>
+            </a:ln>
+          </p:spPr>
+          <p:style>
+            <a:lnRef idx="2">
+              <a:schemeClr val="accent1">
+                <a:shade val="15000"/>
+              </a:schemeClr>
+            </a:lnRef>
+            <a:fillRef idx="1">
+              <a:schemeClr val="accent1"/>
+            </a:fillRef>
+            <a:effectRef idx="0">
+              <a:schemeClr val="accent1"/>
+            </a:effectRef>
+            <a:fontRef idx="minor">
+              <a:schemeClr val="lt1"/>
+            </a:fontRef>
+          </p:style>
+          <p:txBody>
+            <a:bodyPr rtlCol="0" anchor="ctr"/>
+            <a:lstStyle/>
+            <a:p>
+              <a:pPr algn="ctr"/>
+              <a:endParaRPr lang="ko-KR" altLang="en-US"/>
+            </a:p>
+          </p:txBody>
+        </p:sp>
+        <p:sp>
+          <p:nvSpPr>
+            <p:cNvPr id="16" name="TextBox 15">
+              <a:extLst>
+                <a:ext uri="{FF2B5EF4-FFF2-40B4-BE49-F238E27FC236}">
+                  <a16:creationId xmlns:a16="http://schemas.microsoft.com/office/drawing/2014/main" id="{76F3EBC6-B160-4BAD-66CE-4295E2FB8B56}"/>
+                </a:ext>
+              </a:extLst>
+            </p:cNvPr>
+            <p:cNvSpPr txBox="1"/>
+            <p:nvPr/>
+          </p:nvSpPr>
+          <p:spPr>
+            <a:xfrm>
+              <a:off x="558667" y="5475441"/>
+              <a:ext cx="4079963" cy="524246"/>
+            </a:xfrm>
+            <a:prstGeom prst="rect">
+              <a:avLst/>
+            </a:prstGeom>
+            <a:noFill/>
+          </p:spPr>
+          <p:txBody>
+            <a:bodyPr wrap="none" rtlCol="0">
+              <a:spAutoFit/>
+            </a:bodyPr>
+            <a:lstStyle/>
+            <a:p>
+              <a:pPr marL="171450" indent="-171450">
+                <a:lnSpc>
+                  <a:spcPct val="150000"/>
+                </a:lnSpc>
+                <a:buFontTx/>
+                <a:buChar char="-"/>
+              </a:pPr>
+              <a:r>
+                <a:rPr lang="ko-KR" altLang="en-US" sz="1000" dirty="0">
+                  <a:latin typeface="+mn-ea"/>
+                </a:rPr>
+                <a:t>방어력을 일부 무시하는 효과를 가지고 있습니다</a:t>
+              </a:r>
+              <a:r>
+                <a:rPr lang="en-US" altLang="ko-KR" sz="1000" dirty="0">
+                  <a:latin typeface="+mn-ea"/>
+                </a:rPr>
+                <a:t>.</a:t>
+              </a:r>
+            </a:p>
+            <a:p>
+              <a:pPr marL="171450" indent="-171450">
+                <a:lnSpc>
+                  <a:spcPct val="150000"/>
+                </a:lnSpc>
+                <a:buFontTx/>
+                <a:buChar char="-"/>
+              </a:pPr>
+              <a:r>
+                <a:rPr lang="ko-KR" altLang="en-US" sz="1000" dirty="0">
+                  <a:latin typeface="+mn-ea"/>
+                </a:rPr>
+                <a:t>방어력이 높은 적을 상대할 때 높은 효율을 발휘하는 무기입니다</a:t>
+              </a:r>
+              <a:r>
+                <a:rPr lang="en-US" altLang="ko-KR" sz="1000" dirty="0">
+                  <a:latin typeface="+mn-ea"/>
+                </a:rPr>
+                <a:t>.</a:t>
+              </a:r>
+            </a:p>
+          </p:txBody>
+        </p:sp>
+        <p:sp>
+          <p:nvSpPr>
+            <p:cNvPr id="17" name="TextBox 16">
+              <a:extLst>
+                <a:ext uri="{FF2B5EF4-FFF2-40B4-BE49-F238E27FC236}">
+                  <a16:creationId xmlns:a16="http://schemas.microsoft.com/office/drawing/2014/main" id="{738DC695-0706-1008-CFB9-27404EBEF3E7}"/>
+                </a:ext>
+              </a:extLst>
+            </p:cNvPr>
+            <p:cNvSpPr txBox="1"/>
+            <p:nvPr/>
+          </p:nvSpPr>
+          <p:spPr>
+            <a:xfrm>
+              <a:off x="514733" y="5160262"/>
+              <a:ext cx="1605660" cy="290916"/>
+            </a:xfrm>
+            <a:prstGeom prst="roundRect">
+              <a:avLst/>
+            </a:prstGeom>
+            <a:solidFill>
+              <a:srgbClr val="0A6D94"/>
+            </a:solidFill>
+            <a:effectLst>
+              <a:outerShdw blurRad="50800" dist="38100" dir="2700000" algn="tl" rotWithShape="0">
+                <a:prstClr val="black">
+                  <a:alpha val="40000"/>
+                </a:prstClr>
+              </a:outerShdw>
+            </a:effectLst>
+          </p:spPr>
+          <p:txBody>
+            <a:bodyPr wrap="none" lIns="108000" tIns="54000" rIns="108000" bIns="54000" rtlCol="0" anchor="ctr" anchorCtr="0">
+              <a:spAutoFit/>
+            </a:bodyPr>
+            <a:lstStyle/>
+            <a:p>
+              <a:pPr algn="ctr"/>
+              <a:r>
+                <a:rPr lang="ko-KR" altLang="en-US" sz="1000" b="1">
+                  <a:solidFill>
+                    <a:schemeClr val="bg1"/>
+                  </a:solidFill>
+                  <a:latin typeface="+mn-ea"/>
+                </a:rPr>
+                <a:t>방어력을 </a:t>
+              </a:r>
+              <a:r>
+                <a:rPr lang="ko-KR" altLang="en-US" sz="1000" b="1" dirty="0">
+                  <a:solidFill>
+                    <a:schemeClr val="bg1"/>
+                  </a:solidFill>
+                  <a:latin typeface="+mn-ea"/>
+                </a:rPr>
+                <a:t>무시하는 무기</a:t>
+              </a:r>
+            </a:p>
+          </p:txBody>
+        </p:sp>
+      </p:grpSp>
     </p:spTree>
     <p:extLst>
       <p:ext uri="{BB962C8B-B14F-4D97-AF65-F5344CB8AC3E}">
-        <p14:creationId xmlns:p14="http://schemas.microsoft.com/office/powerpoint/2010/main" val="3265186188"/>
+        <p14:creationId xmlns:p14="http://schemas.microsoft.com/office/powerpoint/2010/main" val="2221511312"/>
       </p:ext>
     </p:extLst>
   </p:cSld>
